--- a/04.标识符与表达式/04.标识符与表达式.pptx
+++ b/04.标识符与表达式/04.标识符与表达式.pptx
@@ -7529,7 +7529,7 @@
                 <a:latin typeface="Calibri" panose="020F0502020204030204" charset="0"/>
                 <a:cs typeface="Calibri" panose="020F0502020204030204" charset="0"/>
                 <a:sym typeface="+mn-ea"/>
-                <a:hlinkClick r:id="rId1" tooltip="" action="ppaction://hlinkfile"/>
+                <a:hlinkClick r:id="rId1" action="ppaction://hlinkfile"/>
               </a:rPr>
               <a:t>https://developer.mozilla.org/zh-CN/docs/Web/JavaScript/Reference/Operators/Operator_Precedence</a:t>
             </a:r>
@@ -13550,6 +13550,9 @@
             <a:pPr lvl="1"/>
             <a:r>
               <a:rPr lang="en-US" altLang="zh-CN">
+                <a:solidFill>
+                  <a:schemeClr val="tx1"/>
+                </a:solidFill>
                 <a:sym typeface="+mn-ea"/>
               </a:rPr>
               <a:t> 仅当两个操作数的类型相同且值相等为 true</a:t>
@@ -13597,9 +13600,22 @@
               <a:rPr lang="en-US" altLang="zh-CN">
                 <a:sym typeface="+mn-ea"/>
               </a:rPr>
-              <a:t> 在进行比较之前，将两个操作数转换成相同的类型</a:t>
-            </a:r>
-            <a:endParaRPr lang="zh-CN" altLang="en-US"/>
+              <a:t> </a:t>
+            </a:r>
+            <a:r>
+              <a:rPr lang="en-US" altLang="zh-CN">
+                <a:solidFill>
+                  <a:schemeClr val="tx1"/>
+                </a:solidFill>
+                <a:sym typeface="+mn-ea"/>
+              </a:rPr>
+              <a:t>在进行比较之前，将两个操作数转换成相同的类型</a:t>
+            </a:r>
+            <a:endParaRPr lang="zh-CN" altLang="en-US">
+              <a:solidFill>
+                <a:schemeClr val="tx1"/>
+              </a:solidFill>
+            </a:endParaRPr>
           </a:p>
           <a:p>
             <a:endParaRPr lang="zh-CN" altLang="en-US"/>
@@ -13709,6 +13725,226 @@
   <p:clrMapOvr>
     <a:masterClrMapping/>
   </p:clrMapOvr>
+  <p:timing>
+    <p:tnLst>
+      <p:par>
+        <p:cTn id="1" dur="indefinite" restart="never" nodeType="tmRoot">
+          <p:childTnLst>
+            <p:seq concurrent="1" nextAc="seek">
+              <p:cTn id="2" dur="indefinite" nodeType="mainSeq">
+                <p:childTnLst>
+                  <p:par>
+                    <p:cTn id="3" fill="hold">
+                      <p:stCondLst>
+                        <p:cond delay="indefinite"/>
+                      </p:stCondLst>
+                      <p:childTnLst>
+                        <p:par>
+                          <p:cTn id="4" fill="hold">
+                            <p:stCondLst>
+                              <p:cond delay="0"/>
+                            </p:stCondLst>
+                            <p:childTnLst>
+                              <p:par>
+                                <p:cTn id="5" presetID="10" presetClass="entr" presetSubtype="0" fill="hold" nodeType="clickEffect">
+                                  <p:stCondLst>
+                                    <p:cond delay="0"/>
+                                  </p:stCondLst>
+                                  <p:childTnLst>
+                                    <p:set>
+                                      <p:cBhvr>
+                                        <p:cTn id="6" dur="1" fill="hold">
+                                          <p:stCondLst>
+                                            <p:cond delay="0"/>
+                                          </p:stCondLst>
+                                        </p:cTn>
+                                        <p:tgtEl>
+                                          <p:spTgt spid="2">
+                                            <p:txEl>
+                                              <p:pRg st="1" end="1"/>
+                                            </p:txEl>
+                                          </p:spTgt>
+                                        </p:tgtEl>
+                                        <p:attrNameLst>
+                                          <p:attrName>style.visibility</p:attrName>
+                                        </p:attrNameLst>
+                                      </p:cBhvr>
+                                      <p:to>
+                                        <p:strVal val="visible"/>
+                                      </p:to>
+                                    </p:set>
+                                    <p:animEffect transition="in" filter="fade">
+                                      <p:cBhvr>
+                                        <p:cTn id="7" dur="500"/>
+                                        <p:tgtEl>
+                                          <p:spTgt spid="2">
+                                            <p:txEl>
+                                              <p:pRg st="1" end="1"/>
+                                            </p:txEl>
+                                          </p:spTgt>
+                                        </p:tgtEl>
+                                      </p:cBhvr>
+                                    </p:animEffect>
+                                  </p:childTnLst>
+                                </p:cTn>
+                              </p:par>
+                              <p:par>
+                                <p:cTn id="8" presetID="10" presetClass="entr" presetSubtype="0" fill="hold" nodeType="withEffect">
+                                  <p:stCondLst>
+                                    <p:cond delay="0"/>
+                                  </p:stCondLst>
+                                  <p:childTnLst>
+                                    <p:set>
+                                      <p:cBhvr>
+                                        <p:cTn id="9" dur="1" fill="hold">
+                                          <p:stCondLst>
+                                            <p:cond delay="0"/>
+                                          </p:stCondLst>
+                                        </p:cTn>
+                                        <p:tgtEl>
+                                          <p:spTgt spid="2">
+                                            <p:txEl>
+                                              <p:pRg st="2" end="2"/>
+                                            </p:txEl>
+                                          </p:spTgt>
+                                        </p:tgtEl>
+                                        <p:attrNameLst>
+                                          <p:attrName>style.visibility</p:attrName>
+                                        </p:attrNameLst>
+                                      </p:cBhvr>
+                                      <p:to>
+                                        <p:strVal val="visible"/>
+                                      </p:to>
+                                    </p:set>
+                                    <p:animEffect transition="in" filter="fade">
+                                      <p:cBhvr>
+                                        <p:cTn id="10" dur="500"/>
+                                        <p:tgtEl>
+                                          <p:spTgt spid="2">
+                                            <p:txEl>
+                                              <p:pRg st="2" end="2"/>
+                                            </p:txEl>
+                                          </p:spTgt>
+                                        </p:tgtEl>
+                                      </p:cBhvr>
+                                    </p:animEffect>
+                                  </p:childTnLst>
+                                </p:cTn>
+                              </p:par>
+                              <p:par>
+                                <p:cTn id="11" presetID="10" presetClass="entr" presetSubtype="0" fill="hold" nodeType="withEffect">
+                                  <p:stCondLst>
+                                    <p:cond delay="0"/>
+                                  </p:stCondLst>
+                                  <p:childTnLst>
+                                    <p:set>
+                                      <p:cBhvr>
+                                        <p:cTn id="12" dur="1" fill="hold">
+                                          <p:stCondLst>
+                                            <p:cond delay="0"/>
+                                          </p:stCondLst>
+                                        </p:cTn>
+                                        <p:tgtEl>
+                                          <p:spTgt spid="2">
+                                            <p:txEl>
+                                              <p:pRg st="3" end="3"/>
+                                            </p:txEl>
+                                          </p:spTgt>
+                                        </p:tgtEl>
+                                        <p:attrNameLst>
+                                          <p:attrName>style.visibility</p:attrName>
+                                        </p:attrNameLst>
+                                      </p:cBhvr>
+                                      <p:to>
+                                        <p:strVal val="visible"/>
+                                      </p:to>
+                                    </p:set>
+                                    <p:animEffect transition="in" filter="fade">
+                                      <p:cBhvr>
+                                        <p:cTn id="13" dur="500"/>
+                                        <p:tgtEl>
+                                          <p:spTgt spid="2">
+                                            <p:txEl>
+                                              <p:pRg st="3" end="3"/>
+                                            </p:txEl>
+                                          </p:spTgt>
+                                        </p:tgtEl>
+                                      </p:cBhvr>
+                                    </p:animEffect>
+                                  </p:childTnLst>
+                                </p:cTn>
+                              </p:par>
+                              <p:par>
+                                <p:cTn id="14" presetID="10" presetClass="entr" presetSubtype="0" fill="hold" nodeType="withEffect">
+                                  <p:stCondLst>
+                                    <p:cond delay="0"/>
+                                  </p:stCondLst>
+                                  <p:childTnLst>
+                                    <p:set>
+                                      <p:cBhvr>
+                                        <p:cTn id="15" dur="1" fill="hold">
+                                          <p:stCondLst>
+                                            <p:cond delay="0"/>
+                                          </p:stCondLst>
+                                        </p:cTn>
+                                        <p:tgtEl>
+                                          <p:spTgt spid="2">
+                                            <p:txEl>
+                                              <p:pRg st="4" end="4"/>
+                                            </p:txEl>
+                                          </p:spTgt>
+                                        </p:tgtEl>
+                                        <p:attrNameLst>
+                                          <p:attrName>style.visibility</p:attrName>
+                                        </p:attrNameLst>
+                                      </p:cBhvr>
+                                      <p:to>
+                                        <p:strVal val="visible"/>
+                                      </p:to>
+                                    </p:set>
+                                    <p:animEffect transition="in" filter="fade">
+                                      <p:cBhvr>
+                                        <p:cTn id="16" dur="500"/>
+                                        <p:tgtEl>
+                                          <p:spTgt spid="2">
+                                            <p:txEl>
+                                              <p:pRg st="4" end="4"/>
+                                            </p:txEl>
+                                          </p:spTgt>
+                                        </p:tgtEl>
+                                      </p:cBhvr>
+                                    </p:animEffect>
+                                  </p:childTnLst>
+                                </p:cTn>
+                              </p:par>
+                            </p:childTnLst>
+                          </p:cTn>
+                        </p:par>
+                      </p:childTnLst>
+                    </p:cTn>
+                  </p:par>
+                </p:childTnLst>
+              </p:cTn>
+              <p:prevCondLst>
+                <p:cond evt="onPrev" delay="0">
+                  <p:tgtEl>
+                    <p:sldTgt/>
+                  </p:tgtEl>
+                </p:cond>
+              </p:prevCondLst>
+              <p:nextCondLst>
+                <p:cond evt="onNext" delay="0">
+                  <p:tgtEl>
+                    <p:sldTgt/>
+                  </p:tgtEl>
+                </p:cond>
+              </p:nextCondLst>
+            </p:seq>
+          </p:childTnLst>
+        </p:cTn>
+      </p:par>
+    </p:tnLst>
+  </p:timing>
 </p:sld>
 </file>
 
@@ -14573,6 +14809,132 @@
   <p:clrMapOvr>
     <a:masterClrMapping/>
   </p:clrMapOvr>
+  <p:timing>
+    <p:tnLst>
+      <p:par>
+        <p:cTn id="1" dur="indefinite" restart="never" nodeType="tmRoot">
+          <p:childTnLst>
+            <p:seq concurrent="1" nextAc="seek">
+              <p:cTn id="2" dur="indefinite" nodeType="mainSeq">
+                <p:childTnLst>
+                  <p:par>
+                    <p:cTn id="3" fill="hold">
+                      <p:stCondLst>
+                        <p:cond delay="indefinite"/>
+                      </p:stCondLst>
+                      <p:childTnLst>
+                        <p:par>
+                          <p:cTn id="4" fill="hold">
+                            <p:stCondLst>
+                              <p:cond delay="0"/>
+                            </p:stCondLst>
+                            <p:childTnLst>
+                              <p:par>
+                                <p:cTn id="5" presetID="10" presetClass="entr" presetSubtype="0" fill="hold" nodeType="clickEffect">
+                                  <p:stCondLst>
+                                    <p:cond delay="0"/>
+                                  </p:stCondLst>
+                                  <p:childTnLst>
+                                    <p:set>
+                                      <p:cBhvr>
+                                        <p:cTn id="6" dur="1" fill="hold">
+                                          <p:stCondLst>
+                                            <p:cond delay="0"/>
+                                          </p:stCondLst>
+                                        </p:cTn>
+                                        <p:tgtEl>
+                                          <p:spTgt spid="2">
+                                            <p:txEl>
+                                              <p:pRg st="7" end="7"/>
+                                            </p:txEl>
+                                          </p:spTgt>
+                                        </p:tgtEl>
+                                        <p:attrNameLst>
+                                          <p:attrName>style.visibility</p:attrName>
+                                        </p:attrNameLst>
+                                      </p:cBhvr>
+                                      <p:to>
+                                        <p:strVal val="visible"/>
+                                      </p:to>
+                                    </p:set>
+                                    <p:animEffect transition="in" filter="fade">
+                                      <p:cBhvr>
+                                        <p:cTn id="7" dur="500"/>
+                                        <p:tgtEl>
+                                          <p:spTgt spid="2">
+                                            <p:txEl>
+                                              <p:pRg st="7" end="7"/>
+                                            </p:txEl>
+                                          </p:spTgt>
+                                        </p:tgtEl>
+                                      </p:cBhvr>
+                                    </p:animEffect>
+                                  </p:childTnLst>
+                                </p:cTn>
+                              </p:par>
+                              <p:par>
+                                <p:cTn id="8" presetID="10" presetClass="entr" presetSubtype="0" fill="hold" nodeType="withEffect">
+                                  <p:stCondLst>
+                                    <p:cond delay="0"/>
+                                  </p:stCondLst>
+                                  <p:childTnLst>
+                                    <p:set>
+                                      <p:cBhvr>
+                                        <p:cTn id="9" dur="1" fill="hold">
+                                          <p:stCondLst>
+                                            <p:cond delay="0"/>
+                                          </p:stCondLst>
+                                        </p:cTn>
+                                        <p:tgtEl>
+                                          <p:spTgt spid="7"/>
+                                        </p:tgtEl>
+                                        <p:attrNameLst>
+                                          <p:attrName>style.visibility</p:attrName>
+                                        </p:attrNameLst>
+                                      </p:cBhvr>
+                                      <p:to>
+                                        <p:strVal val="visible"/>
+                                      </p:to>
+                                    </p:set>
+                                    <p:animEffect transition="in" filter="fade">
+                                      <p:cBhvr>
+                                        <p:cTn id="10" dur="500"/>
+                                        <p:tgtEl>
+                                          <p:spTgt spid="7"/>
+                                        </p:tgtEl>
+                                      </p:cBhvr>
+                                    </p:animEffect>
+                                  </p:childTnLst>
+                                </p:cTn>
+                              </p:par>
+                            </p:childTnLst>
+                          </p:cTn>
+                        </p:par>
+                      </p:childTnLst>
+                    </p:cTn>
+                  </p:par>
+                </p:childTnLst>
+              </p:cTn>
+              <p:prevCondLst>
+                <p:cond evt="onPrev" delay="0">
+                  <p:tgtEl>
+                    <p:sldTgt/>
+                  </p:tgtEl>
+                </p:cond>
+              </p:prevCondLst>
+              <p:nextCondLst>
+                <p:cond evt="onNext" delay="0">
+                  <p:tgtEl>
+                    <p:sldTgt/>
+                  </p:tgtEl>
+                </p:cond>
+              </p:nextCondLst>
+            </p:seq>
+          </p:childTnLst>
+        </p:cTn>
+      </p:par>
+    </p:tnLst>
+  </p:timing>
 </p:sld>
 </file>
 
@@ -15602,6 +15964,89 @@
   <p:clrMapOvr>
     <a:masterClrMapping/>
   </p:clrMapOvr>
+  <p:timing>
+    <p:tnLst>
+      <p:par>
+        <p:cTn id="1" dur="indefinite" restart="never" nodeType="tmRoot">
+          <p:childTnLst>
+            <p:seq concurrent="1" nextAc="seek">
+              <p:cTn id="2" dur="indefinite" nodeType="mainSeq">
+                <p:childTnLst>
+                  <p:par>
+                    <p:cTn id="3" fill="hold">
+                      <p:stCondLst>
+                        <p:cond delay="indefinite"/>
+                      </p:stCondLst>
+                      <p:childTnLst>
+                        <p:par>
+                          <p:cTn id="4" fill="hold">
+                            <p:stCondLst>
+                              <p:cond delay="0"/>
+                            </p:stCondLst>
+                            <p:childTnLst>
+                              <p:par>
+                                <p:cTn id="5" presetID="10" presetClass="entr" presetSubtype="0" fill="hold" nodeType="clickEffect">
+                                  <p:stCondLst>
+                                    <p:cond delay="0"/>
+                                  </p:stCondLst>
+                                  <p:childTnLst>
+                                    <p:set>
+                                      <p:cBhvr>
+                                        <p:cTn id="6" dur="1" fill="hold">
+                                          <p:stCondLst>
+                                            <p:cond delay="0"/>
+                                          </p:stCondLst>
+                                        </p:cTn>
+                                        <p:tgtEl>
+                                          <p:spTgt spid="11"/>
+                                        </p:tgtEl>
+                                        <p:attrNameLst>
+                                          <p:attrName>style.visibility</p:attrName>
+                                        </p:attrNameLst>
+                                      </p:cBhvr>
+                                      <p:to>
+                                        <p:strVal val="visible"/>
+                                      </p:to>
+                                    </p:set>
+                                    <p:animEffect transition="in" filter="fade">
+                                      <p:cBhvr>
+                                        <p:cTn id="7" dur="500"/>
+                                        <p:tgtEl>
+                                          <p:spTgt spid="11"/>
+                                        </p:tgtEl>
+                                      </p:cBhvr>
+                                    </p:animEffect>
+                                  </p:childTnLst>
+                                </p:cTn>
+                              </p:par>
+                            </p:childTnLst>
+                          </p:cTn>
+                        </p:par>
+                      </p:childTnLst>
+                    </p:cTn>
+                  </p:par>
+                </p:childTnLst>
+              </p:cTn>
+              <p:prevCondLst>
+                <p:cond evt="onPrev" delay="0">
+                  <p:tgtEl>
+                    <p:sldTgt/>
+                  </p:tgtEl>
+                </p:cond>
+              </p:prevCondLst>
+              <p:nextCondLst>
+                <p:cond evt="onNext" delay="0">
+                  <p:tgtEl>
+                    <p:sldTgt/>
+                  </p:tgtEl>
+                </p:cond>
+              </p:nextCondLst>
+            </p:seq>
+          </p:childTnLst>
+        </p:cTn>
+      </p:par>
+    </p:tnLst>
+  </p:timing>
 </p:sld>
 </file>
 
@@ -15788,6 +16233,89 @@
   <p:clrMapOvr>
     <a:masterClrMapping/>
   </p:clrMapOvr>
+  <p:timing>
+    <p:tnLst>
+      <p:par>
+        <p:cTn id="1" dur="indefinite" restart="never" nodeType="tmRoot">
+          <p:childTnLst>
+            <p:seq concurrent="1" nextAc="seek">
+              <p:cTn id="2" dur="indefinite" nodeType="mainSeq">
+                <p:childTnLst>
+                  <p:par>
+                    <p:cTn id="3" fill="hold">
+                      <p:stCondLst>
+                        <p:cond delay="indefinite"/>
+                      </p:stCondLst>
+                      <p:childTnLst>
+                        <p:par>
+                          <p:cTn id="4" fill="hold">
+                            <p:stCondLst>
+                              <p:cond delay="0"/>
+                            </p:stCondLst>
+                            <p:childTnLst>
+                              <p:par>
+                                <p:cTn id="5" presetID="10" presetClass="entr" presetSubtype="0" fill="hold" nodeType="clickEffect">
+                                  <p:stCondLst>
+                                    <p:cond delay="0"/>
+                                  </p:stCondLst>
+                                  <p:childTnLst>
+                                    <p:set>
+                                      <p:cBhvr>
+                                        <p:cTn id="6" dur="1" fill="hold">
+                                          <p:stCondLst>
+                                            <p:cond delay="0"/>
+                                          </p:stCondLst>
+                                        </p:cTn>
+                                        <p:tgtEl>
+                                          <p:spTgt spid="4"/>
+                                        </p:tgtEl>
+                                        <p:attrNameLst>
+                                          <p:attrName>style.visibility</p:attrName>
+                                        </p:attrNameLst>
+                                      </p:cBhvr>
+                                      <p:to>
+                                        <p:strVal val="visible"/>
+                                      </p:to>
+                                    </p:set>
+                                    <p:animEffect transition="in" filter="fade">
+                                      <p:cBhvr>
+                                        <p:cTn id="7" dur="500"/>
+                                        <p:tgtEl>
+                                          <p:spTgt spid="4"/>
+                                        </p:tgtEl>
+                                      </p:cBhvr>
+                                    </p:animEffect>
+                                  </p:childTnLst>
+                                </p:cTn>
+                              </p:par>
+                            </p:childTnLst>
+                          </p:cTn>
+                        </p:par>
+                      </p:childTnLst>
+                    </p:cTn>
+                  </p:par>
+                </p:childTnLst>
+              </p:cTn>
+              <p:prevCondLst>
+                <p:cond evt="onPrev" delay="0">
+                  <p:tgtEl>
+                    <p:sldTgt/>
+                  </p:tgtEl>
+                </p:cond>
+              </p:prevCondLst>
+              <p:nextCondLst>
+                <p:cond evt="onNext" delay="0">
+                  <p:tgtEl>
+                    <p:sldTgt/>
+                  </p:tgtEl>
+                </p:cond>
+              </p:nextCondLst>
+            </p:seq>
+          </p:childTnLst>
+        </p:cTn>
+      </p:par>
+    </p:tnLst>
+  </p:timing>
 </p:sld>
 </file>
 
@@ -16450,6 +16978,183 @@
   <p:clrMapOvr>
     <a:masterClrMapping/>
   </p:clrMapOvr>
+  <p:timing>
+    <p:tnLst>
+      <p:par>
+        <p:cTn id="1" dur="indefinite" restart="never" nodeType="tmRoot">
+          <p:childTnLst>
+            <p:seq concurrent="1" nextAc="seek">
+              <p:cTn id="2" dur="indefinite" nodeType="mainSeq">
+                <p:childTnLst>
+                  <p:par>
+                    <p:cTn id="3" fill="hold">
+                      <p:stCondLst>
+                        <p:cond delay="indefinite"/>
+                      </p:stCondLst>
+                      <p:childTnLst>
+                        <p:par>
+                          <p:cTn id="4" fill="hold">
+                            <p:stCondLst>
+                              <p:cond delay="0"/>
+                            </p:stCondLst>
+                            <p:childTnLst>
+                              <p:par>
+                                <p:cTn id="5" presetID="10" presetClass="entr" presetSubtype="0" fill="hold" nodeType="clickEffect">
+                                  <p:stCondLst>
+                                    <p:cond delay="0"/>
+                                  </p:stCondLst>
+                                  <p:childTnLst>
+                                    <p:set>
+                                      <p:cBhvr>
+                                        <p:cTn id="6" dur="1" fill="hold">
+                                          <p:stCondLst>
+                                            <p:cond delay="0"/>
+                                          </p:stCondLst>
+                                        </p:cTn>
+                                        <p:tgtEl>
+                                          <p:spTgt spid="2">
+                                            <p:txEl>
+                                              <p:pRg st="4" end="4"/>
+                                            </p:txEl>
+                                          </p:spTgt>
+                                        </p:tgtEl>
+                                        <p:attrNameLst>
+                                          <p:attrName>style.visibility</p:attrName>
+                                        </p:attrNameLst>
+                                      </p:cBhvr>
+                                      <p:to>
+                                        <p:strVal val="visible"/>
+                                      </p:to>
+                                    </p:set>
+                                    <p:animEffect transition="in" filter="fade">
+                                      <p:cBhvr>
+                                        <p:cTn id="7" dur="500"/>
+                                        <p:tgtEl>
+                                          <p:spTgt spid="2">
+                                            <p:txEl>
+                                              <p:pRg st="4" end="4"/>
+                                            </p:txEl>
+                                          </p:spTgt>
+                                        </p:tgtEl>
+                                      </p:cBhvr>
+                                    </p:animEffect>
+                                  </p:childTnLst>
+                                </p:cTn>
+                              </p:par>
+                              <p:par>
+                                <p:cTn id="8" presetID="10" presetClass="entr" presetSubtype="0" fill="hold" nodeType="withEffect">
+                                  <p:stCondLst>
+                                    <p:cond delay="0"/>
+                                  </p:stCondLst>
+                                  <p:childTnLst>
+                                    <p:set>
+                                      <p:cBhvr>
+                                        <p:cTn id="9" dur="1" fill="hold">
+                                          <p:stCondLst>
+                                            <p:cond delay="0"/>
+                                          </p:stCondLst>
+                                        </p:cTn>
+                                        <p:tgtEl>
+                                          <p:spTgt spid="2">
+                                            <p:txEl>
+                                              <p:pRg st="5" end="5"/>
+                                            </p:txEl>
+                                          </p:spTgt>
+                                        </p:tgtEl>
+                                        <p:attrNameLst>
+                                          <p:attrName>style.visibility</p:attrName>
+                                        </p:attrNameLst>
+                                      </p:cBhvr>
+                                      <p:to>
+                                        <p:strVal val="visible"/>
+                                      </p:to>
+                                    </p:set>
+                                    <p:animEffect transition="in" filter="fade">
+                                      <p:cBhvr>
+                                        <p:cTn id="10" dur="500"/>
+                                        <p:tgtEl>
+                                          <p:spTgt spid="2">
+                                            <p:txEl>
+                                              <p:pRg st="5" end="5"/>
+                                            </p:txEl>
+                                          </p:spTgt>
+                                        </p:tgtEl>
+                                      </p:cBhvr>
+                                    </p:animEffect>
+                                  </p:childTnLst>
+                                </p:cTn>
+                              </p:par>
+                              <p:par>
+                                <p:cTn id="11" presetID="10" presetClass="entr" presetSubtype="0" fill="hold" nodeType="withEffect">
+                                  <p:stCondLst>
+                                    <p:cond delay="0"/>
+                                  </p:stCondLst>
+                                  <p:childTnLst>
+                                    <p:set>
+                                      <p:cBhvr>
+                                        <p:cTn id="12" dur="1" fill="hold">
+                                          <p:stCondLst>
+                                            <p:cond delay="0"/>
+                                          </p:stCondLst>
+                                        </p:cTn>
+                                        <p:tgtEl>
+                                          <p:spTgt spid="2">
+                                            <p:txEl>
+                                              <p:pRg st="6" end="6"/>
+                                            </p:txEl>
+                                          </p:spTgt>
+                                        </p:tgtEl>
+                                        <p:attrNameLst>
+                                          <p:attrName>style.visibility</p:attrName>
+                                        </p:attrNameLst>
+                                      </p:cBhvr>
+                                      <p:to>
+                                        <p:strVal val="visible"/>
+                                      </p:to>
+                                    </p:set>
+                                    <p:animEffect transition="in" filter="fade">
+                                      <p:cBhvr>
+                                        <p:cTn id="13" dur="500"/>
+                                        <p:tgtEl>
+                                          <p:spTgt spid="2">
+                                            <p:txEl>
+                                              <p:pRg st="6" end="6"/>
+                                            </p:txEl>
+                                          </p:spTgt>
+                                        </p:tgtEl>
+                                      </p:cBhvr>
+                                    </p:animEffect>
+                                  </p:childTnLst>
+                                </p:cTn>
+                              </p:par>
+                            </p:childTnLst>
+                          </p:cTn>
+                        </p:par>
+                      </p:childTnLst>
+                    </p:cTn>
+                  </p:par>
+                </p:childTnLst>
+              </p:cTn>
+              <p:prevCondLst>
+                <p:cond evt="onPrev" delay="0">
+                  <p:tgtEl>
+                    <p:sldTgt/>
+                  </p:tgtEl>
+                </p:cond>
+              </p:prevCondLst>
+              <p:nextCondLst>
+                <p:cond evt="onNext" delay="0">
+                  <p:tgtEl>
+                    <p:sldTgt/>
+                  </p:tgtEl>
+                </p:cond>
+              </p:nextCondLst>
+            </p:seq>
+          </p:childTnLst>
+        </p:cTn>
+      </p:par>
+    </p:tnLst>
+  </p:timing>
 </p:sld>
 </file>
 

--- a/04.标识符与表达式/04.标识符与表达式.pptx
+++ b/04.标识符与表达式/04.标识符与表达式.pptx
@@ -3,60 +3,60 @@
 <p:presentation xmlns:a="http://schemas.openxmlformats.org/drawingml/2006/main" xmlns:r="http://schemas.openxmlformats.org/officeDocument/2006/relationships" xmlns:p="http://schemas.openxmlformats.org/presentationml/2006/main">
   <p:sldMasterIdLst>
     <p:sldMasterId id="2147483648" r:id="rId1"/>
-    <p:sldMasterId id="2147483652" r:id="rId3"/>
-    <p:sldMasterId id="2147483656" r:id="rId4"/>
-    <p:sldMasterId id="2147483660" r:id="rId5"/>
-    <p:sldMasterId id="2147483664" r:id="rId6"/>
+    <p:sldMasterId id="2147483652" r:id="rId2"/>
+    <p:sldMasterId id="2147483656" r:id="rId3"/>
+    <p:sldMasterId id="2147483660" r:id="rId4"/>
+    <p:sldMasterId id="2147483664" r:id="rId5"/>
   </p:sldMasterIdLst>
   <p:notesMasterIdLst>
-    <p:notesMasterId r:id="rId8"/>
+    <p:notesMasterId r:id="rId48"/>
   </p:notesMasterIdLst>
   <p:handoutMasterIdLst>
-    <p:handoutMasterId r:id="rId50"/>
+    <p:handoutMasterId r:id="rId49"/>
   </p:handoutMasterIdLst>
   <p:sldIdLst>
-    <p:sldId id="284" r:id="rId7"/>
-    <p:sldId id="288" r:id="rId9"/>
-    <p:sldId id="904" r:id="rId10"/>
-    <p:sldId id="873" r:id="rId11"/>
-    <p:sldId id="874" r:id="rId12"/>
-    <p:sldId id="875" r:id="rId13"/>
-    <p:sldId id="931" r:id="rId14"/>
-    <p:sldId id="876" r:id="rId15"/>
-    <p:sldId id="962" r:id="rId16"/>
-    <p:sldId id="905" r:id="rId17"/>
-    <p:sldId id="1008" r:id="rId18"/>
-    <p:sldId id="1078" r:id="rId19"/>
-    <p:sldId id="871" r:id="rId20"/>
-    <p:sldId id="877" r:id="rId21"/>
-    <p:sldId id="878" r:id="rId22"/>
-    <p:sldId id="879" r:id="rId23"/>
-    <p:sldId id="889" r:id="rId24"/>
-    <p:sldId id="1053" r:id="rId25"/>
-    <p:sldId id="880" r:id="rId26"/>
-    <p:sldId id="955" r:id="rId27"/>
-    <p:sldId id="956" r:id="rId28"/>
-    <p:sldId id="890" r:id="rId29"/>
-    <p:sldId id="957" r:id="rId30"/>
-    <p:sldId id="958" r:id="rId31"/>
-    <p:sldId id="959" r:id="rId32"/>
-    <p:sldId id="1034" r:id="rId33"/>
-    <p:sldId id="960" r:id="rId34"/>
-    <p:sldId id="1051" r:id="rId35"/>
-    <p:sldId id="1052" r:id="rId36"/>
-    <p:sldId id="881" r:id="rId37"/>
-    <p:sldId id="932" r:id="rId38"/>
-    <p:sldId id="933" r:id="rId39"/>
-    <p:sldId id="1048" r:id="rId40"/>
-    <p:sldId id="1049" r:id="rId41"/>
-    <p:sldId id="1054" r:id="rId42"/>
-    <p:sldId id="906" r:id="rId43"/>
-    <p:sldId id="883" r:id="rId44"/>
-    <p:sldId id="884" r:id="rId45"/>
-    <p:sldId id="885" r:id="rId46"/>
-    <p:sldId id="892" r:id="rId47"/>
-    <p:sldId id="886" r:id="rId48"/>
-    <p:sldId id="862" r:id="rId49"/>
+    <p:sldId id="284" r:id="rId6"/>
+    <p:sldId id="288" r:id="rId7"/>
+    <p:sldId id="904" r:id="rId8"/>
+    <p:sldId id="873" r:id="rId9"/>
+    <p:sldId id="874" r:id="rId10"/>
+    <p:sldId id="875" r:id="rId11"/>
+    <p:sldId id="931" r:id="rId12"/>
+    <p:sldId id="876" r:id="rId13"/>
+    <p:sldId id="962" r:id="rId14"/>
+    <p:sldId id="905" r:id="rId15"/>
+    <p:sldId id="1008" r:id="rId16"/>
+    <p:sldId id="1078" r:id="rId17"/>
+    <p:sldId id="871" r:id="rId18"/>
+    <p:sldId id="877" r:id="rId19"/>
+    <p:sldId id="878" r:id="rId20"/>
+    <p:sldId id="879" r:id="rId21"/>
+    <p:sldId id="889" r:id="rId22"/>
+    <p:sldId id="1053" r:id="rId23"/>
+    <p:sldId id="880" r:id="rId24"/>
+    <p:sldId id="955" r:id="rId25"/>
+    <p:sldId id="956" r:id="rId26"/>
+    <p:sldId id="890" r:id="rId27"/>
+    <p:sldId id="957" r:id="rId28"/>
+    <p:sldId id="958" r:id="rId29"/>
+    <p:sldId id="959" r:id="rId30"/>
+    <p:sldId id="1034" r:id="rId31"/>
+    <p:sldId id="960" r:id="rId32"/>
+    <p:sldId id="1051" r:id="rId33"/>
+    <p:sldId id="1052" r:id="rId34"/>
+    <p:sldId id="881" r:id="rId35"/>
+    <p:sldId id="932" r:id="rId36"/>
+    <p:sldId id="933" r:id="rId37"/>
+    <p:sldId id="1048" r:id="rId38"/>
+    <p:sldId id="1049" r:id="rId39"/>
+    <p:sldId id="1054" r:id="rId40"/>
+    <p:sldId id="906" r:id="rId41"/>
+    <p:sldId id="883" r:id="rId42"/>
+    <p:sldId id="884" r:id="rId43"/>
+    <p:sldId id="885" r:id="rId44"/>
+    <p:sldId id="892" r:id="rId45"/>
+    <p:sldId id="886" r:id="rId46"/>
+    <p:sldId id="862" r:id="rId47"/>
   </p:sldIdLst>
   <p:sldSz cx="12192000" cy="6858000"/>
   <p:notesSz cx="6858000" cy="9144000"/>
@@ -156,8 +156,22 @@
     </a:lvl9pPr>
   </p:defaultTextStyle>
   <p:extLst>
+    <p:ext uri="{EFAFB233-063F-42B5-8137-9DF3F51BA10A}">
+      <p15:sldGuideLst xmlns:p15="http://schemas.microsoft.com/office/powerpoint/2012/main">
+        <p15:guide id="1" orient="horz" pos="2224">
+          <p15:clr>
+            <a:srgbClr val="A4A3A4"/>
+          </p15:clr>
+        </p15:guide>
+        <p15:guide id="2" pos="3840">
+          <p15:clr>
+            <a:srgbClr val="A4A3A4"/>
+          </p15:clr>
+        </p15:guide>
+      </p15:sldGuideLst>
+    </p:ext>
     <p:ext uri="{505F2C04-C923-438B-8C0F-E0CD2BADF298}">
-      <wppc:fontMiss xmlns:wppc="http://www.wps.cn/officeDocument/PresentationCustomData" type="true"/>
+      <wppc:fontMiss xmlns:wppc="http://www.wps.cn/officeDocument/PresentationCustomData" xmlns="" type="true"/>
     </p:ext>
   </p:extLst>
 </p:presentation>
@@ -245,6 +259,7 @@
           <a:p>
             <a:fld id="{0F9B84EA-7D68-4D60-9CB1-D50884785D1C}" type="datetimeFigureOut">
               <a:rPr lang="zh-CN" altLang="en-US" smtClean="0"/>
+              <a:t>2020/3/29</a:t>
             </a:fld>
             <a:endParaRPr lang="zh-CN" altLang="en-US"/>
           </a:p>
@@ -310,6 +325,7 @@
           <a:p>
             <a:fld id="{8D4E0FC9-F1F8-4FAE-9988-3BA365CFD46F}" type="slidenum">
               <a:rPr lang="zh-CN" altLang="en-US" smtClean="0"/>
+              <a:t>‹#›</a:t>
             </a:fld>
             <a:endParaRPr lang="zh-CN" altLang="en-US"/>
           </a:p>
@@ -403,6 +419,7 @@
           <a:p>
             <a:fld id="{684D3FB2-7CB8-4067-B1A5-8C2CFD21EA41}" type="datetimeFigureOut">
               <a:rPr lang="zh-CN" altLang="en-US" smtClean="0"/>
+              <a:t>2020/3/29</a:t>
             </a:fld>
             <a:endParaRPr lang="zh-CN" altLang="en-US"/>
           </a:p>
@@ -471,7 +488,6 @@
               <a:rPr lang="zh-CN" altLang="en-US"/>
               <a:t>单击此处编辑母版文本样式</a:t>
             </a:r>
-            <a:endParaRPr lang="zh-CN" altLang="en-US"/>
           </a:p>
           <a:p>
             <a:pPr lvl="1"/>
@@ -479,7 +495,6 @@
               <a:rPr lang="zh-CN" altLang="en-US"/>
               <a:t>第二级</a:t>
             </a:r>
-            <a:endParaRPr lang="zh-CN" altLang="en-US"/>
           </a:p>
           <a:p>
             <a:pPr lvl="2"/>
@@ -487,7 +502,6 @@
               <a:rPr lang="zh-CN" altLang="en-US"/>
               <a:t>第三级</a:t>
             </a:r>
-            <a:endParaRPr lang="zh-CN" altLang="en-US"/>
           </a:p>
           <a:p>
             <a:pPr lvl="3"/>
@@ -495,7 +509,6 @@
               <a:rPr lang="zh-CN" altLang="en-US"/>
               <a:t>第四级</a:t>
             </a:r>
-            <a:endParaRPr lang="zh-CN" altLang="en-US"/>
           </a:p>
           <a:p>
             <a:pPr lvl="4"/>
@@ -503,7 +516,6 @@
               <a:rPr lang="zh-CN" altLang="en-US"/>
               <a:t>第五级</a:t>
             </a:r>
-            <a:endParaRPr lang="zh-CN" altLang="en-US"/>
           </a:p>
         </p:txBody>
       </p:sp>
@@ -567,6 +579,7 @@
           <a:p>
             <a:fld id="{82D80927-B3A3-4EAB-8C66-CA304D1796CA}" type="slidenum">
               <a:rPr lang="zh-CN" altLang="en-US" smtClean="0"/>
+              <a:t>‹#›</a:t>
             </a:fld>
             <a:endParaRPr lang="zh-CN" altLang="en-US"/>
           </a:p>
@@ -679,11 +692,20 @@
         <p:cNvGrpSpPr/>
         <p:nvPr/>
       </p:nvGrpSpPr>
-      <p:grpSpPr/>
+      <p:grpSpPr>
+        <a:xfrm>
+          <a:off x="0" y="0"/>
+          <a:ext cx="0" cy="0"/>
+          <a:chOff x="0" y="0"/>
+          <a:chExt cx="0" cy="0"/>
+        </a:xfrm>
+      </p:grpSpPr>
       <p:sp>
         <p:nvSpPr>
           <p:cNvPr id="2" name="幻灯片图像占位符 1"/>
-          <p:cNvSpPr/>
+          <p:cNvSpPr>
+            <a:spLocks noGrp="1" noRot="1" noChangeAspect="1"/>
+          </p:cNvSpPr>
           <p:nvPr>
             <p:ph type="sldImg" idx="2"/>
           </p:nvPr>
@@ -693,7 +715,9 @@
       <p:sp>
         <p:nvSpPr>
           <p:cNvPr id="3" name="文本占位符 2"/>
-          <p:cNvSpPr/>
+          <p:cNvSpPr>
+            <a:spLocks noGrp="1"/>
+          </p:cNvSpPr>
           <p:nvPr>
             <p:ph type="body" idx="3"/>
           </p:nvPr>
@@ -701,6 +725,7 @@
         <p:spPr/>
         <p:txBody>
           <a:bodyPr/>
+          <a:lstStyle/>
           <a:p>
             <a:endParaRPr lang="zh-CN" altLang="en-US"/>
           </a:p>
@@ -723,11 +748,20 @@
         <p:cNvGrpSpPr/>
         <p:nvPr/>
       </p:nvGrpSpPr>
-      <p:grpSpPr/>
+      <p:grpSpPr>
+        <a:xfrm>
+          <a:off x="0" y="0"/>
+          <a:ext cx="0" cy="0"/>
+          <a:chOff x="0" y="0"/>
+          <a:chExt cx="0" cy="0"/>
+        </a:xfrm>
+      </p:grpSpPr>
       <p:sp>
         <p:nvSpPr>
           <p:cNvPr id="2" name="幻灯片图像占位符 1"/>
-          <p:cNvSpPr/>
+          <p:cNvSpPr>
+            <a:spLocks noGrp="1" noRot="1" noChangeAspect="1"/>
+          </p:cNvSpPr>
           <p:nvPr>
             <p:ph type="sldImg" idx="2"/>
           </p:nvPr>
@@ -737,7 +771,9 @@
       <p:sp>
         <p:nvSpPr>
           <p:cNvPr id="3" name="文本占位符 2"/>
-          <p:cNvSpPr/>
+          <p:cNvSpPr>
+            <a:spLocks noGrp="1"/>
+          </p:cNvSpPr>
           <p:nvPr>
             <p:ph type="body" idx="3"/>
           </p:nvPr>
@@ -745,6 +781,7 @@
         <p:spPr/>
         <p:txBody>
           <a:bodyPr/>
+          <a:lstStyle/>
           <a:p>
             <a:endParaRPr lang="zh-CN" altLang="en-US"/>
           </a:p>
@@ -767,11 +804,20 @@
         <p:cNvGrpSpPr/>
         <p:nvPr/>
       </p:nvGrpSpPr>
-      <p:grpSpPr/>
+      <p:grpSpPr>
+        <a:xfrm>
+          <a:off x="0" y="0"/>
+          <a:ext cx="0" cy="0"/>
+          <a:chOff x="0" y="0"/>
+          <a:chExt cx="0" cy="0"/>
+        </a:xfrm>
+      </p:grpSpPr>
       <p:sp>
         <p:nvSpPr>
           <p:cNvPr id="2" name="幻灯片图像占位符 1"/>
-          <p:cNvSpPr/>
+          <p:cNvSpPr>
+            <a:spLocks noGrp="1" noRot="1" noChangeAspect="1"/>
+          </p:cNvSpPr>
           <p:nvPr>
             <p:ph type="sldImg" idx="2"/>
           </p:nvPr>
@@ -781,7 +827,9 @@
       <p:sp>
         <p:nvSpPr>
           <p:cNvPr id="3" name="文本占位符 2"/>
-          <p:cNvSpPr/>
+          <p:cNvSpPr>
+            <a:spLocks noGrp="1"/>
+          </p:cNvSpPr>
           <p:nvPr>
             <p:ph type="body" idx="3"/>
           </p:nvPr>
@@ -789,6 +837,7 @@
         <p:spPr/>
         <p:txBody>
           <a:bodyPr/>
+          <a:lstStyle/>
           <a:p>
             <a:endParaRPr lang="zh-CN" altLang="en-US"/>
           </a:p>
@@ -811,11 +860,20 @@
         <p:cNvGrpSpPr/>
         <p:nvPr/>
       </p:nvGrpSpPr>
-      <p:grpSpPr/>
+      <p:grpSpPr>
+        <a:xfrm>
+          <a:off x="0" y="0"/>
+          <a:ext cx="0" cy="0"/>
+          <a:chOff x="0" y="0"/>
+          <a:chExt cx="0" cy="0"/>
+        </a:xfrm>
+      </p:grpSpPr>
       <p:sp>
         <p:nvSpPr>
           <p:cNvPr id="2" name="幻灯片图像占位符 1"/>
-          <p:cNvSpPr/>
+          <p:cNvSpPr>
+            <a:spLocks noGrp="1" noRot="1" noChangeAspect="1"/>
+          </p:cNvSpPr>
           <p:nvPr>
             <p:ph type="sldImg" idx="2"/>
           </p:nvPr>
@@ -825,7 +883,9 @@
       <p:sp>
         <p:nvSpPr>
           <p:cNvPr id="3" name="文本占位符 2"/>
-          <p:cNvSpPr/>
+          <p:cNvSpPr>
+            <a:spLocks noGrp="1"/>
+          </p:cNvSpPr>
           <p:nvPr>
             <p:ph type="body" idx="3"/>
           </p:nvPr>
@@ -833,6 +893,7 @@
         <p:spPr/>
         <p:txBody>
           <a:bodyPr/>
+          <a:lstStyle/>
           <a:p>
             <a:endParaRPr lang="zh-CN" altLang="en-US"/>
           </a:p>
@@ -855,11 +916,20 @@
         <p:cNvGrpSpPr/>
         <p:nvPr/>
       </p:nvGrpSpPr>
-      <p:grpSpPr/>
+      <p:grpSpPr>
+        <a:xfrm>
+          <a:off x="0" y="0"/>
+          <a:ext cx="0" cy="0"/>
+          <a:chOff x="0" y="0"/>
+          <a:chExt cx="0" cy="0"/>
+        </a:xfrm>
+      </p:grpSpPr>
       <p:sp>
         <p:nvSpPr>
           <p:cNvPr id="2" name="幻灯片图像占位符 1"/>
-          <p:cNvSpPr/>
+          <p:cNvSpPr>
+            <a:spLocks noGrp="1" noRot="1" noChangeAspect="1"/>
+          </p:cNvSpPr>
           <p:nvPr>
             <p:ph type="sldImg" idx="2"/>
           </p:nvPr>
@@ -869,7 +939,9 @@
       <p:sp>
         <p:nvSpPr>
           <p:cNvPr id="3" name="文本占位符 2"/>
-          <p:cNvSpPr/>
+          <p:cNvSpPr>
+            <a:spLocks noGrp="1"/>
+          </p:cNvSpPr>
           <p:nvPr>
             <p:ph type="body" idx="3"/>
           </p:nvPr>
@@ -877,6 +949,7 @@
         <p:spPr/>
         <p:txBody>
           <a:bodyPr/>
+          <a:lstStyle/>
           <a:p>
             <a:endParaRPr lang="zh-CN" altLang="en-US"/>
           </a:p>
@@ -899,11 +972,20 @@
         <p:cNvGrpSpPr/>
         <p:nvPr/>
       </p:nvGrpSpPr>
-      <p:grpSpPr/>
+      <p:grpSpPr>
+        <a:xfrm>
+          <a:off x="0" y="0"/>
+          <a:ext cx="0" cy="0"/>
+          <a:chOff x="0" y="0"/>
+          <a:chExt cx="0" cy="0"/>
+        </a:xfrm>
+      </p:grpSpPr>
       <p:sp>
         <p:nvSpPr>
           <p:cNvPr id="2" name="幻灯片图像占位符 1"/>
-          <p:cNvSpPr/>
+          <p:cNvSpPr>
+            <a:spLocks noGrp="1" noRot="1" noChangeAspect="1"/>
+          </p:cNvSpPr>
           <p:nvPr>
             <p:ph type="sldImg" idx="2"/>
           </p:nvPr>
@@ -913,7 +995,9 @@
       <p:sp>
         <p:nvSpPr>
           <p:cNvPr id="3" name="文本占位符 2"/>
-          <p:cNvSpPr/>
+          <p:cNvSpPr>
+            <a:spLocks noGrp="1"/>
+          </p:cNvSpPr>
           <p:nvPr>
             <p:ph type="body" idx="3"/>
           </p:nvPr>
@@ -921,6 +1005,7 @@
         <p:spPr/>
         <p:txBody>
           <a:bodyPr/>
+          <a:lstStyle/>
           <a:p>
             <a:endParaRPr lang="zh-CN" altLang="en-US"/>
           </a:p>
@@ -943,11 +1028,20 @@
         <p:cNvGrpSpPr/>
         <p:nvPr/>
       </p:nvGrpSpPr>
-      <p:grpSpPr/>
+      <p:grpSpPr>
+        <a:xfrm>
+          <a:off x="0" y="0"/>
+          <a:ext cx="0" cy="0"/>
+          <a:chOff x="0" y="0"/>
+          <a:chExt cx="0" cy="0"/>
+        </a:xfrm>
+      </p:grpSpPr>
       <p:sp>
         <p:nvSpPr>
           <p:cNvPr id="2" name="幻灯片图像占位符 1"/>
-          <p:cNvSpPr/>
+          <p:cNvSpPr>
+            <a:spLocks noGrp="1" noRot="1" noChangeAspect="1"/>
+          </p:cNvSpPr>
           <p:nvPr>
             <p:ph type="sldImg" idx="2"/>
           </p:nvPr>
@@ -957,7 +1051,9 @@
       <p:sp>
         <p:nvSpPr>
           <p:cNvPr id="3" name="文本占位符 2"/>
-          <p:cNvSpPr/>
+          <p:cNvSpPr>
+            <a:spLocks noGrp="1"/>
+          </p:cNvSpPr>
           <p:nvPr>
             <p:ph type="body" idx="3"/>
           </p:nvPr>
@@ -965,6 +1061,7 @@
         <p:spPr/>
         <p:txBody>
           <a:bodyPr/>
+          <a:lstStyle/>
           <a:p>
             <a:endParaRPr lang="zh-CN" altLang="en-US"/>
           </a:p>
@@ -987,11 +1084,20 @@
         <p:cNvGrpSpPr/>
         <p:nvPr/>
       </p:nvGrpSpPr>
-      <p:grpSpPr/>
+      <p:grpSpPr>
+        <a:xfrm>
+          <a:off x="0" y="0"/>
+          <a:ext cx="0" cy="0"/>
+          <a:chOff x="0" y="0"/>
+          <a:chExt cx="0" cy="0"/>
+        </a:xfrm>
+      </p:grpSpPr>
       <p:sp>
         <p:nvSpPr>
           <p:cNvPr id="2" name="幻灯片图像占位符 1"/>
-          <p:cNvSpPr/>
+          <p:cNvSpPr>
+            <a:spLocks noGrp="1" noRot="1" noChangeAspect="1"/>
+          </p:cNvSpPr>
           <p:nvPr>
             <p:ph type="sldImg" idx="2"/>
           </p:nvPr>
@@ -1001,7 +1107,9 @@
       <p:sp>
         <p:nvSpPr>
           <p:cNvPr id="3" name="文本占位符 2"/>
-          <p:cNvSpPr/>
+          <p:cNvSpPr>
+            <a:spLocks noGrp="1"/>
+          </p:cNvSpPr>
           <p:nvPr>
             <p:ph type="body" idx="3"/>
           </p:nvPr>
@@ -1009,6 +1117,7 @@
         <p:spPr/>
         <p:txBody>
           <a:bodyPr/>
+          <a:lstStyle/>
           <a:p>
             <a:endParaRPr lang="zh-CN" altLang="en-US"/>
           </a:p>
@@ -1031,11 +1140,20 @@
         <p:cNvGrpSpPr/>
         <p:nvPr/>
       </p:nvGrpSpPr>
-      <p:grpSpPr/>
+      <p:grpSpPr>
+        <a:xfrm>
+          <a:off x="0" y="0"/>
+          <a:ext cx="0" cy="0"/>
+          <a:chOff x="0" y="0"/>
+          <a:chExt cx="0" cy="0"/>
+        </a:xfrm>
+      </p:grpSpPr>
       <p:sp>
         <p:nvSpPr>
           <p:cNvPr id="2" name="幻灯片图像占位符 1"/>
-          <p:cNvSpPr/>
+          <p:cNvSpPr>
+            <a:spLocks noGrp="1" noRot="1" noChangeAspect="1"/>
+          </p:cNvSpPr>
           <p:nvPr>
             <p:ph type="sldImg" idx="2"/>
           </p:nvPr>
@@ -1045,7 +1163,9 @@
       <p:sp>
         <p:nvSpPr>
           <p:cNvPr id="3" name="文本占位符 2"/>
-          <p:cNvSpPr/>
+          <p:cNvSpPr>
+            <a:spLocks noGrp="1"/>
+          </p:cNvSpPr>
           <p:nvPr>
             <p:ph type="body" idx="3"/>
           </p:nvPr>
@@ -1053,6 +1173,7 @@
         <p:spPr/>
         <p:txBody>
           <a:bodyPr/>
+          <a:lstStyle/>
           <a:p>
             <a:endParaRPr lang="zh-CN" altLang="en-US"/>
           </a:p>
@@ -1075,11 +1196,20 @@
         <p:cNvGrpSpPr/>
         <p:nvPr/>
       </p:nvGrpSpPr>
-      <p:grpSpPr/>
+      <p:grpSpPr>
+        <a:xfrm>
+          <a:off x="0" y="0"/>
+          <a:ext cx="0" cy="0"/>
+          <a:chOff x="0" y="0"/>
+          <a:chExt cx="0" cy="0"/>
+        </a:xfrm>
+      </p:grpSpPr>
       <p:sp>
         <p:nvSpPr>
           <p:cNvPr id="2" name="幻灯片图像占位符 1"/>
-          <p:cNvSpPr/>
+          <p:cNvSpPr>
+            <a:spLocks noGrp="1" noRot="1" noChangeAspect="1"/>
+          </p:cNvSpPr>
           <p:nvPr>
             <p:ph type="sldImg" idx="2"/>
           </p:nvPr>
@@ -1089,7 +1219,9 @@
       <p:sp>
         <p:nvSpPr>
           <p:cNvPr id="3" name="文本占位符 2"/>
-          <p:cNvSpPr/>
+          <p:cNvSpPr>
+            <a:spLocks noGrp="1"/>
+          </p:cNvSpPr>
           <p:nvPr>
             <p:ph type="body" idx="3"/>
           </p:nvPr>
@@ -1097,6 +1229,7 @@
         <p:spPr/>
         <p:txBody>
           <a:bodyPr/>
+          <a:lstStyle/>
           <a:p>
             <a:endParaRPr lang="zh-CN" altLang="en-US"/>
           </a:p>
@@ -1119,11 +1252,20 @@
         <p:cNvGrpSpPr/>
         <p:nvPr/>
       </p:nvGrpSpPr>
-      <p:grpSpPr/>
+      <p:grpSpPr>
+        <a:xfrm>
+          <a:off x="0" y="0"/>
+          <a:ext cx="0" cy="0"/>
+          <a:chOff x="0" y="0"/>
+          <a:chExt cx="0" cy="0"/>
+        </a:xfrm>
+      </p:grpSpPr>
       <p:sp>
         <p:nvSpPr>
           <p:cNvPr id="2" name="幻灯片图像占位符 1"/>
-          <p:cNvSpPr/>
+          <p:cNvSpPr>
+            <a:spLocks noGrp="1" noRot="1" noChangeAspect="1"/>
+          </p:cNvSpPr>
           <p:nvPr>
             <p:ph type="sldImg" idx="2"/>
           </p:nvPr>
@@ -1133,7 +1275,9 @@
       <p:sp>
         <p:nvSpPr>
           <p:cNvPr id="3" name="文本占位符 2"/>
-          <p:cNvSpPr/>
+          <p:cNvSpPr>
+            <a:spLocks noGrp="1"/>
+          </p:cNvSpPr>
           <p:nvPr>
             <p:ph type="body" idx="3"/>
           </p:nvPr>
@@ -1141,6 +1285,7 @@
         <p:spPr/>
         <p:txBody>
           <a:bodyPr/>
+          <a:lstStyle/>
           <a:p>
             <a:endParaRPr lang="zh-CN" altLang="en-US"/>
           </a:p>
@@ -1163,11 +1308,20 @@
         <p:cNvGrpSpPr/>
         <p:nvPr/>
       </p:nvGrpSpPr>
-      <p:grpSpPr/>
+      <p:grpSpPr>
+        <a:xfrm>
+          <a:off x="0" y="0"/>
+          <a:ext cx="0" cy="0"/>
+          <a:chOff x="0" y="0"/>
+          <a:chExt cx="0" cy="0"/>
+        </a:xfrm>
+      </p:grpSpPr>
       <p:sp>
         <p:nvSpPr>
           <p:cNvPr id="2" name="幻灯片图像占位符 1"/>
-          <p:cNvSpPr/>
+          <p:cNvSpPr>
+            <a:spLocks noGrp="1" noRot="1" noChangeAspect="1"/>
+          </p:cNvSpPr>
           <p:nvPr>
             <p:ph type="sldImg" idx="2"/>
           </p:nvPr>
@@ -1177,7 +1331,9 @@
       <p:sp>
         <p:nvSpPr>
           <p:cNvPr id="3" name="文本占位符 2"/>
-          <p:cNvSpPr/>
+          <p:cNvSpPr>
+            <a:spLocks noGrp="1"/>
+          </p:cNvSpPr>
           <p:nvPr>
             <p:ph type="body" idx="3"/>
           </p:nvPr>
@@ -1185,6 +1341,7 @@
         <p:spPr/>
         <p:txBody>
           <a:bodyPr/>
+          <a:lstStyle/>
           <a:p>
             <a:endParaRPr lang="zh-CN" altLang="en-US"/>
           </a:p>
@@ -1207,11 +1364,20 @@
         <p:cNvGrpSpPr/>
         <p:nvPr/>
       </p:nvGrpSpPr>
-      <p:grpSpPr/>
+      <p:grpSpPr>
+        <a:xfrm>
+          <a:off x="0" y="0"/>
+          <a:ext cx="0" cy="0"/>
+          <a:chOff x="0" y="0"/>
+          <a:chExt cx="0" cy="0"/>
+        </a:xfrm>
+      </p:grpSpPr>
       <p:sp>
         <p:nvSpPr>
           <p:cNvPr id="2" name="幻灯片图像占位符 1"/>
-          <p:cNvSpPr/>
+          <p:cNvSpPr>
+            <a:spLocks noGrp="1" noRot="1" noChangeAspect="1"/>
+          </p:cNvSpPr>
           <p:nvPr>
             <p:ph type="sldImg" idx="2"/>
           </p:nvPr>
@@ -1221,7 +1387,9 @@
       <p:sp>
         <p:nvSpPr>
           <p:cNvPr id="3" name="文本占位符 2"/>
-          <p:cNvSpPr/>
+          <p:cNvSpPr>
+            <a:spLocks noGrp="1"/>
+          </p:cNvSpPr>
           <p:nvPr>
             <p:ph type="body" idx="3"/>
           </p:nvPr>
@@ -1229,6 +1397,7 @@
         <p:spPr/>
         <p:txBody>
           <a:bodyPr/>
+          <a:lstStyle/>
           <a:p>
             <a:endParaRPr lang="zh-CN" altLang="en-US"/>
           </a:p>
@@ -1251,11 +1420,20 @@
         <p:cNvGrpSpPr/>
         <p:nvPr/>
       </p:nvGrpSpPr>
-      <p:grpSpPr/>
+      <p:grpSpPr>
+        <a:xfrm>
+          <a:off x="0" y="0"/>
+          <a:ext cx="0" cy="0"/>
+          <a:chOff x="0" y="0"/>
+          <a:chExt cx="0" cy="0"/>
+        </a:xfrm>
+      </p:grpSpPr>
       <p:sp>
         <p:nvSpPr>
           <p:cNvPr id="2" name="幻灯片图像占位符 1"/>
-          <p:cNvSpPr/>
+          <p:cNvSpPr>
+            <a:spLocks noGrp="1" noRot="1" noChangeAspect="1"/>
+          </p:cNvSpPr>
           <p:nvPr>
             <p:ph type="sldImg" idx="2"/>
           </p:nvPr>
@@ -1265,7 +1443,9 @@
       <p:sp>
         <p:nvSpPr>
           <p:cNvPr id="3" name="文本占位符 2"/>
-          <p:cNvSpPr/>
+          <p:cNvSpPr>
+            <a:spLocks noGrp="1"/>
+          </p:cNvSpPr>
           <p:nvPr>
             <p:ph type="body" idx="3"/>
           </p:nvPr>
@@ -1273,40 +1453,36 @@
         <p:spPr/>
         <p:txBody>
           <a:bodyPr/>
+          <a:lstStyle/>
           <a:p>
             <a:r>
               <a:rPr lang="zh-CN" altLang="en-US"/>
               <a:t>等价于</a:t>
             </a:r>
-            <a:endParaRPr lang="zh-CN" altLang="en-US"/>
           </a:p>
           <a:p>
             <a:r>
               <a:rPr lang="en-US" altLang="zh-CN"/>
               <a:t>var x=1;</a:t>
             </a:r>
-            <a:endParaRPr lang="en-US" altLang="zh-CN"/>
           </a:p>
           <a:p>
             <a:r>
               <a:rPr lang="en-US" altLang="zh-CN"/>
               <a:t>var tmp=x;</a:t>
             </a:r>
-            <a:endParaRPr lang="en-US" altLang="zh-CN"/>
           </a:p>
           <a:p>
             <a:r>
               <a:rPr lang="en-US" altLang="zh-CN"/>
               <a:t>x++; //x=2</a:t>
             </a:r>
-            <a:endParaRPr lang="en-US" altLang="zh-CN"/>
           </a:p>
           <a:p>
             <a:r>
               <a:rPr lang="en-US" altLang="zh-CN"/>
               <a:t>x=tmp;</a:t>
             </a:r>
-            <a:endParaRPr lang="en-US" altLang="zh-CN"/>
           </a:p>
         </p:txBody>
       </p:sp>
@@ -1327,11 +1503,20 @@
         <p:cNvGrpSpPr/>
         <p:nvPr/>
       </p:nvGrpSpPr>
-      <p:grpSpPr/>
+      <p:grpSpPr>
+        <a:xfrm>
+          <a:off x="0" y="0"/>
+          <a:ext cx="0" cy="0"/>
+          <a:chOff x="0" y="0"/>
+          <a:chExt cx="0" cy="0"/>
+        </a:xfrm>
+      </p:grpSpPr>
       <p:sp>
         <p:nvSpPr>
           <p:cNvPr id="2" name="幻灯片图像占位符 1"/>
-          <p:cNvSpPr/>
+          <p:cNvSpPr>
+            <a:spLocks noGrp="1" noRot="1" noChangeAspect="1"/>
+          </p:cNvSpPr>
           <p:nvPr>
             <p:ph type="sldImg" idx="2"/>
           </p:nvPr>
@@ -1341,7 +1526,9 @@
       <p:sp>
         <p:nvSpPr>
           <p:cNvPr id="3" name="文本占位符 2"/>
-          <p:cNvSpPr/>
+          <p:cNvSpPr>
+            <a:spLocks noGrp="1"/>
+          </p:cNvSpPr>
           <p:nvPr>
             <p:ph type="body" idx="3"/>
           </p:nvPr>
@@ -1349,6 +1536,7 @@
         <p:spPr/>
         <p:txBody>
           <a:bodyPr/>
+          <a:lstStyle/>
           <a:p>
             <a:endParaRPr lang="zh-CN" altLang="en-US"/>
           </a:p>
@@ -1371,11 +1559,20 @@
         <p:cNvGrpSpPr/>
         <p:nvPr/>
       </p:nvGrpSpPr>
-      <p:grpSpPr/>
+      <p:grpSpPr>
+        <a:xfrm>
+          <a:off x="0" y="0"/>
+          <a:ext cx="0" cy="0"/>
+          <a:chOff x="0" y="0"/>
+          <a:chExt cx="0" cy="0"/>
+        </a:xfrm>
+      </p:grpSpPr>
       <p:sp>
         <p:nvSpPr>
           <p:cNvPr id="2" name="幻灯片图像占位符 1"/>
-          <p:cNvSpPr/>
+          <p:cNvSpPr>
+            <a:spLocks noGrp="1" noRot="1" noChangeAspect="1"/>
+          </p:cNvSpPr>
           <p:nvPr>
             <p:ph type="sldImg" idx="2"/>
           </p:nvPr>
@@ -1385,7 +1582,9 @@
       <p:sp>
         <p:nvSpPr>
           <p:cNvPr id="3" name="文本占位符 2"/>
-          <p:cNvSpPr/>
+          <p:cNvSpPr>
+            <a:spLocks noGrp="1"/>
+          </p:cNvSpPr>
           <p:nvPr>
             <p:ph type="body" idx="3"/>
           </p:nvPr>
@@ -1393,6 +1592,7 @@
         <p:spPr/>
         <p:txBody>
           <a:bodyPr/>
+          <a:lstStyle/>
           <a:p>
             <a:endParaRPr lang="zh-CN" altLang="en-US"/>
           </a:p>
@@ -1415,11 +1615,20 @@
         <p:cNvGrpSpPr/>
         <p:nvPr/>
       </p:nvGrpSpPr>
-      <p:grpSpPr/>
+      <p:grpSpPr>
+        <a:xfrm>
+          <a:off x="0" y="0"/>
+          <a:ext cx="0" cy="0"/>
+          <a:chOff x="0" y="0"/>
+          <a:chExt cx="0" cy="0"/>
+        </a:xfrm>
+      </p:grpSpPr>
       <p:sp>
         <p:nvSpPr>
           <p:cNvPr id="2" name="幻灯片图像占位符 1"/>
-          <p:cNvSpPr/>
+          <p:cNvSpPr>
+            <a:spLocks noGrp="1" noRot="1" noChangeAspect="1"/>
+          </p:cNvSpPr>
           <p:nvPr>
             <p:ph type="sldImg" idx="2"/>
           </p:nvPr>
@@ -1429,7 +1638,9 @@
       <p:sp>
         <p:nvSpPr>
           <p:cNvPr id="3" name="文本占位符 2"/>
-          <p:cNvSpPr/>
+          <p:cNvSpPr>
+            <a:spLocks noGrp="1"/>
+          </p:cNvSpPr>
           <p:nvPr>
             <p:ph type="body" idx="3"/>
           </p:nvPr>
@@ -1437,6 +1648,7 @@
         <p:spPr/>
         <p:txBody>
           <a:bodyPr/>
+          <a:lstStyle/>
           <a:p>
             <a:endParaRPr lang="zh-CN" altLang="en-US"/>
           </a:p>
@@ -1459,11 +1671,20 @@
         <p:cNvGrpSpPr/>
         <p:nvPr/>
       </p:nvGrpSpPr>
-      <p:grpSpPr/>
+      <p:grpSpPr>
+        <a:xfrm>
+          <a:off x="0" y="0"/>
+          <a:ext cx="0" cy="0"/>
+          <a:chOff x="0" y="0"/>
+          <a:chExt cx="0" cy="0"/>
+        </a:xfrm>
+      </p:grpSpPr>
       <p:sp>
         <p:nvSpPr>
           <p:cNvPr id="2" name="幻灯片图像占位符 1"/>
-          <p:cNvSpPr/>
+          <p:cNvSpPr>
+            <a:spLocks noGrp="1" noRot="1" noChangeAspect="1"/>
+          </p:cNvSpPr>
           <p:nvPr>
             <p:ph type="sldImg" idx="2"/>
           </p:nvPr>
@@ -1473,7 +1694,9 @@
       <p:sp>
         <p:nvSpPr>
           <p:cNvPr id="3" name="文本占位符 2"/>
-          <p:cNvSpPr/>
+          <p:cNvSpPr>
+            <a:spLocks noGrp="1"/>
+          </p:cNvSpPr>
           <p:nvPr>
             <p:ph type="body" idx="3"/>
           </p:nvPr>
@@ -1481,6 +1704,7 @@
         <p:spPr/>
         <p:txBody>
           <a:bodyPr/>
+          <a:lstStyle/>
           <a:p>
             <a:endParaRPr lang="zh-CN" altLang="en-US"/>
           </a:p>
@@ -1503,11 +1727,20 @@
         <p:cNvGrpSpPr/>
         <p:nvPr/>
       </p:nvGrpSpPr>
-      <p:grpSpPr/>
+      <p:grpSpPr>
+        <a:xfrm>
+          <a:off x="0" y="0"/>
+          <a:ext cx="0" cy="0"/>
+          <a:chOff x="0" y="0"/>
+          <a:chExt cx="0" cy="0"/>
+        </a:xfrm>
+      </p:grpSpPr>
       <p:sp>
         <p:nvSpPr>
           <p:cNvPr id="2" name="幻灯片图像占位符 1"/>
-          <p:cNvSpPr/>
+          <p:cNvSpPr>
+            <a:spLocks noGrp="1" noRot="1" noChangeAspect="1"/>
+          </p:cNvSpPr>
           <p:nvPr>
             <p:ph type="sldImg" idx="2"/>
           </p:nvPr>
@@ -1517,7 +1750,9 @@
       <p:sp>
         <p:nvSpPr>
           <p:cNvPr id="3" name="文本占位符 2"/>
-          <p:cNvSpPr/>
+          <p:cNvSpPr>
+            <a:spLocks noGrp="1"/>
+          </p:cNvSpPr>
           <p:nvPr>
             <p:ph type="body" idx="3"/>
           </p:nvPr>
@@ -1525,6 +1760,7 @@
         <p:spPr/>
         <p:txBody>
           <a:bodyPr/>
+          <a:lstStyle/>
           <a:p>
             <a:endParaRPr lang="zh-CN" altLang="en-US"/>
           </a:p>
@@ -1547,11 +1783,20 @@
         <p:cNvGrpSpPr/>
         <p:nvPr/>
       </p:nvGrpSpPr>
-      <p:grpSpPr/>
+      <p:grpSpPr>
+        <a:xfrm>
+          <a:off x="0" y="0"/>
+          <a:ext cx="0" cy="0"/>
+          <a:chOff x="0" y="0"/>
+          <a:chExt cx="0" cy="0"/>
+        </a:xfrm>
+      </p:grpSpPr>
       <p:sp>
         <p:nvSpPr>
           <p:cNvPr id="2" name="幻灯片图像占位符 1"/>
-          <p:cNvSpPr/>
+          <p:cNvSpPr>
+            <a:spLocks noGrp="1" noRot="1" noChangeAspect="1"/>
+          </p:cNvSpPr>
           <p:nvPr>
             <p:ph type="sldImg" idx="2"/>
           </p:nvPr>
@@ -1561,7 +1806,9 @@
       <p:sp>
         <p:nvSpPr>
           <p:cNvPr id="3" name="文本占位符 2"/>
-          <p:cNvSpPr/>
+          <p:cNvSpPr>
+            <a:spLocks noGrp="1"/>
+          </p:cNvSpPr>
           <p:nvPr>
             <p:ph type="body" idx="3"/>
           </p:nvPr>
@@ -1569,6 +1816,7 @@
         <p:spPr/>
         <p:txBody>
           <a:bodyPr/>
+          <a:lstStyle/>
           <a:p>
             <a:endParaRPr lang="zh-CN" altLang="en-US"/>
           </a:p>
@@ -1591,11 +1839,20 @@
         <p:cNvGrpSpPr/>
         <p:nvPr/>
       </p:nvGrpSpPr>
-      <p:grpSpPr/>
+      <p:grpSpPr>
+        <a:xfrm>
+          <a:off x="0" y="0"/>
+          <a:ext cx="0" cy="0"/>
+          <a:chOff x="0" y="0"/>
+          <a:chExt cx="0" cy="0"/>
+        </a:xfrm>
+      </p:grpSpPr>
       <p:sp>
         <p:nvSpPr>
           <p:cNvPr id="2" name="幻灯片图像占位符 1"/>
-          <p:cNvSpPr/>
+          <p:cNvSpPr>
+            <a:spLocks noGrp="1" noRot="1" noChangeAspect="1"/>
+          </p:cNvSpPr>
           <p:nvPr>
             <p:ph type="sldImg" idx="2"/>
           </p:nvPr>
@@ -1605,7 +1862,9 @@
       <p:sp>
         <p:nvSpPr>
           <p:cNvPr id="3" name="文本占位符 2"/>
-          <p:cNvSpPr/>
+          <p:cNvSpPr>
+            <a:spLocks noGrp="1"/>
+          </p:cNvSpPr>
           <p:nvPr>
             <p:ph type="body" idx="3"/>
           </p:nvPr>
@@ -1613,12 +1872,12 @@
         <p:spPr/>
         <p:txBody>
           <a:bodyPr/>
+          <a:lstStyle/>
           <a:p>
             <a:r>
               <a:rPr lang="zh-CN" altLang="en-US"/>
               <a:t>多条语句可以在一行显示</a:t>
             </a:r>
-            <a:endParaRPr lang="zh-CN" altLang="en-US"/>
           </a:p>
           <a:p>
             <a:endParaRPr lang="zh-CN" altLang="en-US"/>
@@ -1628,7 +1887,6 @@
               <a:rPr lang="zh-CN" altLang="en-US"/>
               <a:t>当语句单独一行显示时，可以省略分号，JavaScript 在解析时会自动补全分号。</a:t>
             </a:r>
-            <a:endParaRPr lang="zh-CN" altLang="en-US"/>
           </a:p>
         </p:txBody>
       </p:sp>
@@ -1649,11 +1907,20 @@
         <p:cNvGrpSpPr/>
         <p:nvPr/>
       </p:nvGrpSpPr>
-      <p:grpSpPr/>
+      <p:grpSpPr>
+        <a:xfrm>
+          <a:off x="0" y="0"/>
+          <a:ext cx="0" cy="0"/>
+          <a:chOff x="0" y="0"/>
+          <a:chExt cx="0" cy="0"/>
+        </a:xfrm>
+      </p:grpSpPr>
       <p:sp>
         <p:nvSpPr>
           <p:cNvPr id="2" name="幻灯片图像占位符 1"/>
-          <p:cNvSpPr/>
+          <p:cNvSpPr>
+            <a:spLocks noGrp="1" noRot="1" noChangeAspect="1"/>
+          </p:cNvSpPr>
           <p:nvPr>
             <p:ph type="sldImg" idx="2"/>
           </p:nvPr>
@@ -1663,7 +1930,9 @@
       <p:sp>
         <p:nvSpPr>
           <p:cNvPr id="3" name="文本占位符 2"/>
-          <p:cNvSpPr/>
+          <p:cNvSpPr>
+            <a:spLocks noGrp="1"/>
+          </p:cNvSpPr>
           <p:nvPr>
             <p:ph type="body" idx="3"/>
           </p:nvPr>
@@ -1671,54 +1940,48 @@
         <p:spPr/>
         <p:txBody>
           <a:bodyPr/>
+          <a:lstStyle/>
           <a:p>
             <a:r>
               <a:rPr lang="zh-CN" altLang="en-US"/>
               <a:t> var student = new ((function() {</a:t>
             </a:r>
-            <a:endParaRPr lang="zh-CN" altLang="en-US"/>
           </a:p>
           <a:p>
             <a:r>
               <a:rPr lang="zh-CN" altLang="en-US"/>
               <a:t>        return function(name, age) {</a:t>
             </a:r>
-            <a:endParaRPr lang="zh-CN" altLang="en-US"/>
           </a:p>
           <a:p>
             <a:r>
               <a:rPr lang="zh-CN" altLang="en-US"/>
               <a:t>          this.name = name;</a:t>
             </a:r>
-            <a:endParaRPr lang="zh-CN" altLang="en-US"/>
           </a:p>
           <a:p>
             <a:r>
               <a:rPr lang="zh-CN" altLang="en-US"/>
               <a:t>          this.age = age;</a:t>
             </a:r>
-            <a:endParaRPr lang="zh-CN" altLang="en-US"/>
           </a:p>
           <a:p>
             <a:r>
               <a:rPr lang="zh-CN" altLang="en-US"/>
               <a:t>        };</a:t>
             </a:r>
-            <a:endParaRPr lang="zh-CN" altLang="en-US"/>
           </a:p>
           <a:p>
             <a:r>
               <a:rPr lang="zh-CN" altLang="en-US"/>
               <a:t>      })())("Lily", 20);</a:t>
             </a:r>
-            <a:endParaRPr lang="zh-CN" altLang="en-US"/>
           </a:p>
           <a:p>
             <a:r>
               <a:rPr lang="zh-CN" altLang="en-US"/>
               <a:t>      console.log(student);</a:t>
             </a:r>
-            <a:endParaRPr lang="zh-CN" altLang="en-US"/>
           </a:p>
         </p:txBody>
       </p:sp>
@@ -1739,11 +2002,20 @@
         <p:cNvGrpSpPr/>
         <p:nvPr/>
       </p:nvGrpSpPr>
-      <p:grpSpPr/>
+      <p:grpSpPr>
+        <a:xfrm>
+          <a:off x="0" y="0"/>
+          <a:ext cx="0" cy="0"/>
+          <a:chOff x="0" y="0"/>
+          <a:chExt cx="0" cy="0"/>
+        </a:xfrm>
+      </p:grpSpPr>
       <p:sp>
         <p:nvSpPr>
           <p:cNvPr id="2" name="幻灯片图像占位符 1"/>
-          <p:cNvSpPr/>
+          <p:cNvSpPr>
+            <a:spLocks noGrp="1" noRot="1" noChangeAspect="1"/>
+          </p:cNvSpPr>
           <p:nvPr>
             <p:ph type="sldImg" idx="2"/>
           </p:nvPr>
@@ -1753,7 +2025,9 @@
       <p:sp>
         <p:nvSpPr>
           <p:cNvPr id="3" name="文本占位符 2"/>
-          <p:cNvSpPr/>
+          <p:cNvSpPr>
+            <a:spLocks noGrp="1"/>
+          </p:cNvSpPr>
           <p:nvPr>
             <p:ph type="body" idx="3"/>
           </p:nvPr>
@@ -1761,6 +2035,7 @@
         <p:spPr/>
         <p:txBody>
           <a:bodyPr/>
+          <a:lstStyle/>
           <a:p>
             <a:endParaRPr lang="zh-CN" altLang="en-US"/>
           </a:p>
@@ -1783,11 +2058,20 @@
         <p:cNvGrpSpPr/>
         <p:nvPr/>
       </p:nvGrpSpPr>
-      <p:grpSpPr/>
+      <p:grpSpPr>
+        <a:xfrm>
+          <a:off x="0" y="0"/>
+          <a:ext cx="0" cy="0"/>
+          <a:chOff x="0" y="0"/>
+          <a:chExt cx="0" cy="0"/>
+        </a:xfrm>
+      </p:grpSpPr>
       <p:sp>
         <p:nvSpPr>
           <p:cNvPr id="2" name="幻灯片图像占位符 1"/>
-          <p:cNvSpPr/>
+          <p:cNvSpPr>
+            <a:spLocks noGrp="1" noRot="1" noChangeAspect="1"/>
+          </p:cNvSpPr>
           <p:nvPr>
             <p:ph type="sldImg" idx="2"/>
           </p:nvPr>
@@ -1797,7 +2081,9 @@
       <p:sp>
         <p:nvSpPr>
           <p:cNvPr id="3" name="文本占位符 2"/>
-          <p:cNvSpPr/>
+          <p:cNvSpPr>
+            <a:spLocks noGrp="1"/>
+          </p:cNvSpPr>
           <p:nvPr>
             <p:ph type="body" idx="3"/>
           </p:nvPr>
@@ -1805,6 +2091,7 @@
         <p:spPr/>
         <p:txBody>
           <a:bodyPr/>
+          <a:lstStyle/>
           <a:p>
             <a:endParaRPr lang="zh-CN" altLang="en-US"/>
           </a:p>
@@ -1827,11 +2114,20 @@
         <p:cNvGrpSpPr/>
         <p:nvPr/>
       </p:nvGrpSpPr>
-      <p:grpSpPr/>
+      <p:grpSpPr>
+        <a:xfrm>
+          <a:off x="0" y="0"/>
+          <a:ext cx="0" cy="0"/>
+          <a:chOff x="0" y="0"/>
+          <a:chExt cx="0" cy="0"/>
+        </a:xfrm>
+      </p:grpSpPr>
       <p:sp>
         <p:nvSpPr>
           <p:cNvPr id="2" name="幻灯片图像占位符 1"/>
-          <p:cNvSpPr/>
+          <p:cNvSpPr>
+            <a:spLocks noGrp="1" noRot="1" noChangeAspect="1"/>
+          </p:cNvSpPr>
           <p:nvPr>
             <p:ph type="sldImg" idx="2"/>
           </p:nvPr>
@@ -1841,7 +2137,9 @@
       <p:sp>
         <p:nvSpPr>
           <p:cNvPr id="3" name="文本占位符 2"/>
-          <p:cNvSpPr/>
+          <p:cNvSpPr>
+            <a:spLocks noGrp="1"/>
+          </p:cNvSpPr>
           <p:nvPr>
             <p:ph type="body" idx="3"/>
           </p:nvPr>
@@ -1849,6 +2147,7 @@
         <p:spPr/>
         <p:txBody>
           <a:bodyPr/>
+          <a:lstStyle/>
           <a:p>
             <a:endParaRPr lang="zh-CN" altLang="en-US"/>
           </a:p>
@@ -1871,11 +2170,20 @@
         <p:cNvGrpSpPr/>
         <p:nvPr/>
       </p:nvGrpSpPr>
-      <p:grpSpPr/>
+      <p:grpSpPr>
+        <a:xfrm>
+          <a:off x="0" y="0"/>
+          <a:ext cx="0" cy="0"/>
+          <a:chOff x="0" y="0"/>
+          <a:chExt cx="0" cy="0"/>
+        </a:xfrm>
+      </p:grpSpPr>
       <p:sp>
         <p:nvSpPr>
           <p:cNvPr id="2" name="幻灯片图像占位符 1"/>
-          <p:cNvSpPr/>
+          <p:cNvSpPr>
+            <a:spLocks noGrp="1" noRot="1" noChangeAspect="1"/>
+          </p:cNvSpPr>
           <p:nvPr>
             <p:ph type="sldImg" idx="2"/>
           </p:nvPr>
@@ -1885,7 +2193,9 @@
       <p:sp>
         <p:nvSpPr>
           <p:cNvPr id="3" name="文本占位符 2"/>
-          <p:cNvSpPr/>
+          <p:cNvSpPr>
+            <a:spLocks noGrp="1"/>
+          </p:cNvSpPr>
           <p:nvPr>
             <p:ph type="body" idx="3"/>
           </p:nvPr>
@@ -1893,6 +2203,7 @@
         <p:spPr/>
         <p:txBody>
           <a:bodyPr/>
+          <a:lstStyle/>
           <a:p>
             <a:endParaRPr lang="en-US" altLang="zh-CN"/>
           </a:p>
@@ -1915,11 +2226,20 @@
         <p:cNvGrpSpPr/>
         <p:nvPr/>
       </p:nvGrpSpPr>
-      <p:grpSpPr/>
+      <p:grpSpPr>
+        <a:xfrm>
+          <a:off x="0" y="0"/>
+          <a:ext cx="0" cy="0"/>
+          <a:chOff x="0" y="0"/>
+          <a:chExt cx="0" cy="0"/>
+        </a:xfrm>
+      </p:grpSpPr>
       <p:sp>
         <p:nvSpPr>
           <p:cNvPr id="2" name="幻灯片图像占位符 1"/>
-          <p:cNvSpPr/>
+          <p:cNvSpPr>
+            <a:spLocks noGrp="1" noRot="1" noChangeAspect="1"/>
+          </p:cNvSpPr>
           <p:nvPr>
             <p:ph type="sldImg" idx="2"/>
           </p:nvPr>
@@ -1929,7 +2249,9 @@
       <p:sp>
         <p:nvSpPr>
           <p:cNvPr id="3" name="文本占位符 2"/>
-          <p:cNvSpPr/>
+          <p:cNvSpPr>
+            <a:spLocks noGrp="1"/>
+          </p:cNvSpPr>
           <p:nvPr>
             <p:ph type="body" idx="3"/>
           </p:nvPr>
@@ -1937,40 +2259,36 @@
         <p:spPr/>
         <p:txBody>
           <a:bodyPr/>
+          <a:lstStyle/>
           <a:p>
             <a:r>
               <a:rPr lang="zh-CN" altLang="en-US"/>
               <a:t>  12                  //数字12</a:t>
             </a:r>
-            <a:endParaRPr lang="zh-CN" altLang="en-US"/>
           </a:p>
           <a:p>
             <a:r>
               <a:rPr lang="zh-CN" altLang="en-US"/>
               <a:t>        "hello world"       //字符串</a:t>
             </a:r>
-            <a:endParaRPr lang="zh-CN" altLang="en-US"/>
           </a:p>
           <a:p>
             <a:r>
               <a:rPr lang="zh-CN" altLang="en-US"/>
               <a:t>        true                //布尔值</a:t>
             </a:r>
-            <a:endParaRPr lang="zh-CN" altLang="en-US"/>
           </a:p>
           <a:p>
             <a:r>
               <a:rPr lang="zh-CN" altLang="en-US"/>
               <a:t>        { x: 1, y: 2 }      //对象字面量</a:t>
             </a:r>
-            <a:endParaRPr lang="zh-CN" altLang="en-US"/>
           </a:p>
           <a:p>
             <a:r>
               <a:rPr lang="zh-CN" altLang="en-US"/>
               <a:t>        [1, 2, 3, 4]        //数组字面量</a:t>
             </a:r>
-            <a:endParaRPr lang="zh-CN" altLang="en-US"/>
           </a:p>
           <a:p>
             <a:r>
@@ -1997,14 +2315,12 @@
               <a:rPr lang="zh-CN" altLang="en-US"/>
               <a:t>在调用数字变量的方法时，需要区分是浮点数的小数点还是调用点运算符的</a:t>
             </a:r>
-            <a:endParaRPr lang="zh-CN" altLang="en-US"/>
           </a:p>
           <a:p>
             <a:r>
               <a:rPr lang="en-US" altLang="zh-CN"/>
               <a:t>1.2</a:t>
             </a:r>
-            <a:endParaRPr lang="en-US" altLang="zh-CN"/>
           </a:p>
           <a:p>
             <a:r>
@@ -2023,7 +2339,6 @@
               <a:rPr lang="en-US" altLang="zh-CN"/>
               <a:t>.toString()</a:t>
             </a:r>
-            <a:endParaRPr lang="en-US" altLang="zh-CN"/>
           </a:p>
         </p:txBody>
       </p:sp>
@@ -2044,11 +2359,20 @@
         <p:cNvGrpSpPr/>
         <p:nvPr/>
       </p:nvGrpSpPr>
-      <p:grpSpPr/>
+      <p:grpSpPr>
+        <a:xfrm>
+          <a:off x="0" y="0"/>
+          <a:ext cx="0" cy="0"/>
+          <a:chOff x="0" y="0"/>
+          <a:chExt cx="0" cy="0"/>
+        </a:xfrm>
+      </p:grpSpPr>
       <p:sp>
         <p:nvSpPr>
           <p:cNvPr id="2" name="幻灯片图像占位符 1"/>
-          <p:cNvSpPr/>
+          <p:cNvSpPr>
+            <a:spLocks noGrp="1" noRot="1" noChangeAspect="1"/>
+          </p:cNvSpPr>
           <p:nvPr>
             <p:ph type="sldImg" idx="2"/>
           </p:nvPr>
@@ -2058,7 +2382,9 @@
       <p:sp>
         <p:nvSpPr>
           <p:cNvPr id="3" name="文本占位符 2"/>
-          <p:cNvSpPr/>
+          <p:cNvSpPr>
+            <a:spLocks noGrp="1"/>
+          </p:cNvSpPr>
           <p:nvPr>
             <p:ph type="body" idx="3"/>
           </p:nvPr>
@@ -2066,6 +2392,7 @@
         <p:spPr/>
         <p:txBody>
           <a:bodyPr/>
+          <a:lstStyle/>
           <a:p>
             <a:endParaRPr lang="zh-CN" altLang="en-US"/>
           </a:p>
@@ -2088,11 +2415,20 @@
         <p:cNvGrpSpPr/>
         <p:nvPr/>
       </p:nvGrpSpPr>
-      <p:grpSpPr/>
+      <p:grpSpPr>
+        <a:xfrm>
+          <a:off x="0" y="0"/>
+          <a:ext cx="0" cy="0"/>
+          <a:chOff x="0" y="0"/>
+          <a:chExt cx="0" cy="0"/>
+        </a:xfrm>
+      </p:grpSpPr>
       <p:sp>
         <p:nvSpPr>
           <p:cNvPr id="2" name="幻灯片图像占位符 1"/>
-          <p:cNvSpPr/>
+          <p:cNvSpPr>
+            <a:spLocks noGrp="1" noRot="1" noChangeAspect="1"/>
+          </p:cNvSpPr>
           <p:nvPr>
             <p:ph type="sldImg" idx="2"/>
           </p:nvPr>
@@ -2102,7 +2438,9 @@
       <p:sp>
         <p:nvSpPr>
           <p:cNvPr id="3" name="文本占位符 2"/>
-          <p:cNvSpPr/>
+          <p:cNvSpPr>
+            <a:spLocks noGrp="1"/>
+          </p:cNvSpPr>
           <p:nvPr>
             <p:ph type="body" idx="3"/>
           </p:nvPr>
@@ -2110,61 +2448,54 @@
         <p:spPr/>
         <p:txBody>
           <a:bodyPr/>
+          <a:lstStyle/>
           <a:p>
             <a:r>
               <a:rPr lang="zh-CN" altLang="en-US"/>
               <a:t>function Student(name, age) {</a:t>
             </a:r>
-            <a:endParaRPr lang="zh-CN" altLang="en-US"/>
           </a:p>
           <a:p>
             <a:r>
               <a:rPr lang="zh-CN" altLang="en-US"/>
               <a:t>            this.name = name;</a:t>
             </a:r>
-            <a:endParaRPr lang="zh-CN" altLang="en-US"/>
           </a:p>
           <a:p>
             <a:r>
               <a:rPr lang="zh-CN" altLang="en-US"/>
               <a:t>            this.age = age;</a:t>
             </a:r>
-            <a:endParaRPr lang="zh-CN" altLang="en-US"/>
           </a:p>
           <a:p>
             <a:r>
               <a:rPr lang="zh-CN" altLang="en-US"/>
               <a:t>        }</a:t>
             </a:r>
-            <a:endParaRPr lang="zh-CN" altLang="en-US"/>
           </a:p>
           <a:p>
             <a:r>
               <a:rPr lang="zh-CN" altLang="en-US"/>
               <a:t>        var stu1 = Student("Lily", 18);</a:t>
             </a:r>
-            <a:endParaRPr lang="zh-CN" altLang="en-US"/>
           </a:p>
           <a:p>
             <a:r>
               <a:rPr lang="zh-CN" altLang="en-US"/>
               <a:t>        var stu2 = new Student("Lucy", 20);</a:t>
             </a:r>
-            <a:endParaRPr lang="zh-CN" altLang="en-US"/>
           </a:p>
           <a:p>
             <a:r>
               <a:rPr lang="zh-CN" altLang="en-US"/>
               <a:t>        console.log(typeof stu1);</a:t>
             </a:r>
-            <a:endParaRPr lang="zh-CN" altLang="en-US"/>
           </a:p>
           <a:p>
             <a:r>
               <a:rPr lang="zh-CN" altLang="en-US"/>
               <a:t>        </a:t>
             </a:r>
-            <a:endParaRPr lang="zh-CN" altLang="en-US"/>
           </a:p>
         </p:txBody>
       </p:sp>
@@ -2236,7 +2567,6 @@
               <a:rPr lang="zh-CN" altLang="en-US"/>
               <a:t>单击此处编辑标题样式</a:t>
             </a:r>
-            <a:endParaRPr lang="zh-CN" altLang="en-US"/>
           </a:p>
         </p:txBody>
       </p:sp>
@@ -2290,7 +2620,6 @@
               <a:rPr lang="zh-CN" altLang="en-US"/>
               <a:t>单击此处编辑母版文本样式</a:t>
             </a:r>
-            <a:endParaRPr lang="zh-CN" altLang="en-US"/>
           </a:p>
           <a:p>
             <a:pPr lvl="1"/>
@@ -2298,7 +2627,6 @@
               <a:rPr lang="zh-CN" altLang="en-US"/>
               <a:t>第二级</a:t>
             </a:r>
-            <a:endParaRPr lang="zh-CN" altLang="en-US"/>
           </a:p>
           <a:p>
             <a:pPr lvl="2"/>
@@ -2306,7 +2634,6 @@
               <a:rPr lang="zh-CN" altLang="en-US"/>
               <a:t>第三级</a:t>
             </a:r>
-            <a:endParaRPr lang="zh-CN" altLang="en-US"/>
           </a:p>
           <a:p>
             <a:pPr lvl="3"/>
@@ -2314,7 +2641,6 @@
               <a:rPr lang="zh-CN" altLang="en-US"/>
               <a:t>第四级</a:t>
             </a:r>
-            <a:endParaRPr lang="zh-CN" altLang="en-US"/>
           </a:p>
           <a:p>
             <a:pPr lvl="4"/>
@@ -2322,7 +2648,6 @@
               <a:rPr lang="zh-CN" altLang="en-US"/>
               <a:t>第五级</a:t>
             </a:r>
-            <a:endParaRPr lang="zh-CN" altLang="en-US"/>
           </a:p>
         </p:txBody>
       </p:sp>
@@ -2448,7 +2773,6 @@
               <a:rPr lang="zh-CN" altLang="en-US"/>
               <a:t>单击此处编辑标题样式</a:t>
             </a:r>
-            <a:endParaRPr lang="zh-CN" altLang="en-US"/>
           </a:p>
         </p:txBody>
       </p:sp>
@@ -2502,7 +2826,6 @@
               <a:rPr lang="zh-CN" altLang="en-US"/>
               <a:t>单击此处编辑母版文本样式</a:t>
             </a:r>
-            <a:endParaRPr lang="zh-CN" altLang="en-US"/>
           </a:p>
           <a:p>
             <a:pPr lvl="1"/>
@@ -2510,7 +2833,6 @@
               <a:rPr lang="zh-CN" altLang="en-US"/>
               <a:t>第二级</a:t>
             </a:r>
-            <a:endParaRPr lang="zh-CN" altLang="en-US"/>
           </a:p>
           <a:p>
             <a:pPr lvl="2"/>
@@ -2518,7 +2840,6 @@
               <a:rPr lang="zh-CN" altLang="en-US"/>
               <a:t>第三级</a:t>
             </a:r>
-            <a:endParaRPr lang="zh-CN" altLang="en-US"/>
           </a:p>
           <a:p>
             <a:pPr lvl="3"/>
@@ -2526,7 +2847,6 @@
               <a:rPr lang="zh-CN" altLang="en-US"/>
               <a:t>第四级</a:t>
             </a:r>
-            <a:endParaRPr lang="zh-CN" altLang="en-US"/>
           </a:p>
           <a:p>
             <a:pPr lvl="4"/>
@@ -2534,7 +2854,6 @@
               <a:rPr lang="zh-CN" altLang="en-US"/>
               <a:t>第五级</a:t>
             </a:r>
-            <a:endParaRPr lang="zh-CN" altLang="en-US"/>
           </a:p>
         </p:txBody>
       </p:sp>
@@ -2682,7 +3001,6 @@
               <a:rPr lang="zh-CN" altLang="en-US" dirty="0"/>
               <a:t>单击此处编辑母版文本样式</a:t>
             </a:r>
-            <a:endParaRPr lang="zh-CN" altLang="en-US" dirty="0"/>
           </a:p>
           <a:p>
             <a:pPr lvl="1"/>
@@ -2690,7 +3008,6 @@
               <a:rPr lang="zh-CN" altLang="en-US" dirty="0"/>
               <a:t>第二级</a:t>
             </a:r>
-            <a:endParaRPr lang="zh-CN" altLang="en-US" dirty="0"/>
           </a:p>
           <a:p>
             <a:pPr lvl="2"/>
@@ -2698,7 +3015,6 @@
               <a:rPr lang="zh-CN" altLang="en-US" dirty="0"/>
               <a:t>第三级</a:t>
             </a:r>
-            <a:endParaRPr lang="zh-CN" altLang="en-US" dirty="0"/>
           </a:p>
           <a:p>
             <a:pPr lvl="3"/>
@@ -2706,7 +3022,6 @@
               <a:rPr lang="zh-CN" altLang="en-US" dirty="0"/>
               <a:t>第四级</a:t>
             </a:r>
-            <a:endParaRPr lang="zh-CN" altLang="en-US" dirty="0"/>
           </a:p>
         </p:txBody>
       </p:sp>
@@ -2768,7 +3083,6 @@
               <a:rPr lang="zh-CN" altLang="en-US" dirty="0"/>
               <a:t>单击此处编辑母版文本样式</a:t>
             </a:r>
-            <a:endParaRPr lang="zh-CN" altLang="en-US" dirty="0"/>
           </a:p>
         </p:txBody>
       </p:sp>
@@ -2829,6 +3143,7 @@
             </a:pPr>
             <a:fld id="{4BCD4F28-99F7-483B-9A2D-5E3B2E8C9EEF}" type="slidenum">
               <a:rPr lang="zh-CN" altLang="zh-CN"/>
+              <a:t>‹#›</a:t>
             </a:fld>
             <a:endParaRPr lang="zh-CN" altLang="zh-CN" sz="3200" b="0"/>
           </a:p>
@@ -2902,7 +3217,6 @@
               <a:rPr lang="zh-CN" altLang="en-US"/>
               <a:t>单击此处编辑标题样式</a:t>
             </a:r>
-            <a:endParaRPr lang="zh-CN" altLang="en-US"/>
           </a:p>
         </p:txBody>
       </p:sp>
@@ -2956,7 +3270,6 @@
               <a:rPr lang="zh-CN" altLang="en-US"/>
               <a:t>单击此处编辑母版文本样式</a:t>
             </a:r>
-            <a:endParaRPr lang="zh-CN" altLang="en-US"/>
           </a:p>
           <a:p>
             <a:pPr lvl="1"/>
@@ -2964,7 +3277,6 @@
               <a:rPr lang="zh-CN" altLang="en-US"/>
               <a:t>第二级</a:t>
             </a:r>
-            <a:endParaRPr lang="zh-CN" altLang="en-US"/>
           </a:p>
           <a:p>
             <a:pPr lvl="2"/>
@@ -2972,7 +3284,6 @@
               <a:rPr lang="zh-CN" altLang="en-US"/>
               <a:t>第三级</a:t>
             </a:r>
-            <a:endParaRPr lang="zh-CN" altLang="en-US"/>
           </a:p>
           <a:p>
             <a:pPr lvl="3"/>
@@ -2980,7 +3291,6 @@
               <a:rPr lang="zh-CN" altLang="en-US"/>
               <a:t>第四级</a:t>
             </a:r>
-            <a:endParaRPr lang="zh-CN" altLang="en-US"/>
           </a:p>
           <a:p>
             <a:pPr lvl="4"/>
@@ -2988,7 +3298,6 @@
               <a:rPr lang="zh-CN" altLang="en-US"/>
               <a:t>第五级</a:t>
             </a:r>
-            <a:endParaRPr lang="zh-CN" altLang="en-US"/>
           </a:p>
         </p:txBody>
       </p:sp>
@@ -3136,7 +3445,6 @@
               <a:rPr lang="zh-CN" altLang="en-US" dirty="0"/>
               <a:t>单击此处编辑母版文本样式</a:t>
             </a:r>
-            <a:endParaRPr lang="zh-CN" altLang="en-US" dirty="0"/>
           </a:p>
           <a:p>
             <a:pPr lvl="1"/>
@@ -3144,7 +3452,6 @@
               <a:rPr lang="zh-CN" altLang="en-US" dirty="0"/>
               <a:t>第二级</a:t>
             </a:r>
-            <a:endParaRPr lang="zh-CN" altLang="en-US" dirty="0"/>
           </a:p>
           <a:p>
             <a:pPr lvl="2"/>
@@ -3152,7 +3459,6 @@
               <a:rPr lang="zh-CN" altLang="en-US" dirty="0"/>
               <a:t>第三级</a:t>
             </a:r>
-            <a:endParaRPr lang="zh-CN" altLang="en-US" dirty="0"/>
           </a:p>
           <a:p>
             <a:pPr lvl="3"/>
@@ -3160,7 +3466,6 @@
               <a:rPr lang="zh-CN" altLang="en-US" dirty="0"/>
               <a:t>第四级</a:t>
             </a:r>
-            <a:endParaRPr lang="zh-CN" altLang="en-US" dirty="0"/>
           </a:p>
         </p:txBody>
       </p:sp>
@@ -3222,7 +3527,6 @@
               <a:rPr lang="zh-CN" altLang="en-US" dirty="0"/>
               <a:t>单击此处编辑母版文本样式</a:t>
             </a:r>
-            <a:endParaRPr lang="zh-CN" altLang="en-US" dirty="0"/>
           </a:p>
         </p:txBody>
       </p:sp>
@@ -3283,6 +3587,7 @@
             </a:pPr>
             <a:fld id="{4BCD4F28-99F7-483B-9A2D-5E3B2E8C9EEF}" type="slidenum">
               <a:rPr lang="zh-CN" altLang="zh-CN"/>
+              <a:t>‹#›</a:t>
             </a:fld>
             <a:endParaRPr lang="zh-CN" altLang="zh-CN" sz="3200" b="0"/>
           </a:p>
@@ -3378,7 +3683,6 @@
               <a:rPr lang="zh-CN" altLang="en-US" dirty="0"/>
               <a:t>单击此处编辑母版文本样式</a:t>
             </a:r>
-            <a:endParaRPr lang="zh-CN" altLang="en-US" dirty="0"/>
           </a:p>
           <a:p>
             <a:pPr lvl="1"/>
@@ -3386,7 +3690,6 @@
               <a:rPr lang="zh-CN" altLang="en-US" dirty="0"/>
               <a:t>第二级</a:t>
             </a:r>
-            <a:endParaRPr lang="zh-CN" altLang="en-US" dirty="0"/>
           </a:p>
           <a:p>
             <a:pPr lvl="2"/>
@@ -3394,7 +3697,6 @@
               <a:rPr lang="zh-CN" altLang="en-US" dirty="0"/>
               <a:t>第三级</a:t>
             </a:r>
-            <a:endParaRPr lang="zh-CN" altLang="en-US" dirty="0"/>
           </a:p>
           <a:p>
             <a:pPr lvl="3"/>
@@ -3402,7 +3704,6 @@
               <a:rPr lang="zh-CN" altLang="en-US" dirty="0"/>
               <a:t>第四级</a:t>
             </a:r>
-            <a:endParaRPr lang="zh-CN" altLang="en-US" dirty="0"/>
           </a:p>
         </p:txBody>
       </p:sp>
@@ -3464,7 +3765,6 @@
               <a:rPr lang="zh-CN" altLang="en-US" dirty="0"/>
               <a:t>单击此处编辑母版文本样式</a:t>
             </a:r>
-            <a:endParaRPr lang="zh-CN" altLang="en-US" dirty="0"/>
           </a:p>
         </p:txBody>
       </p:sp>
@@ -3525,6 +3825,7 @@
             </a:pPr>
             <a:fld id="{4BCD4F28-99F7-483B-9A2D-5E3B2E8C9EEF}" type="slidenum">
               <a:rPr lang="zh-CN" altLang="zh-CN"/>
+              <a:t>‹#›</a:t>
             </a:fld>
             <a:endParaRPr lang="zh-CN" altLang="zh-CN" sz="3200" b="0"/>
           </a:p>
@@ -3636,7 +3937,6 @@
               <a:rPr lang="zh-CN" altLang="en-US" dirty="0"/>
               <a:t> 单击此处编辑母版文本样式</a:t>
             </a:r>
-            <a:endParaRPr lang="zh-CN" altLang="en-US" dirty="0"/>
           </a:p>
           <a:p>
             <a:pPr lvl="1"/>
@@ -3644,7 +3944,6 @@
               <a:rPr lang="zh-CN" altLang="en-US" dirty="0"/>
               <a:t> 第二级</a:t>
             </a:r>
-            <a:endParaRPr lang="zh-CN" altLang="en-US" dirty="0"/>
           </a:p>
           <a:p>
             <a:pPr lvl="2"/>
@@ -3652,7 +3951,6 @@
               <a:rPr lang="zh-CN" altLang="en-US" dirty="0"/>
               <a:t>第三级</a:t>
             </a:r>
-            <a:endParaRPr lang="zh-CN" altLang="en-US" dirty="0"/>
           </a:p>
           <a:p>
             <a:pPr lvl="3"/>
@@ -3660,7 +3958,6 @@
               <a:rPr lang="zh-CN" altLang="en-US" dirty="0"/>
               <a:t>第四级</a:t>
             </a:r>
-            <a:endParaRPr lang="zh-CN" altLang="en-US" dirty="0"/>
           </a:p>
         </p:txBody>
       </p:sp>
@@ -3724,7 +4021,6 @@
               <a:rPr lang="zh-CN" altLang="en-US" dirty="0"/>
               <a:t>单击此处编辑母版文本样式</a:t>
             </a:r>
-            <a:endParaRPr lang="zh-CN" altLang="en-US" dirty="0"/>
           </a:p>
         </p:txBody>
       </p:sp>
@@ -3777,6 +4073,7 @@
             </a:pPr>
             <a:fld id="{4BCD4F28-99F7-483B-9A2D-5E3B2E8C9EEF}" type="slidenum">
               <a:rPr lang="zh-CN" altLang="zh-CN"/>
+              <a:t>‹#›</a:t>
             </a:fld>
             <a:endParaRPr lang="zh-CN" altLang="zh-CN" sz="3200" b="0"/>
           </a:p>
@@ -3829,6 +4126,7 @@
           <a:p>
             <a:fld id="{82F288E0-7875-42C4-84C8-98DBBD3BF4D2}" type="datetimeFigureOut">
               <a:rPr lang="zh-CN" altLang="en-US" smtClean="0"/>
+              <a:t>2020/3/29</a:t>
             </a:fld>
             <a:endParaRPr lang="zh-CN" altLang="en-US"/>
           </a:p>
@@ -3878,6 +4176,7 @@
             </a:pPr>
             <a:fld id="{2A4DE254-CAD5-4B8E-9712-9468A839C993}" type="slidenum">
               <a:rPr lang="zh-CN" altLang="zh-CN"/>
+              <a:t>‹#›</a:t>
             </a:fld>
             <a:endParaRPr lang="zh-CN" altLang="zh-CN"/>
           </a:p>
@@ -3951,7 +4250,6 @@
               <a:rPr lang="zh-CN" altLang="en-US"/>
               <a:t>单击此处编辑标题样式</a:t>
             </a:r>
-            <a:endParaRPr lang="zh-CN" altLang="en-US"/>
           </a:p>
         </p:txBody>
       </p:sp>
@@ -4005,7 +4303,6 @@
               <a:rPr lang="zh-CN" altLang="en-US"/>
               <a:t>单击此处编辑母版文本样式</a:t>
             </a:r>
-            <a:endParaRPr lang="zh-CN" altLang="en-US"/>
           </a:p>
           <a:p>
             <a:pPr lvl="1"/>
@@ -4013,7 +4310,6 @@
               <a:rPr lang="zh-CN" altLang="en-US"/>
               <a:t>第二级</a:t>
             </a:r>
-            <a:endParaRPr lang="zh-CN" altLang="en-US"/>
           </a:p>
           <a:p>
             <a:pPr lvl="2"/>
@@ -4021,7 +4317,6 @@
               <a:rPr lang="zh-CN" altLang="en-US"/>
               <a:t>第三级</a:t>
             </a:r>
-            <a:endParaRPr lang="zh-CN" altLang="en-US"/>
           </a:p>
           <a:p>
             <a:pPr lvl="3"/>
@@ -4029,7 +4324,6 @@
               <a:rPr lang="zh-CN" altLang="en-US"/>
               <a:t>第四级</a:t>
             </a:r>
-            <a:endParaRPr lang="zh-CN" altLang="en-US"/>
           </a:p>
           <a:p>
             <a:pPr lvl="4"/>
@@ -4037,7 +4331,6 @@
               <a:rPr lang="zh-CN" altLang="en-US"/>
               <a:t>第五级</a:t>
             </a:r>
-            <a:endParaRPr lang="zh-CN" altLang="en-US"/>
           </a:p>
         </p:txBody>
       </p:sp>
@@ -4185,7 +4478,6 @@
               <a:rPr lang="zh-CN" altLang="en-US" dirty="0"/>
               <a:t>单击此处编辑母版文本样式</a:t>
             </a:r>
-            <a:endParaRPr lang="zh-CN" altLang="en-US" dirty="0"/>
           </a:p>
           <a:p>
             <a:pPr lvl="1"/>
@@ -4193,7 +4485,6 @@
               <a:rPr lang="zh-CN" altLang="en-US" dirty="0"/>
               <a:t>第二级</a:t>
             </a:r>
-            <a:endParaRPr lang="zh-CN" altLang="en-US" dirty="0"/>
           </a:p>
           <a:p>
             <a:pPr lvl="2"/>
@@ -4201,7 +4492,6 @@
               <a:rPr lang="zh-CN" altLang="en-US" dirty="0"/>
               <a:t>第三级</a:t>
             </a:r>
-            <a:endParaRPr lang="zh-CN" altLang="en-US" dirty="0"/>
           </a:p>
           <a:p>
             <a:pPr lvl="3"/>
@@ -4209,7 +4499,6 @@
               <a:rPr lang="zh-CN" altLang="en-US" dirty="0"/>
               <a:t>第四级</a:t>
             </a:r>
-            <a:endParaRPr lang="zh-CN" altLang="en-US" dirty="0"/>
           </a:p>
         </p:txBody>
       </p:sp>
@@ -4271,7 +4560,6 @@
               <a:rPr lang="zh-CN" altLang="en-US" dirty="0"/>
               <a:t>单击此处编辑母版文本样式</a:t>
             </a:r>
-            <a:endParaRPr lang="zh-CN" altLang="en-US" dirty="0"/>
           </a:p>
         </p:txBody>
       </p:sp>
@@ -4332,6 +4620,7 @@
             </a:pPr>
             <a:fld id="{4BCD4F28-99F7-483B-9A2D-5E3B2E8C9EEF}" type="slidenum">
               <a:rPr lang="zh-CN" altLang="zh-CN"/>
+              <a:t>‹#›</a:t>
             </a:fld>
             <a:endParaRPr lang="zh-CN" altLang="zh-CN" sz="3200" b="0"/>
           </a:p>
@@ -4351,7 +4640,7 @@
     <p:bg>
       <p:bgPr>
         <a:blipFill dpi="0" rotWithShape="1">
-          <a:blip r:embed="rId4">
+          <a:blip r:embed="rId5">
             <a:lum/>
           </a:blip>
           <a:srcRect/>
@@ -4405,7 +4694,6 @@
               <a:rPr lang="zh-CN" altLang="en-US"/>
               <a:t>单击此处编辑母版标题样式</a:t>
             </a:r>
-            <a:endParaRPr lang="zh-CN" altLang="en-US"/>
           </a:p>
         </p:txBody>
       </p:sp>
@@ -4439,7 +4727,6 @@
               <a:rPr lang="zh-CN" altLang="en-US"/>
               <a:t>单击此处编辑母版文本样式</a:t>
             </a:r>
-            <a:endParaRPr lang="zh-CN" altLang="en-US"/>
           </a:p>
           <a:p>
             <a:pPr marL="720090" lvl="1" indent="-229870" algn="l" defTabSz="0" rtl="0" eaLnBrk="1" fontAlgn="base" hangingPunct="1">
@@ -4463,7 +4750,6 @@
               <a:rPr lang="zh-CN" altLang="en-US"/>
               <a:t>第二级</a:t>
             </a:r>
-            <a:endParaRPr lang="zh-CN" altLang="en-US"/>
           </a:p>
           <a:p>
             <a:pPr lvl="2"/>
@@ -4471,7 +4757,6 @@
               <a:rPr lang="zh-CN" altLang="en-US"/>
               <a:t>第三级</a:t>
             </a:r>
-            <a:endParaRPr lang="zh-CN" altLang="en-US"/>
           </a:p>
           <a:p>
             <a:pPr lvl="3"/>
@@ -4479,7 +4764,6 @@
               <a:rPr lang="zh-CN" altLang="en-US"/>
               <a:t>第四级</a:t>
             </a:r>
-            <a:endParaRPr lang="zh-CN" altLang="en-US"/>
           </a:p>
           <a:p>
             <a:pPr lvl="4"/>
@@ -4487,7 +4771,6 @@
               <a:rPr lang="zh-CN" altLang="en-US"/>
               <a:t>第五级</a:t>
             </a:r>
-            <a:endParaRPr lang="zh-CN" altLang="en-US"/>
           </a:p>
         </p:txBody>
       </p:sp>
@@ -4500,7 +4783,7 @@
           <p:nvPr userDrawn="1"/>
         </p:nvPicPr>
         <p:blipFill>
-          <a:blip r:embed="rId5">
+          <a:blip r:embed="rId6">
             <a:extLst>
               <a:ext uri="{28A0092B-C50C-407E-A947-70E740481C1C}">
                 <a14:useLocalDpi xmlns:a14="http://schemas.microsoft.com/office/drawing/2010/main" val="0"/>
@@ -4578,7 +4861,7 @@
         <a:buSzPct val="70000"/>
         <a:buFontTx/>
         <a:buBlip>
-          <a:blip r:embed="rId6"/>
+          <a:blip r:embed="rId7"/>
         </a:buBlip>
         <a:defRPr sz="2800" kern="1200">
           <a:solidFill>
@@ -4819,7 +5102,7 @@
     <p:bg bwMode="auto">
       <p:bgPr>
         <a:blipFill dpi="0" rotWithShape="0">
-          <a:blip r:embed="rId4"/>
+          <a:blip r:embed="rId5"/>
           <a:srcRect/>
           <a:stretch>
             <a:fillRect/>
@@ -4882,6 +5165,7 @@
             </a:pPr>
             <a:fld id="{2A4DE254-CAD5-4B8E-9712-9468A839C993}" type="slidenum">
               <a:rPr lang="zh-CN" altLang="zh-CN"/>
+              <a:t>‹#›</a:t>
             </a:fld>
             <a:endParaRPr lang="zh-CN" altLang="zh-CN"/>
           </a:p>
@@ -4896,7 +5180,7 @@
           <p:nvPr/>
         </p:nvPicPr>
         <p:blipFill>
-          <a:blip r:embed="rId5">
+          <a:blip r:embed="rId6">
             <a:extLst>
               <a:ext uri="{28A0092B-C50C-407E-A947-70E740481C1C}">
                 <a14:useLocalDpi xmlns:a14="http://schemas.microsoft.com/office/drawing/2010/main" val="0"/>
@@ -4950,7 +5234,7 @@
           <p:nvPr/>
         </p:nvPicPr>
         <p:blipFill>
-          <a:blip r:embed="rId6">
+          <a:blip r:embed="rId7">
             <a:extLst>
               <a:ext uri="{28A0092B-C50C-407E-A947-70E740481C1C}">
                 <a14:useLocalDpi xmlns:a14="http://schemas.microsoft.com/office/drawing/2010/main" val="0"/>
@@ -5422,7 +5706,7 @@
     <p:bg>
       <p:bgPr>
         <a:blipFill dpi="0" rotWithShape="1">
-          <a:blip r:embed="rId4">
+          <a:blip r:embed="rId5">
             <a:lum/>
           </a:blip>
           <a:srcRect/>
@@ -5476,7 +5760,6 @@
               <a:rPr lang="zh-CN" altLang="en-US"/>
               <a:t>单击此处编辑母版标题样式</a:t>
             </a:r>
-            <a:endParaRPr lang="zh-CN" altLang="en-US"/>
           </a:p>
         </p:txBody>
       </p:sp>
@@ -5510,7 +5793,6 @@
               <a:rPr lang="zh-CN" altLang="en-US"/>
               <a:t>单击此处编辑母版文本样式</a:t>
             </a:r>
-            <a:endParaRPr lang="zh-CN" altLang="en-US"/>
           </a:p>
           <a:p>
             <a:pPr marL="720090" lvl="1" indent="-229870" algn="l" defTabSz="0" rtl="0" eaLnBrk="1" fontAlgn="base" hangingPunct="1">
@@ -5534,7 +5816,6 @@
               <a:rPr lang="zh-CN" altLang="en-US"/>
               <a:t>第二级</a:t>
             </a:r>
-            <a:endParaRPr lang="zh-CN" altLang="en-US"/>
           </a:p>
           <a:p>
             <a:pPr lvl="2"/>
@@ -5542,7 +5823,6 @@
               <a:rPr lang="zh-CN" altLang="en-US"/>
               <a:t>第三级</a:t>
             </a:r>
-            <a:endParaRPr lang="zh-CN" altLang="en-US"/>
           </a:p>
           <a:p>
             <a:pPr lvl="3"/>
@@ -5550,7 +5830,6 @@
               <a:rPr lang="zh-CN" altLang="en-US"/>
               <a:t>第四级</a:t>
             </a:r>
-            <a:endParaRPr lang="zh-CN" altLang="en-US"/>
           </a:p>
           <a:p>
             <a:pPr lvl="4"/>
@@ -5558,7 +5837,6 @@
               <a:rPr lang="zh-CN" altLang="en-US"/>
               <a:t>第五级</a:t>
             </a:r>
-            <a:endParaRPr lang="zh-CN" altLang="en-US"/>
           </a:p>
         </p:txBody>
       </p:sp>
@@ -5571,7 +5849,7 @@
           <p:nvPr userDrawn="1"/>
         </p:nvPicPr>
         <p:blipFill>
-          <a:blip r:embed="rId5">
+          <a:blip r:embed="rId6">
             <a:extLst>
               <a:ext uri="{28A0092B-C50C-407E-A947-70E740481C1C}">
                 <a14:useLocalDpi xmlns:a14="http://schemas.microsoft.com/office/drawing/2010/main" val="0"/>
@@ -5649,7 +5927,7 @@
         <a:buSzPct val="70000"/>
         <a:buFontTx/>
         <a:buBlip>
-          <a:blip r:embed="rId6"/>
+          <a:blip r:embed="rId7"/>
         </a:buBlip>
         <a:defRPr sz="2800" kern="1200">
           <a:solidFill>
@@ -5890,7 +6168,7 @@
     <p:bg>
       <p:bgPr>
         <a:blipFill dpi="0" rotWithShape="1">
-          <a:blip r:embed="rId4">
+          <a:blip r:embed="rId5">
             <a:lum/>
           </a:blip>
           <a:srcRect/>
@@ -5944,7 +6222,6 @@
               <a:rPr lang="zh-CN" altLang="en-US"/>
               <a:t>单击此处编辑母版标题样式</a:t>
             </a:r>
-            <a:endParaRPr lang="zh-CN" altLang="en-US"/>
           </a:p>
         </p:txBody>
       </p:sp>
@@ -5978,7 +6255,6 @@
               <a:rPr lang="zh-CN" altLang="en-US"/>
               <a:t>单击此处编辑母版文本样式</a:t>
             </a:r>
-            <a:endParaRPr lang="zh-CN" altLang="en-US"/>
           </a:p>
           <a:p>
             <a:pPr marL="720090" lvl="1" indent="-229870" algn="l" defTabSz="0" rtl="0" eaLnBrk="1" fontAlgn="base" hangingPunct="1">
@@ -6002,7 +6278,6 @@
               <a:rPr lang="zh-CN" altLang="en-US"/>
               <a:t>第二级</a:t>
             </a:r>
-            <a:endParaRPr lang="zh-CN" altLang="en-US"/>
           </a:p>
           <a:p>
             <a:pPr lvl="2"/>
@@ -6010,7 +6285,6 @@
               <a:rPr lang="zh-CN" altLang="en-US"/>
               <a:t>第三级</a:t>
             </a:r>
-            <a:endParaRPr lang="zh-CN" altLang="en-US"/>
           </a:p>
           <a:p>
             <a:pPr lvl="3"/>
@@ -6018,7 +6292,6 @@
               <a:rPr lang="zh-CN" altLang="en-US"/>
               <a:t>第四级</a:t>
             </a:r>
-            <a:endParaRPr lang="zh-CN" altLang="en-US"/>
           </a:p>
           <a:p>
             <a:pPr lvl="4"/>
@@ -6026,7 +6299,6 @@
               <a:rPr lang="zh-CN" altLang="en-US"/>
               <a:t>第五级</a:t>
             </a:r>
-            <a:endParaRPr lang="zh-CN" altLang="en-US"/>
           </a:p>
         </p:txBody>
       </p:sp>
@@ -6039,7 +6311,7 @@
           <p:nvPr userDrawn="1"/>
         </p:nvPicPr>
         <p:blipFill>
-          <a:blip r:embed="rId5">
+          <a:blip r:embed="rId6">
             <a:extLst>
               <a:ext uri="{28A0092B-C50C-407E-A947-70E740481C1C}">
                 <a14:useLocalDpi xmlns:a14="http://schemas.microsoft.com/office/drawing/2010/main" val="0"/>
@@ -6117,7 +6389,7 @@
         <a:buSzPct val="70000"/>
         <a:buFontTx/>
         <a:buBlip>
-          <a:blip r:embed="rId6"/>
+          <a:blip r:embed="rId7"/>
         </a:buBlip>
         <a:defRPr sz="2800" kern="1200">
           <a:solidFill>
@@ -6358,7 +6630,7 @@
     <p:bg>
       <p:bgPr>
         <a:blipFill dpi="0" rotWithShape="1">
-          <a:blip r:embed="rId4">
+          <a:blip r:embed="rId5">
             <a:lum/>
           </a:blip>
           <a:srcRect/>
@@ -6412,7 +6684,6 @@
               <a:rPr lang="zh-CN" altLang="en-US"/>
               <a:t>单击此处编辑母版标题样式</a:t>
             </a:r>
-            <a:endParaRPr lang="zh-CN" altLang="en-US"/>
           </a:p>
         </p:txBody>
       </p:sp>
@@ -6446,7 +6717,6 @@
               <a:rPr lang="zh-CN" altLang="en-US"/>
               <a:t>单击此处编辑母版文本样式</a:t>
             </a:r>
-            <a:endParaRPr lang="zh-CN" altLang="en-US"/>
           </a:p>
           <a:p>
             <a:pPr marL="720090" lvl="1" indent="-229870" algn="l" defTabSz="0" rtl="0" eaLnBrk="1" fontAlgn="base" hangingPunct="1">
@@ -6470,7 +6740,6 @@
               <a:rPr lang="zh-CN" altLang="en-US"/>
               <a:t>第二级</a:t>
             </a:r>
-            <a:endParaRPr lang="zh-CN" altLang="en-US"/>
           </a:p>
           <a:p>
             <a:pPr lvl="2"/>
@@ -6478,7 +6747,6 @@
               <a:rPr lang="zh-CN" altLang="en-US"/>
               <a:t>第三级</a:t>
             </a:r>
-            <a:endParaRPr lang="zh-CN" altLang="en-US"/>
           </a:p>
           <a:p>
             <a:pPr lvl="3"/>
@@ -6486,7 +6754,6 @@
               <a:rPr lang="zh-CN" altLang="en-US"/>
               <a:t>第四级</a:t>
             </a:r>
-            <a:endParaRPr lang="zh-CN" altLang="en-US"/>
           </a:p>
           <a:p>
             <a:pPr lvl="4"/>
@@ -6494,7 +6761,6 @@
               <a:rPr lang="zh-CN" altLang="en-US"/>
               <a:t>第五级</a:t>
             </a:r>
-            <a:endParaRPr lang="zh-CN" altLang="en-US"/>
           </a:p>
         </p:txBody>
       </p:sp>
@@ -6507,7 +6773,7 @@
           <p:nvPr userDrawn="1"/>
         </p:nvPicPr>
         <p:blipFill>
-          <a:blip r:embed="rId5">
+          <a:blip r:embed="rId6">
             <a:extLst>
               <a:ext uri="{28A0092B-C50C-407E-A947-70E740481C1C}">
                 <a14:useLocalDpi xmlns:a14="http://schemas.microsoft.com/office/drawing/2010/main" val="0"/>
@@ -6585,7 +6851,7 @@
         <a:buSzPct val="70000"/>
         <a:buFontTx/>
         <a:buBlip>
-          <a:blip r:embed="rId6"/>
+          <a:blip r:embed="rId7"/>
         </a:buBlip>
         <a:defRPr sz="2800" kern="1200">
           <a:solidFill>
@@ -6846,7 +7112,7 @@
           <p:nvPr/>
         </p:nvPicPr>
         <p:blipFill>
-          <a:blip r:embed="rId1">
+          <a:blip r:embed="rId3">
             <a:extLst>
               <a:ext uri="{28A0092B-C50C-407E-A947-70E740481C1C}">
                 <a14:useLocalDpi xmlns:a14="http://schemas.microsoft.com/office/drawing/2010/main" val="0"/>
@@ -6955,13 +7221,6 @@
               </a:rPr>
               <a:t>进阶</a:t>
             </a:r>
-            <a:endParaRPr lang="zh-CN" altLang="en-US" sz="4800" b="1">
-              <a:solidFill>
-                <a:srgbClr val="008469"/>
-              </a:solidFill>
-              <a:latin typeface="微软雅黑" panose="020B0503020204020204" pitchFamily="34" charset="-122"/>
-              <a:ea typeface="微软雅黑" panose="020B0503020204020204" pitchFamily="34" charset="-122"/>
-            </a:endParaRPr>
           </a:p>
         </p:txBody>
       </p:sp>
@@ -7008,19 +7267,8 @@
                 <a:latin typeface="微软雅黑" panose="020B0503020204020204" pitchFamily="34" charset="-122"/>
                 <a:ea typeface="微软雅黑" panose="020B0503020204020204" pitchFamily="34" charset="-122"/>
               </a:rPr>
-              <a:t>标识符</a:t>
-            </a:r>
-            <a:r>
-              <a:rPr lang="zh-CN" altLang="en-US" sz="3200" dirty="0">
-                <a:latin typeface="微软雅黑" panose="020B0503020204020204" pitchFamily="34" charset="-122"/>
-                <a:ea typeface="微软雅黑" panose="020B0503020204020204" pitchFamily="34" charset="-122"/>
-              </a:rPr>
-              <a:t>与表达式</a:t>
-            </a:r>
-            <a:endParaRPr lang="zh-CN" altLang="en-US" sz="3200" dirty="0">
-              <a:latin typeface="微软雅黑" panose="020B0503020204020204" pitchFamily="34" charset="-122"/>
-              <a:ea typeface="微软雅黑" panose="020B0503020204020204" pitchFamily="34" charset="-122"/>
-            </a:endParaRPr>
+              <a:t>标识符与表达式</a:t>
+            </a:r>
           </a:p>
         </p:txBody>
       </p:sp>
@@ -7033,7 +7281,7 @@
           <p:nvPr/>
         </p:nvPicPr>
         <p:blipFill>
-          <a:blip r:embed="rId2">
+          <a:blip r:embed="rId4">
             <a:extLst>
               <a:ext uri="{28A0092B-C50C-407E-A947-70E740481C1C}">
                 <a14:useLocalDpi xmlns:a14="http://schemas.microsoft.com/office/drawing/2010/main" val="0"/>
@@ -7164,10 +7412,6 @@
               </a:rPr>
               <a:t>标识符</a:t>
             </a:r>
-            <a:endParaRPr lang="zh-CN" altLang="en-US" sz="2800" b="1" dirty="0">
-              <a:latin typeface="微软雅黑" panose="020B0503020204020204" pitchFamily="34" charset="-122"/>
-              <a:ea typeface="微软雅黑" panose="020B0503020204020204" pitchFamily="34" charset="-122"/>
-            </a:endParaRPr>
           </a:p>
           <a:p>
             <a:pPr marL="457200" indent="-457200" algn="l" eaLnBrk="0" hangingPunct="0">
@@ -7192,18 +7436,7 @@
                 <a:ea typeface="微软雅黑" panose="020B0503020204020204" pitchFamily="34" charset="-122"/>
                 <a:sym typeface="+mn-ea"/>
               </a:rPr>
-              <a:t>表达式</a:t>
-            </a:r>
-            <a:r>
-              <a:rPr lang="zh-CN" sz="2800" b="1" dirty="0">
-                <a:solidFill>
-                  <a:srgbClr val="FF0000"/>
-                </a:solidFill>
-                <a:latin typeface="微软雅黑" panose="020B0503020204020204" pitchFamily="34" charset="-122"/>
-                <a:ea typeface="微软雅黑" panose="020B0503020204020204" pitchFamily="34" charset="-122"/>
-                <a:sym typeface="+mn-ea"/>
-              </a:rPr>
-              <a:t>与运算符</a:t>
+              <a:t>表达式与运算符</a:t>
             </a:r>
             <a:endParaRPr lang="zh-CN" sz="2800" b="1" dirty="0">
               <a:latin typeface="微软雅黑" panose="020B0503020204020204" pitchFamily="34" charset="-122"/>
@@ -7231,10 +7464,6 @@
               </a:rPr>
               <a:t>语句</a:t>
             </a:r>
-            <a:endParaRPr lang="zh-CN" altLang="en-US" sz="2800" b="1" dirty="0">
-              <a:latin typeface="微软雅黑" panose="020B0503020204020204" pitchFamily="34" charset="-122"/>
-              <a:ea typeface="微软雅黑" panose="020B0503020204020204" pitchFamily="34" charset="-122"/>
-            </a:endParaRPr>
           </a:p>
         </p:txBody>
       </p:sp>
@@ -7407,12 +7636,6 @@
               </a:rPr>
               <a:t>内容提纲</a:t>
             </a:r>
-            <a:endParaRPr lang="zh-CN" altLang="en-US">
-              <a:solidFill>
-                <a:srgbClr val="C00000"/>
-              </a:solidFill>
-              <a:latin typeface="微软雅黑" panose="020B0503020204020204" pitchFamily="34" charset="-122"/>
-            </a:endParaRPr>
           </a:p>
         </p:txBody>
       </p:sp>
@@ -7433,7 +7656,14 @@
         <p:cNvGrpSpPr/>
         <p:nvPr/>
       </p:nvGrpSpPr>
-      <p:grpSpPr/>
+      <p:grpSpPr>
+        <a:xfrm>
+          <a:off x="0" y="0"/>
+          <a:ext cx="0" cy="0"/>
+          <a:chOff x="0" y="0"/>
+          <a:chExt cx="0" cy="0"/>
+        </a:xfrm>
+      </p:grpSpPr>
       <p:sp>
         <p:nvSpPr>
           <p:cNvPr id="2" name="内容占位符 1"/>
@@ -7447,6 +7677,7 @@
         <p:spPr/>
         <p:txBody>
           <a:bodyPr/>
+          <a:lstStyle/>
           <a:p>
             <a:r>
               <a:rPr lang="en-US" altLang="zh-CN"/>
@@ -7456,7 +7687,6 @@
               <a:rPr lang="zh-CN" altLang="en-US"/>
               <a:t>运算符</a:t>
             </a:r>
-            <a:endParaRPr lang="zh-CN" altLang="en-US"/>
           </a:p>
           <a:p>
             <a:pPr lvl="1"/>
@@ -7464,7 +7694,6 @@
               <a:rPr lang="zh-CN" altLang="en-US"/>
               <a:t> 运算符的优先级决定了表达式中运算执行的先后顺序，优先级高的运算符最先被执行。</a:t>
             </a:r>
-            <a:endParaRPr lang="zh-CN" altLang="en-US"/>
           </a:p>
           <a:p>
             <a:pPr marL="168275" lvl="1" indent="0">
@@ -7493,12 +7722,12 @@
         <p:spPr/>
         <p:txBody>
           <a:bodyPr/>
+          <a:lstStyle/>
           <a:p>
             <a:r>
               <a:rPr lang="zh-CN" altLang="en-US"/>
               <a:t>运算符</a:t>
             </a:r>
-            <a:endParaRPr lang="zh-CN" altLang="en-US"/>
           </a:p>
         </p:txBody>
       </p:sp>
@@ -7522,6 +7751,7 @@
           <a:bodyPr wrap="none" rtlCol="0" anchor="t">
             <a:spAutoFit/>
           </a:bodyPr>
+          <a:lstStyle/>
           <a:p>
             <a:pPr lvl="1"/>
             <a:r>
@@ -7529,7 +7759,7 @@
                 <a:latin typeface="Calibri" panose="020F0502020204030204" charset="0"/>
                 <a:cs typeface="Calibri" panose="020F0502020204030204" charset="0"/>
                 <a:sym typeface="+mn-ea"/>
-                <a:hlinkClick r:id="rId1" action="ppaction://hlinkfile"/>
+                <a:hlinkClick r:id="rId3" action="ppaction://hlinkfile"/>
               </a:rPr>
               <a:t>https://developer.mozilla.org/zh-CN/docs/Web/JavaScript/Reference/Operators/Operator_Precedence</a:t>
             </a:r>
@@ -7545,13 +7775,6 @@
   <p:clrMapOvr>
     <a:masterClrMapping/>
   </p:clrMapOvr>
-  <p:timing>
-    <p:tnLst>
-      <p:par>
-        <p:cTn id="1" dur="indefinite" restart="never" nodeType="tmRoot"/>
-      </p:par>
-    </p:tnLst>
-  </p:timing>
 </p:sld>
 </file>
 
@@ -7564,7 +7787,14 @@
         <p:cNvGrpSpPr/>
         <p:nvPr/>
       </p:nvGrpSpPr>
-      <p:grpSpPr/>
+      <p:grpSpPr>
+        <a:xfrm>
+          <a:off x="0" y="0"/>
+          <a:ext cx="0" cy="0"/>
+          <a:chOff x="0" y="0"/>
+          <a:chExt cx="0" cy="0"/>
+        </a:xfrm>
+      </p:grpSpPr>
       <p:sp>
         <p:nvSpPr>
           <p:cNvPr id="2" name="内容占位符 1"/>
@@ -7578,6 +7808,7 @@
         <p:spPr/>
         <p:txBody>
           <a:bodyPr/>
+          <a:lstStyle/>
           <a:p>
             <a:r>
               <a:rPr lang="en-US" altLang="zh-CN"/>
@@ -7613,7 +7844,6 @@
               <a:rPr lang="en-US" altLang="zh-CN"/>
               <a:t>量</a:t>
             </a:r>
-            <a:endParaRPr lang="en-US" altLang="zh-CN"/>
           </a:p>
           <a:p>
             <a:pPr marL="168275" lvl="1" indent="0">
@@ -7642,12 +7872,12 @@
         <p:spPr/>
         <p:txBody>
           <a:bodyPr/>
+          <a:lstStyle/>
           <a:p>
             <a:r>
               <a:rPr lang="zh-CN" altLang="en-US"/>
               <a:t>字面量</a:t>
             </a:r>
-            <a:endParaRPr lang="zh-CN" altLang="en-US"/>
           </a:p>
         </p:txBody>
       </p:sp>
@@ -7660,7 +7890,7 @@
           <p:nvPr/>
         </p:nvPicPr>
         <p:blipFill>
-          <a:blip r:embed="rId1"/>
+          <a:blip r:embed="rId3"/>
           <a:stretch>
             <a:fillRect/>
           </a:stretch>
@@ -7688,13 +7918,6 @@
   <p:clrMapOvr>
     <a:masterClrMapping/>
   </p:clrMapOvr>
-  <p:timing>
-    <p:tnLst>
-      <p:par>
-        <p:cTn id="1" dur="indefinite" restart="never" nodeType="tmRoot"/>
-      </p:par>
-    </p:tnLst>
-  </p:timing>
 </p:sld>
 </file>
 
@@ -7707,7 +7930,14 @@
         <p:cNvGrpSpPr/>
         <p:nvPr/>
       </p:nvGrpSpPr>
-      <p:grpSpPr/>
+      <p:grpSpPr>
+        <a:xfrm>
+          <a:off x="0" y="0"/>
+          <a:ext cx="0" cy="0"/>
+          <a:chOff x="0" y="0"/>
+          <a:chExt cx="0" cy="0"/>
+        </a:xfrm>
+      </p:grpSpPr>
       <p:sp>
         <p:nvSpPr>
           <p:cNvPr id="2" name="内容占位符 1"/>
@@ -7721,6 +7951,7 @@
         <p:spPr/>
         <p:txBody>
           <a:bodyPr/>
+          <a:lstStyle/>
           <a:p>
             <a:r>
               <a:rPr lang="en-US" altLang="zh-CN">
@@ -7775,12 +8006,12 @@
         <p:spPr/>
         <p:txBody>
           <a:bodyPr/>
+          <a:lstStyle/>
           <a:p>
             <a:r>
               <a:rPr lang="zh-CN" altLang="en-US"/>
               <a:t>表达式</a:t>
             </a:r>
-            <a:endParaRPr lang="zh-CN" altLang="en-US"/>
           </a:p>
         </p:txBody>
       </p:sp>
@@ -7793,7 +8024,7 @@
           <p:nvPr/>
         </p:nvPicPr>
         <p:blipFill>
-          <a:blip r:embed="rId1"/>
+          <a:blip r:embed="rId3"/>
           <a:stretch>
             <a:fillRect/>
           </a:stretch>
@@ -7825,7 +8056,14 @@
         <p:cNvGrpSpPr/>
         <p:nvPr/>
       </p:nvGrpSpPr>
-      <p:grpSpPr/>
+      <p:grpSpPr>
+        <a:xfrm>
+          <a:off x="0" y="0"/>
+          <a:ext cx="0" cy="0"/>
+          <a:chOff x="0" y="0"/>
+          <a:chExt cx="0" cy="0"/>
+        </a:xfrm>
+      </p:grpSpPr>
       <p:sp>
         <p:nvSpPr>
           <p:cNvPr id="3" name="内容占位符 2"/>
@@ -7839,12 +8077,12 @@
         <p:spPr/>
         <p:txBody>
           <a:bodyPr/>
+          <a:lstStyle/>
           <a:p>
             <a:r>
               <a:rPr lang="zh-CN" altLang="en-US"/>
               <a:t>函数表达式</a:t>
             </a:r>
-            <a:endParaRPr lang="zh-CN" altLang="en-US"/>
           </a:p>
         </p:txBody>
       </p:sp>
@@ -7857,7 +8095,7 @@
           <p:nvPr/>
         </p:nvPicPr>
         <p:blipFill>
-          <a:blip r:embed="rId1"/>
+          <a:blip r:embed="rId2"/>
           <a:stretch>
             <a:fillRect/>
           </a:stretch>
@@ -7942,6 +8180,7 @@
             <a:bodyPr wrap="none" rtlCol="0" anchor="t">
               <a:spAutoFit/>
             </a:bodyPr>
+            <a:lstStyle/>
             <a:p>
               <a:r>
                 <a:rPr lang="zh-CN" sz="2800">
@@ -8016,6 +8255,7 @@
             <a:bodyPr wrap="none" rtlCol="0" anchor="t">
               <a:spAutoFit/>
             </a:bodyPr>
+            <a:lstStyle/>
             <a:p>
               <a:r>
                 <a:rPr lang="zh-CN" sz="2800">
@@ -8048,6 +8288,7 @@
           <a:bodyPr wrap="square" rtlCol="0" anchor="t">
             <a:spAutoFit/>
           </a:bodyPr>
+          <a:lstStyle/>
           <a:p>
             <a:pPr fontAlgn="auto">
               <a:lnSpc>
@@ -8086,11 +8327,6 @@
               </a:rPr>
               <a:t>，就会从函数声明转变为函数表达式。</a:t>
             </a:r>
-            <a:endParaRPr lang="zh-CN" altLang="en-US" sz="2800">
-              <a:latin typeface="微软雅黑" panose="020B0503020204020204" pitchFamily="34" charset="-122"/>
-              <a:ea typeface="微软雅黑" panose="020B0503020204020204" pitchFamily="34" charset="-122"/>
-              <a:cs typeface="微软雅黑" panose="020B0503020204020204" pitchFamily="34" charset="-122"/>
-            </a:endParaRPr>
           </a:p>
         </p:txBody>
       </p:sp>
@@ -8235,7 +8471,14 @@
         <p:cNvGrpSpPr/>
         <p:nvPr/>
       </p:nvGrpSpPr>
-      <p:grpSpPr/>
+      <p:grpSpPr>
+        <a:xfrm>
+          <a:off x="0" y="0"/>
+          <a:ext cx="0" cy="0"/>
+          <a:chOff x="0" y="0"/>
+          <a:chExt cx="0" cy="0"/>
+        </a:xfrm>
+      </p:grpSpPr>
       <p:sp>
         <p:nvSpPr>
           <p:cNvPr id="2" name="内容占位符 1"/>
@@ -8249,6 +8492,7 @@
         <p:spPr/>
         <p:txBody>
           <a:bodyPr/>
+          <a:lstStyle/>
           <a:p>
             <a:r>
               <a:rPr lang="en-US" altLang="zh-CN"/>
@@ -8275,12 +8519,12 @@
         <p:spPr/>
         <p:txBody>
           <a:bodyPr/>
+          <a:lstStyle/>
           <a:p>
             <a:r>
               <a:rPr lang="zh-CN" altLang="en-US"/>
               <a:t>函数调用表达式</a:t>
             </a:r>
-            <a:endParaRPr lang="zh-CN" altLang="en-US"/>
           </a:p>
         </p:txBody>
       </p:sp>
@@ -8293,7 +8537,7 @@
           <p:nvPr/>
         </p:nvPicPr>
         <p:blipFill>
-          <a:blip r:embed="rId1"/>
+          <a:blip r:embed="rId2"/>
           <a:stretch>
             <a:fillRect/>
           </a:stretch>
@@ -8325,7 +8569,14 @@
         <p:cNvGrpSpPr/>
         <p:nvPr/>
       </p:nvGrpSpPr>
-      <p:grpSpPr/>
+      <p:grpSpPr>
+        <a:xfrm>
+          <a:off x="0" y="0"/>
+          <a:ext cx="0" cy="0"/>
+          <a:chOff x="0" y="0"/>
+          <a:chExt cx="0" cy="0"/>
+        </a:xfrm>
+      </p:grpSpPr>
       <p:sp>
         <p:nvSpPr>
           <p:cNvPr id="2" name="内容占位符 1"/>
@@ -8344,6 +8595,7 @@
         </p:spPr>
         <p:txBody>
           <a:bodyPr/>
+          <a:lstStyle/>
           <a:p>
             <a:pPr>
               <a:buNone/>
@@ -8424,7 +8676,6 @@
               <a:rPr lang="en-US" altLang="zh-CN"/>
               <a:t>是最安全的做法，因为它不会改变函数的返回值。</a:t>
             </a:r>
-            <a:endParaRPr lang="en-US" altLang="zh-CN"/>
           </a:p>
         </p:txBody>
       </p:sp>
@@ -8441,12 +8692,12 @@
         <p:spPr/>
         <p:txBody>
           <a:bodyPr/>
+          <a:lstStyle/>
           <a:p>
             <a:r>
               <a:rPr lang="zh-CN" altLang="en-US"/>
               <a:t>立即执行表达式</a:t>
             </a:r>
-            <a:endParaRPr lang="zh-CN" altLang="en-US"/>
           </a:p>
         </p:txBody>
       </p:sp>
@@ -8459,7 +8710,7 @@
           <p:nvPr/>
         </p:nvPicPr>
         <p:blipFill>
-          <a:blip r:embed="rId1"/>
+          <a:blip r:embed="rId2"/>
           <a:stretch>
             <a:fillRect/>
           </a:stretch>
@@ -8502,20 +8753,16 @@
           <a:bodyPr wrap="square" rtlCol="0" anchor="t">
             <a:spAutoFit/>
           </a:bodyPr>
+          <a:lstStyle/>
           <a:p>
             <a:r>
               <a:rPr lang="zh-CN" altLang="en-US" sz="2400">
                 <a:latin typeface="微软雅黑" panose="020B0503020204020204" pitchFamily="34" charset="-122"/>
                 <a:ea typeface="微软雅黑" panose="020B0503020204020204" pitchFamily="34" charset="-122"/>
-                <a:hlinkClick r:id="rId2"/>
+                <a:hlinkClick r:id="rId3"/>
               </a:rPr>
               <a:t>http://www.edu2act.net/article/webkai-fa-er-han-shu/</a:t>
             </a:r>
-            <a:endParaRPr lang="zh-CN" altLang="en-US" sz="2400">
-              <a:latin typeface="微软雅黑" panose="020B0503020204020204" pitchFamily="34" charset="-122"/>
-              <a:ea typeface="微软雅黑" panose="020B0503020204020204" pitchFamily="34" charset="-122"/>
-              <a:hlinkClick r:id="rId2"/>
-            </a:endParaRPr>
           </a:p>
         </p:txBody>
       </p:sp>
@@ -8726,7 +8973,14 @@
         <p:cNvGrpSpPr/>
         <p:nvPr/>
       </p:nvGrpSpPr>
-      <p:grpSpPr/>
+      <p:grpSpPr>
+        <a:xfrm>
+          <a:off x="0" y="0"/>
+          <a:ext cx="0" cy="0"/>
+          <a:chOff x="0" y="0"/>
+          <a:chExt cx="0" cy="0"/>
+        </a:xfrm>
+      </p:grpSpPr>
       <p:sp>
         <p:nvSpPr>
           <p:cNvPr id="21" name="矩形 20"/>
@@ -8754,6 +9008,7 @@
         </p:spPr>
         <p:txBody>
           <a:bodyPr vert="horz" wrap="square" lIns="91440" tIns="45720" rIns="91440" bIns="45720" numCol="1" anchor="t" anchorCtr="0" compatLnSpc="1"/>
+          <a:lstStyle/>
           <a:p>
             <a:pPr marL="0" marR="0" indent="0" algn="l" defTabSz="914400" rtl="0" eaLnBrk="0" fontAlgn="base" latinLnBrk="0" hangingPunct="0">
               <a:lnSpc>
@@ -8770,7 +9025,7 @@
               <a:buFontTx/>
               <a:buNone/>
             </a:pPr>
-            <a:endParaRPr kumimoji="0" lang="zh-CN" altLang="en-US" sz="3200" b="0" i="0" u="none" strike="noStrike" cap="none" normalizeH="0" baseline="0" smtClean="0">
+            <a:endParaRPr kumimoji="0" lang="zh-CN" altLang="en-US" sz="3200" b="0" i="0" u="none" strike="noStrike" cap="none" normalizeH="0" baseline="0">
               <a:ln>
                 <a:noFill/>
               </a:ln>
@@ -8789,7 +9044,7 @@
           <p:cNvSpPr txBox="1"/>
           <p:nvPr>
             <p:custDataLst>
-              <p:tags r:id="rId1"/>
+              <p:tags r:id="rId2"/>
             </p:custDataLst>
           </p:nvPr>
         </p:nvSpPr>
@@ -8807,27 +9062,41 @@
           <a:bodyPr wrap="square" rtlCol="0" anchor="ctr" anchorCtr="0">
             <a:noAutofit/>
           </a:bodyPr>
+          <a:lstStyle/>
           <a:p>
             <a:pPr lvl="0" algn="l">
               <a:buNone/>
             </a:pPr>
             <a:r>
-              <a:rPr lang="zh-CN" altLang="en-US" sz="2600">
+              <a:rPr lang="zh-CN" altLang="en-US" sz="2600" dirty="0">
                 <a:solidFill>
                   <a:srgbClr val="000000"/>
                 </a:solidFill>
                 <a:latin typeface="微软雅黑" panose="020B0503020204020204" pitchFamily="34" charset="-122"/>
                 <a:ea typeface="微软雅黑" panose="020B0503020204020204" pitchFamily="34" charset="-122"/>
               </a:rPr>
-              <a:t>分析代码，在控制台输出结果为（）。</a:t>
-            </a:r>
-            <a:endParaRPr lang="zh-CN" altLang="en-US" sz="2600">
-              <a:solidFill>
-                <a:srgbClr val="000000"/>
-              </a:solidFill>
-              <a:latin typeface="微软雅黑" panose="020B0503020204020204" pitchFamily="34" charset="-122"/>
-              <a:ea typeface="微软雅黑" panose="020B0503020204020204" pitchFamily="34" charset="-122"/>
-            </a:endParaRPr>
+              <a:t>分析代码，在控制台输出结果为（</a:t>
+            </a:r>
+            <a:r>
+              <a:rPr lang="en-US" altLang="zh-CN" sz="2600" dirty="0">
+                <a:solidFill>
+                  <a:srgbClr val="00B0F0"/>
+                </a:solidFill>
+                <a:latin typeface="微软雅黑" panose="020B0503020204020204" pitchFamily="34" charset="-122"/>
+                <a:ea typeface="微软雅黑" panose="020B0503020204020204" pitchFamily="34" charset="-122"/>
+              </a:rPr>
+              <a:t>B</a:t>
+            </a:r>
+            <a:r>
+              <a:rPr lang="zh-CN" altLang="en-US" sz="2600" dirty="0">
+                <a:solidFill>
+                  <a:srgbClr val="000000"/>
+                </a:solidFill>
+                <a:latin typeface="微软雅黑" panose="020B0503020204020204" pitchFamily="34" charset="-122"/>
+                <a:ea typeface="微软雅黑" panose="020B0503020204020204" pitchFamily="34" charset="-122"/>
+              </a:rPr>
+              <a:t>）。</a:t>
+            </a:r>
           </a:p>
         </p:txBody>
       </p:sp>
@@ -8837,7 +9106,7 @@
           <p:cNvSpPr txBox="1"/>
           <p:nvPr>
             <p:custDataLst>
-              <p:tags r:id="rId2"/>
+              <p:tags r:id="rId3"/>
             </p:custDataLst>
           </p:nvPr>
         </p:nvSpPr>
@@ -8855,6 +9124,7 @@
           <a:bodyPr wrap="square" rtlCol="0" anchor="ctr" anchorCtr="0">
             <a:noAutofit/>
           </a:bodyPr>
+          <a:lstStyle/>
           <a:p>
             <a:pPr lvl="0" algn="l">
               <a:buNone/>
@@ -8869,13 +9139,6 @@
               </a:rPr>
               <a:t>string</a:t>
             </a:r>
-            <a:endParaRPr lang="en-US" altLang="zh-CN" sz="2600">
-              <a:solidFill>
-                <a:srgbClr val="000000"/>
-              </a:solidFill>
-              <a:latin typeface="微软雅黑" panose="020B0503020204020204" pitchFamily="34" charset="-122"/>
-              <a:ea typeface="微软雅黑" panose="020B0503020204020204" pitchFamily="34" charset="-122"/>
-            </a:endParaRPr>
           </a:p>
         </p:txBody>
       </p:sp>
@@ -8885,7 +9148,7 @@
           <p:cNvSpPr txBox="1"/>
           <p:nvPr>
             <p:custDataLst>
-              <p:tags r:id="rId3"/>
+              <p:tags r:id="rId4"/>
             </p:custDataLst>
           </p:nvPr>
         </p:nvSpPr>
@@ -8903,6 +9166,7 @@
           <a:bodyPr wrap="square" rtlCol="0" anchor="ctr" anchorCtr="0">
             <a:noAutofit/>
           </a:bodyPr>
+          <a:lstStyle/>
           <a:p>
             <a:pPr lvl="0" algn="l">
               <a:buNone/>
@@ -8917,13 +9181,6 @@
               </a:rPr>
               <a:t>undefined</a:t>
             </a:r>
-            <a:endParaRPr lang="en-US" altLang="zh-CN" sz="2600">
-              <a:solidFill>
-                <a:srgbClr val="000000"/>
-              </a:solidFill>
-              <a:latin typeface="微软雅黑" panose="020B0503020204020204" pitchFamily="34" charset="-122"/>
-              <a:ea typeface="微软雅黑" panose="020B0503020204020204" pitchFamily="34" charset="-122"/>
-            </a:endParaRPr>
           </a:p>
         </p:txBody>
       </p:sp>
@@ -8933,7 +9190,7 @@
           <p:cNvSpPr txBox="1"/>
           <p:nvPr>
             <p:custDataLst>
-              <p:tags r:id="rId4"/>
+              <p:tags r:id="rId5"/>
             </p:custDataLst>
           </p:nvPr>
         </p:nvSpPr>
@@ -8951,6 +9208,7 @@
           <a:bodyPr wrap="square" rtlCol="0" anchor="ctr" anchorCtr="0">
             <a:noAutofit/>
           </a:bodyPr>
+          <a:lstStyle/>
           <a:p>
             <a:pPr lvl="0" algn="l">
               <a:buNone/>
@@ -8965,13 +9223,6 @@
               </a:rPr>
               <a:t>null</a:t>
             </a:r>
-            <a:endParaRPr lang="en-US" altLang="zh-CN" sz="2600">
-              <a:solidFill>
-                <a:srgbClr val="000000"/>
-              </a:solidFill>
-              <a:latin typeface="微软雅黑" panose="020B0503020204020204" pitchFamily="34" charset="-122"/>
-              <a:ea typeface="微软雅黑" panose="020B0503020204020204" pitchFamily="34" charset="-122"/>
-            </a:endParaRPr>
           </a:p>
         </p:txBody>
       </p:sp>
@@ -8983,7 +9234,7 @@
           </p:cNvSpPr>
           <p:nvPr>
             <p:custDataLst>
-              <p:tags r:id="rId5"/>
+              <p:tags r:id="rId6"/>
             </p:custDataLst>
           </p:nvPr>
         </p:nvSpPr>
@@ -9012,6 +9263,7 @@
           <a:bodyPr vert="horz" wrap="square" lIns="91440" tIns="45720" rIns="91440" bIns="45720" numCol="1" anchor="ctr" anchorCtr="1" compatLnSpc="1">
             <a:noAutofit/>
           </a:bodyPr>
+          <a:lstStyle/>
           <a:p>
             <a:pPr marL="0" marR="0" indent="0" algn="l" defTabSz="914400" rtl="0" eaLnBrk="0" fontAlgn="base" latinLnBrk="0" hangingPunct="0">
               <a:lnSpc>
@@ -9029,7 +9281,7 @@
               <a:buNone/>
             </a:pPr>
             <a:r>
-              <a:rPr kumimoji="0" lang="zh-CN" altLang="en-US" sz="1600" b="0" i="0" u="none" strike="noStrike" cap="none" normalizeH="0" baseline="0" smtClean="0">
+              <a:rPr kumimoji="0" lang="zh-CN" altLang="en-US" sz="1600" b="0" i="0" u="none" strike="noStrike" cap="none" normalizeH="0" baseline="0">
                 <a:ln>
                   <a:noFill/>
                 </a:ln>
@@ -9042,17 +9294,6 @@
               </a:rPr>
               <a:t>A</a:t>
             </a:r>
-            <a:endParaRPr kumimoji="0" lang="zh-CN" altLang="en-US" sz="1600" b="0" i="0" u="none" strike="noStrike" cap="none" normalizeH="0" baseline="0" smtClean="0">
-              <a:ln>
-                <a:noFill/>
-              </a:ln>
-              <a:solidFill>
-                <a:srgbClr val="FFFFFF"/>
-              </a:solidFill>
-              <a:effectLst/>
-              <a:latin typeface="微软雅黑" panose="020B0503020204020204" pitchFamily="34" charset="-122"/>
-              <a:ea typeface="微软雅黑" panose="020B0503020204020204" pitchFamily="34" charset="-122"/>
-            </a:endParaRPr>
           </a:p>
         </p:txBody>
       </p:sp>
@@ -9064,7 +9305,7 @@
           </p:cNvSpPr>
           <p:nvPr>
             <p:custDataLst>
-              <p:tags r:id="rId6"/>
+              <p:tags r:id="rId7"/>
             </p:custDataLst>
           </p:nvPr>
         </p:nvSpPr>
@@ -9093,6 +9334,7 @@
           <a:bodyPr vert="horz" wrap="square" lIns="91440" tIns="45720" rIns="91440" bIns="45720" numCol="1" anchor="ctr" anchorCtr="1" compatLnSpc="1">
             <a:noAutofit/>
           </a:bodyPr>
+          <a:lstStyle/>
           <a:p>
             <a:pPr marL="0" marR="0" indent="0" algn="l" defTabSz="914400" rtl="0" eaLnBrk="0" fontAlgn="base" latinLnBrk="0" hangingPunct="0">
               <a:lnSpc>
@@ -9110,7 +9352,7 @@
               <a:buNone/>
             </a:pPr>
             <a:r>
-              <a:rPr kumimoji="0" lang="zh-CN" altLang="en-US" sz="1600" b="0" i="0" u="none" strike="noStrike" cap="none" normalizeH="0" baseline="0" smtClean="0">
+              <a:rPr kumimoji="0" lang="zh-CN" altLang="en-US" sz="1600" b="0" i="0" u="none" strike="noStrike" cap="none" normalizeH="0" baseline="0">
                 <a:ln>
                   <a:noFill/>
                 </a:ln>
@@ -9123,17 +9365,6 @@
               </a:rPr>
               <a:t>C</a:t>
             </a:r>
-            <a:endParaRPr kumimoji="0" lang="zh-CN" altLang="en-US" sz="1600" b="0" i="0" u="none" strike="noStrike" cap="none" normalizeH="0" baseline="0" smtClean="0">
-              <a:ln>
-                <a:noFill/>
-              </a:ln>
-              <a:solidFill>
-                <a:srgbClr val="FFFFFF"/>
-              </a:solidFill>
-              <a:effectLst/>
-              <a:latin typeface="微软雅黑" panose="020B0503020204020204" pitchFamily="34" charset="-122"/>
-              <a:ea typeface="微软雅黑" panose="020B0503020204020204" pitchFamily="34" charset="-122"/>
-            </a:endParaRPr>
           </a:p>
         </p:txBody>
       </p:sp>
@@ -9146,7 +9377,7 @@
           <p:nvPr/>
         </p:nvPicPr>
         <p:blipFill>
-          <a:blip r:embed="rId7"/>
+          <a:blip r:embed="rId17"/>
           <a:stretch>
             <a:fillRect/>
           </a:stretch>
@@ -9193,6 +9424,7 @@
           <a:bodyPr wrap="square" rtlCol="0" anchor="ctr" anchorCtr="0">
             <a:noAutofit/>
           </a:bodyPr>
+          <a:lstStyle/>
           <a:p>
             <a:pPr lvl="0" algn="l">
               <a:buNone/>
@@ -9207,13 +9439,6 @@
               </a:rPr>
               <a:t>object</a:t>
             </a:r>
-            <a:endParaRPr lang="en-US" altLang="zh-CN" sz="2600">
-              <a:solidFill>
-                <a:srgbClr val="000000"/>
-              </a:solidFill>
-              <a:latin typeface="微软雅黑" panose="020B0503020204020204" pitchFamily="34" charset="-122"/>
-              <a:ea typeface="微软雅黑" panose="020B0503020204020204" pitchFamily="34" charset="-122"/>
-            </a:endParaRPr>
           </a:p>
         </p:txBody>
       </p:sp>
@@ -9254,6 +9479,7 @@
           <a:bodyPr vert="horz" wrap="square" lIns="91440" tIns="45720" rIns="91440" bIns="45720" numCol="1" anchor="ctr" anchorCtr="1" compatLnSpc="1">
             <a:noAutofit/>
           </a:bodyPr>
+          <a:lstStyle/>
           <a:p>
             <a:pPr marL="0" marR="0" indent="0" algn="l" defTabSz="914400" rtl="0" eaLnBrk="0" fontAlgn="base" latinLnBrk="0" hangingPunct="0">
               <a:lnSpc>
@@ -9271,7 +9497,7 @@
               <a:buNone/>
             </a:pPr>
             <a:r>
-              <a:rPr kumimoji="0" lang="en-US" altLang="zh-CN" sz="1600" b="0" i="0" u="none" strike="noStrike" cap="none" normalizeH="0" baseline="0" smtClean="0">
+              <a:rPr kumimoji="0" lang="en-US" altLang="zh-CN" sz="1600" b="0" i="0" u="none" strike="noStrike" cap="none" normalizeH="0" baseline="0">
                 <a:ln>
                   <a:noFill/>
                 </a:ln>
@@ -9284,17 +9510,6 @@
               </a:rPr>
               <a:t>D</a:t>
             </a:r>
-            <a:endParaRPr kumimoji="0" lang="en-US" altLang="zh-CN" sz="1600" b="0" i="0" u="none" strike="noStrike" cap="none" normalizeH="0" baseline="0" smtClean="0">
-              <a:ln>
-                <a:noFill/>
-              </a:ln>
-              <a:solidFill>
-                <a:srgbClr val="FFFFFF"/>
-              </a:solidFill>
-              <a:effectLst/>
-              <a:latin typeface="微软雅黑" panose="020B0503020204020204" pitchFamily="34" charset="-122"/>
-              <a:ea typeface="微软雅黑" panose="020B0503020204020204" pitchFamily="34" charset="-122"/>
-            </a:endParaRPr>
           </a:p>
         </p:txBody>
       </p:sp>
@@ -9323,6 +9538,7 @@
         </p:spPr>
         <p:txBody>
           <a:bodyPr vert="horz" wrap="square" lIns="91440" tIns="45720" rIns="91440" bIns="45720" numCol="1" anchor="t" anchorCtr="0" compatLnSpc="1"/>
+          <a:lstStyle/>
           <a:p>
             <a:pPr marL="0" marR="0" indent="0" algn="l" defTabSz="914400" rtl="0" eaLnBrk="0" fontAlgn="base" latinLnBrk="0" hangingPunct="0">
               <a:lnSpc>
@@ -9340,7 +9556,7 @@
               <a:buNone/>
             </a:pPr>
             <a:r>
-              <a:rPr kumimoji="0" lang="en-US" altLang="zh-CN" sz="2400" b="0" i="0" u="none" strike="noStrike" cap="none" normalizeH="0" baseline="0" smtClean="0">
+              <a:rPr kumimoji="0" lang="en-US" altLang="zh-CN" sz="2400" b="0" i="0" u="none" strike="noStrike" cap="none" normalizeH="0" baseline="0">
                 <a:ln>
                   <a:noFill/>
                 </a:ln>
@@ -9352,16 +9568,6 @@
               </a:rPr>
               <a:t>2.html</a:t>
             </a:r>
-            <a:endParaRPr kumimoji="0" lang="en-US" altLang="zh-CN" sz="2400" b="0" i="0" u="none" strike="noStrike" cap="none" normalizeH="0" baseline="0" smtClean="0">
-              <a:ln>
-                <a:noFill/>
-              </a:ln>
-              <a:solidFill>
-                <a:schemeClr val="tx1"/>
-              </a:solidFill>
-              <a:effectLst/>
-              <a:latin typeface="Arial" panose="020B0604020202020204" pitchFamily="34" charset="0"/>
-            </a:endParaRPr>
           </a:p>
         </p:txBody>
       </p:sp>
@@ -9389,7 +9595,7 @@
             <p:cNvSpPr/>
             <p:nvPr>
               <p:custDataLst>
-                <p:tags r:id="rId11"/>
+                <p:tags r:id="rId12"/>
               </p:custDataLst>
             </p:nvPr>
           </p:nvSpPr>
@@ -9427,6 +9633,7 @@
           </p:spPr>
           <p:txBody>
             <a:bodyPr vert="horz" wrap="square" lIns="91440" tIns="45720" rIns="91440" bIns="45720" numCol="1" anchor="t" anchorCtr="0" compatLnSpc="1"/>
+            <a:lstStyle/>
             <a:p>
               <a:pPr marL="0" marR="0" indent="0" algn="l" defTabSz="914400" rtl="0" eaLnBrk="0" fontAlgn="base" latinLnBrk="0" hangingPunct="0">
                 <a:lnSpc>
@@ -9443,7 +9650,7 @@
                 <a:buFontTx/>
                 <a:buNone/>
               </a:pPr>
-              <a:endParaRPr kumimoji="0" lang="zh-CN" altLang="en-US" sz="3200" b="0" i="0" u="none" strike="noStrike" cap="none" normalizeH="0" baseline="0" smtClean="0">
+              <a:endParaRPr kumimoji="0" lang="zh-CN" altLang="en-US" sz="3200" b="0" i="0" u="none" strike="noStrike" cap="none" normalizeH="0" baseline="0">
                 <a:ln>
                   <a:noFill/>
                 </a:ln>
@@ -9462,7 +9669,7 @@
             <p:cNvSpPr/>
             <p:nvPr>
               <p:custDataLst>
-                <p:tags r:id="rId12"/>
+                <p:tags r:id="rId13"/>
               </p:custDataLst>
             </p:nvPr>
           </p:nvSpPr>
@@ -9500,6 +9707,7 @@
           </p:spPr>
           <p:txBody>
             <a:bodyPr vert="horz" wrap="square" lIns="91440" tIns="45720" rIns="91440" bIns="45720" numCol="1" anchor="t" anchorCtr="0" compatLnSpc="1"/>
+            <a:lstStyle/>
             <a:p>
               <a:pPr marL="0" marR="0" indent="0" algn="l" defTabSz="914400" rtl="0" eaLnBrk="0" fontAlgn="base" latinLnBrk="0" hangingPunct="0">
                 <a:lnSpc>
@@ -9516,7 +9724,7 @@
                 <a:buFontTx/>
                 <a:buNone/>
               </a:pPr>
-              <a:endParaRPr kumimoji="0" lang="zh-CN" altLang="en-US" sz="3200" b="0" i="0" u="none" strike="noStrike" cap="none" normalizeH="0" baseline="0" smtClean="0">
+              <a:endParaRPr kumimoji="0" lang="zh-CN" altLang="en-US" sz="3200" b="0" i="0" u="none" strike="noStrike" cap="none" normalizeH="0" baseline="0">
                 <a:ln>
                   <a:noFill/>
                 </a:ln>
@@ -9535,7 +9743,7 @@
             <p:cNvSpPr txBox="1"/>
             <p:nvPr>
               <p:custDataLst>
-                <p:tags r:id="rId13"/>
+                <p:tags r:id="rId14"/>
               </p:custDataLst>
             </p:nvPr>
           </p:nvSpPr>
@@ -9553,6 +9761,7 @@
             <a:bodyPr wrap="none" rtlCol="0" anchor="ctr" anchorCtr="0">
               <a:noAutofit/>
             </a:bodyPr>
+            <a:lstStyle/>
             <a:p>
               <a:pPr lvl="0" algn="l">
                 <a:buNone/>
@@ -9567,13 +9776,6 @@
                 </a:rPr>
                 <a:t>单选题</a:t>
               </a:r>
-              <a:endParaRPr lang="zh-CN" altLang="en-US" sz="2600">
-                <a:solidFill>
-                  <a:srgbClr val="000000"/>
-                </a:solidFill>
-                <a:latin typeface="微软雅黑" panose="020B0503020204020204" pitchFamily="34" charset="-122"/>
-                <a:ea typeface="微软雅黑" panose="020B0503020204020204" pitchFamily="34" charset="-122"/>
-              </a:endParaRPr>
             </a:p>
           </p:txBody>
         </p:sp>
@@ -9586,7 +9788,7 @@
           </p:cNvSpPr>
           <p:nvPr>
             <p:custDataLst>
-              <p:tags r:id="rId14"/>
+              <p:tags r:id="rId11"/>
             </p:custDataLst>
           </p:nvPr>
         </p:nvSpPr>
@@ -9615,6 +9817,7 @@
           <a:bodyPr vert="horz" wrap="square" lIns="91440" tIns="45720" rIns="91440" bIns="45720" numCol="1" anchor="ctr" anchorCtr="1" compatLnSpc="1">
             <a:noAutofit/>
           </a:bodyPr>
+          <a:lstStyle/>
           <a:p>
             <a:pPr marL="0" marR="0" indent="0" algn="l" defTabSz="914400" rtl="0" eaLnBrk="0" fontAlgn="base" latinLnBrk="0" hangingPunct="0">
               <a:lnSpc>
@@ -9632,7 +9835,7 @@
               <a:buNone/>
             </a:pPr>
             <a:r>
-              <a:rPr kumimoji="0" lang="en-US" altLang="zh-CN" sz="1600" b="0" i="0" u="none" strike="noStrike" cap="none" normalizeH="0" baseline="0" smtClean="0">
+              <a:rPr kumimoji="0" lang="en-US" altLang="zh-CN" sz="1600" b="0" i="0" u="none" strike="noStrike" cap="none" normalizeH="0" baseline="0">
                 <a:ln>
                   <a:noFill/>
                 </a:ln>
@@ -9645,23 +9848,12 @@
               </a:rPr>
               <a:t>B</a:t>
             </a:r>
-            <a:endParaRPr kumimoji="0" lang="en-US" altLang="zh-CN" sz="1600" b="0" i="0" u="none" strike="noStrike" cap="none" normalizeH="0" baseline="0" smtClean="0">
-              <a:ln>
-                <a:noFill/>
-              </a:ln>
-              <a:solidFill>
-                <a:srgbClr val="FFFFFF"/>
-              </a:solidFill>
-              <a:effectLst/>
-              <a:latin typeface="微软雅黑" panose="020B0503020204020204" pitchFamily="34" charset="-122"/>
-              <a:ea typeface="微软雅黑" panose="020B0503020204020204" pitchFamily="34" charset="-122"/>
-            </a:endParaRPr>
           </a:p>
         </p:txBody>
       </p:sp>
     </p:spTree>
     <p:custDataLst>
-      <p:tags r:id="rId15"/>
+      <p:tags r:id="rId1"/>
     </p:custDataLst>
   </p:cSld>
   <p:clrMapOvr>
@@ -9679,7 +9871,14 @@
         <p:cNvGrpSpPr/>
         <p:nvPr/>
       </p:nvGrpSpPr>
-      <p:grpSpPr/>
+      <p:grpSpPr>
+        <a:xfrm>
+          <a:off x="0" y="0"/>
+          <a:ext cx="0" cy="0"/>
+          <a:chOff x="0" y="0"/>
+          <a:chExt cx="0" cy="0"/>
+        </a:xfrm>
+      </p:grpSpPr>
       <p:sp>
         <p:nvSpPr>
           <p:cNvPr id="3" name="内容占位符 2"/>
@@ -9693,12 +9892,12 @@
         <p:spPr/>
         <p:txBody>
           <a:bodyPr/>
+          <a:lstStyle/>
           <a:p>
             <a:r>
               <a:rPr lang="zh-CN" altLang="en-US"/>
               <a:t>总结</a:t>
             </a:r>
-            <a:endParaRPr lang="zh-CN" altLang="en-US"/>
           </a:p>
         </p:txBody>
       </p:sp>
@@ -9715,6 +9914,7 @@
         <p:spPr/>
         <p:txBody>
           <a:bodyPr/>
+          <a:lstStyle/>
           <a:p>
             <a:r>
               <a:rPr lang="en-US" altLang="zh-CN" sz="2800" dirty="0">
@@ -9770,6 +9970,7 @@
           <a:bodyPr wrap="square" rtlCol="0" anchor="t">
             <a:spAutoFit/>
           </a:bodyPr>
+          <a:lstStyle/>
           <a:p>
             <a:endParaRPr lang="zh-CN" altLang="en-US"/>
           </a:p>
@@ -9780,13 +9981,6 @@
   <p:clrMapOvr>
     <a:masterClrMapping/>
   </p:clrMapOvr>
-  <p:timing>
-    <p:tnLst>
-      <p:par>
-        <p:cTn id="1" dur="indefinite" restart="never" nodeType="tmRoot"/>
-      </p:par>
-    </p:tnLst>
-  </p:timing>
 </p:sld>
 </file>
 
@@ -9799,7 +9993,14 @@
         <p:cNvGrpSpPr/>
         <p:nvPr/>
       </p:nvGrpSpPr>
-      <p:grpSpPr/>
+      <p:grpSpPr>
+        <a:xfrm>
+          <a:off x="0" y="0"/>
+          <a:ext cx="0" cy="0"/>
+          <a:chOff x="0" y="0"/>
+          <a:chExt cx="0" cy="0"/>
+        </a:xfrm>
+      </p:grpSpPr>
       <p:sp>
         <p:nvSpPr>
           <p:cNvPr id="2" name="内容占位符 1"/>
@@ -9813,6 +10014,7 @@
         <p:spPr/>
         <p:txBody>
           <a:bodyPr/>
+          <a:lstStyle/>
           <a:p>
             <a:r>
               <a:rPr lang="en-US" altLang="zh-CN" sz="2800" dirty="0">
@@ -9835,12 +10037,6 @@
               </a:rPr>
               <a:t>布尔类型</a:t>
             </a:r>
-            <a:endParaRPr lang="zh-CN" altLang="en-US" sz="2800" dirty="0">
-              <a:solidFill>
-                <a:srgbClr val="FF0000"/>
-              </a:solidFill>
-              <a:sym typeface="+mn-ea"/>
-            </a:endParaRPr>
           </a:p>
           <a:p>
             <a:pPr lvl="1"/>
@@ -9852,7 +10048,7 @@
               <a:t> 对于&amp;&amp;来说， 除了</a:t>
             </a:r>
             <a:r>
-              <a:rPr lang="zh-CN" altLang="en-US" dirty="0" smtClean="0">
+              <a:rPr lang="zh-CN" altLang="en-US" dirty="0">
                 <a:solidFill>
                   <a:schemeClr val="tx1"/>
                 </a:solidFill>
@@ -9867,10 +10063,6 @@
               </a:rPr>
               <a:t>其他情况都为假</a:t>
             </a:r>
-            <a:endParaRPr lang="en-US" altLang="zh-CN" dirty="0">
-              <a:cs typeface="+mn-ea"/>
-              <a:sym typeface="+mn-ea"/>
-            </a:endParaRPr>
           </a:p>
           <a:p>
             <a:pPr lvl="1"/>
@@ -9882,7 +10074,7 @@
               <a:t> 对于 | | 来说， 除了</a:t>
             </a:r>
             <a:r>
-              <a:rPr lang="zh-CN" altLang="en-US" dirty="0" smtClean="0">
+              <a:rPr lang="zh-CN" altLang="en-US" dirty="0">
                 <a:solidFill>
                   <a:schemeClr val="tx1"/>
                 </a:solidFill>
@@ -9892,7 +10084,7 @@
               <a:t>两侧都为假时为假</a:t>
             </a:r>
             <a:r>
-              <a:rPr lang="zh-CN" altLang="en-US" dirty="0" smtClean="0">
+              <a:rPr lang="zh-CN" altLang="en-US" dirty="0">
                 <a:solidFill>
                   <a:schemeClr val="tx1"/>
                 </a:solidFill>
@@ -9932,6 +10124,7 @@
         <p:spPr/>
         <p:txBody>
           <a:bodyPr/>
+          <a:lstStyle/>
           <a:p>
             <a:r>
               <a:rPr lang="zh-CN" dirty="0">
@@ -9952,7 +10145,7 @@
           <p:nvPr/>
         </p:nvPicPr>
         <p:blipFill>
-          <a:blip r:embed="rId1"/>
+          <a:blip r:embed="rId3"/>
           <a:srcRect l="7331"/>
           <a:stretch>
             <a:fillRect/>
@@ -9985,7 +10178,7 @@
           <p:nvPr/>
         </p:nvPicPr>
         <p:blipFill>
-          <a:blip r:embed="rId2"/>
+          <a:blip r:embed="rId4"/>
           <a:srcRect l="7475"/>
           <a:stretch>
             <a:fillRect/>
@@ -10034,6 +10227,7 @@
         </p:spPr>
         <p:txBody>
           <a:bodyPr vert="horz" wrap="square" lIns="91440" tIns="45720" rIns="91440" bIns="45720" numCol="1" anchor="t" anchorCtr="0" compatLnSpc="1"/>
+          <a:lstStyle/>
           <a:p>
             <a:pPr marL="0" marR="0" indent="0" algn="l" defTabSz="914400" rtl="0" eaLnBrk="0" fontAlgn="base" latinLnBrk="0" hangingPunct="0">
               <a:lnSpc>
@@ -10051,7 +10245,7 @@
               <a:buNone/>
             </a:pPr>
             <a:r>
-              <a:rPr kumimoji="0" lang="en-US" altLang="zh-CN" sz="2400" b="0" i="0" u="none" strike="noStrike" cap="none" normalizeH="0" baseline="0" smtClean="0">
+              <a:rPr kumimoji="0" lang="en-US" altLang="zh-CN" sz="2400" b="0" i="0" u="none" strike="noStrike" cap="none" normalizeH="0" baseline="0">
                 <a:ln>
                   <a:noFill/>
                 </a:ln>
@@ -10063,16 +10257,6 @@
               </a:rPr>
               <a:t>3.html</a:t>
             </a:r>
-            <a:endParaRPr kumimoji="0" lang="en-US" altLang="zh-CN" sz="2400" b="0" i="0" u="none" strike="noStrike" cap="none" normalizeH="0" baseline="0" smtClean="0">
-              <a:ln>
-                <a:noFill/>
-              </a:ln>
-              <a:solidFill>
-                <a:schemeClr val="tx1"/>
-              </a:solidFill>
-              <a:effectLst/>
-              <a:latin typeface="Arial" panose="020B0604020202020204" pitchFamily="34" charset="0"/>
-            </a:endParaRPr>
           </a:p>
         </p:txBody>
       </p:sp>
@@ -10355,10 +10539,6 @@
               </a:rPr>
               <a:t>标识符</a:t>
             </a:r>
-            <a:endParaRPr lang="zh-CN" altLang="en-US" sz="2800" b="1" dirty="0">
-              <a:latin typeface="微软雅黑" panose="020B0503020204020204" pitchFamily="34" charset="-122"/>
-              <a:ea typeface="微软雅黑" panose="020B0503020204020204" pitchFamily="34" charset="-122"/>
-            </a:endParaRPr>
           </a:p>
           <a:p>
             <a:pPr marL="457200" indent="-457200" algn="l" eaLnBrk="0" hangingPunct="0">
@@ -10387,15 +10567,7 @@
                 <a:ea typeface="微软雅黑" panose="020B0503020204020204" pitchFamily="34" charset="-122"/>
                 <a:sym typeface="+mn-ea"/>
               </a:rPr>
-              <a:t>与</a:t>
-            </a:r>
-            <a:r>
-              <a:rPr lang="zh-CN" sz="2800" b="1" dirty="0">
-                <a:latin typeface="微软雅黑" panose="020B0503020204020204" pitchFamily="34" charset="-122"/>
-                <a:ea typeface="微软雅黑" panose="020B0503020204020204" pitchFamily="34" charset="-122"/>
-                <a:sym typeface="+mn-ea"/>
-              </a:rPr>
-              <a:t>运算符</a:t>
+              <a:t>与运算符</a:t>
             </a:r>
             <a:endParaRPr lang="zh-CN" sz="2800" b="1" dirty="0">
               <a:latin typeface="微软雅黑" panose="020B0503020204020204" pitchFamily="34" charset="-122"/>
@@ -10423,10 +10595,6 @@
               </a:rPr>
               <a:t>语句</a:t>
             </a:r>
-            <a:endParaRPr lang="zh-CN" altLang="en-US" sz="2800" b="1" dirty="0">
-              <a:latin typeface="微软雅黑" panose="020B0503020204020204" pitchFamily="34" charset="-122"/>
-              <a:ea typeface="微软雅黑" panose="020B0503020204020204" pitchFamily="34" charset="-122"/>
-            </a:endParaRPr>
           </a:p>
         </p:txBody>
       </p:sp>
@@ -10599,12 +10767,6 @@
               </a:rPr>
               <a:t>内容提纲</a:t>
             </a:r>
-            <a:endParaRPr lang="zh-CN" altLang="en-US">
-              <a:solidFill>
-                <a:srgbClr val="C00000"/>
-              </a:solidFill>
-              <a:latin typeface="微软雅黑" panose="020B0503020204020204" pitchFamily="34" charset="-122"/>
-            </a:endParaRPr>
           </a:p>
         </p:txBody>
       </p:sp>
@@ -10625,7 +10787,14 @@
         <p:cNvGrpSpPr/>
         <p:nvPr/>
       </p:nvGrpSpPr>
-      <p:grpSpPr/>
+      <p:grpSpPr>
+        <a:xfrm>
+          <a:off x="0" y="0"/>
+          <a:ext cx="0" cy="0"/>
+          <a:chOff x="0" y="0"/>
+          <a:chExt cx="0" cy="0"/>
+        </a:xfrm>
+      </p:grpSpPr>
       <p:sp>
         <p:nvSpPr>
           <p:cNvPr id="2" name="内容占位符 1"/>
@@ -10644,6 +10813,7 @@
         </p:spPr>
         <p:txBody>
           <a:bodyPr/>
+          <a:lstStyle/>
           <a:p>
             <a:r>
               <a:rPr lang="en-US" altLang="zh-CN" sz="2800" dirty="0">
@@ -10672,9 +10842,6 @@
               </a:rPr>
               <a:t>布尔类型时</a:t>
             </a:r>
-            <a:endParaRPr lang="zh-CN" altLang="en-US" sz="2800" dirty="0">
-              <a:sym typeface="+mn-ea"/>
-            </a:endParaRPr>
           </a:p>
           <a:p>
             <a:endParaRPr lang="zh-CN" altLang="en-US" sz="2800" dirty="0">
@@ -10698,7 +10865,7 @@
               </a:spcBef>
             </a:pPr>
             <a:r>
-              <a:rPr lang="zh-CN" altLang="en-US" dirty="0" smtClean="0">
+              <a:rPr lang="zh-CN" altLang="en-US" dirty="0">
                 <a:solidFill>
                   <a:schemeClr val="tx1"/>
                 </a:solidFill>
@@ -10717,7 +10884,7 @@
               <a:t>首先将</a:t>
             </a:r>
             <a:r>
-              <a:rPr lang="zh-CN" altLang="en-US" dirty="0" smtClean="0">
+              <a:rPr lang="zh-CN" altLang="en-US" dirty="0">
                 <a:solidFill>
                   <a:schemeClr val="tx1"/>
                 </a:solidFill>
@@ -10736,18 +10903,11 @@
               </a:rPr>
               <a:t>转换成布尔类型</a:t>
             </a:r>
-            <a:endParaRPr lang="en-US" altLang="zh-CN" dirty="0">
-              <a:solidFill>
-                <a:schemeClr val="tx1"/>
-              </a:solidFill>
-              <a:cs typeface="+mn-ea"/>
-              <a:sym typeface="+mn-ea"/>
-            </a:endParaRPr>
           </a:p>
           <a:p>
             <a:pPr lvl="1"/>
             <a:r>
-              <a:rPr lang="zh-CN" altLang="en-US" dirty="0" smtClean="0">
+              <a:rPr lang="zh-CN" altLang="en-US" dirty="0">
                 <a:solidFill>
                   <a:schemeClr val="tx1"/>
                 </a:solidFill>
@@ -10766,7 +10926,7 @@
               <a:t>对</a:t>
             </a:r>
             <a:r>
-              <a:rPr lang="zh-CN" altLang="en-US" dirty="0" smtClean="0">
+              <a:rPr lang="zh-CN" altLang="en-US" dirty="0">
                 <a:solidFill>
                   <a:schemeClr val="tx1"/>
                 </a:solidFill>
@@ -10785,18 +10945,11 @@
               </a:rPr>
               <a:t>进行逻辑判断（true or false）</a:t>
             </a:r>
-            <a:endParaRPr lang="en-US" altLang="zh-CN" dirty="0">
-              <a:solidFill>
-                <a:schemeClr val="tx1"/>
-              </a:solidFill>
-              <a:cs typeface="+mn-ea"/>
-              <a:sym typeface="+mn-ea"/>
-            </a:endParaRPr>
           </a:p>
           <a:p>
             <a:pPr lvl="1"/>
             <a:r>
-              <a:rPr lang="zh-CN" altLang="en-US" dirty="0" smtClean="0">
+              <a:rPr lang="zh-CN" altLang="en-US" dirty="0">
                 <a:solidFill>
                   <a:schemeClr val="tx1"/>
                 </a:solidFill>
@@ -10815,7 +10968,7 @@
               <a:t>根据</a:t>
             </a:r>
             <a:r>
-              <a:rPr lang="zh-CN" altLang="en-US" dirty="0" smtClean="0">
+              <a:rPr lang="zh-CN" altLang="en-US" dirty="0">
                 <a:solidFill>
                   <a:srgbClr val="C00000"/>
                 </a:solidFill>
@@ -10835,7 +10988,7 @@
               <a:t>返回</a:t>
             </a:r>
             <a:r>
-              <a:rPr lang="zh-CN" altLang="en-US" dirty="0" smtClean="0">
+              <a:rPr lang="zh-CN" altLang="en-US" dirty="0">
                 <a:solidFill>
                   <a:schemeClr val="tx1"/>
                 </a:solidFill>
@@ -10855,7 +11008,7 @@
               <a:t>或</a:t>
             </a:r>
             <a:r>
-              <a:rPr lang="zh-CN" altLang="en-US" dirty="0" smtClean="0">
+              <a:rPr lang="zh-CN" altLang="en-US" dirty="0">
                 <a:solidFill>
                   <a:schemeClr val="tx1"/>
                 </a:solidFill>
@@ -10892,6 +11045,7 @@
         <p:spPr/>
         <p:txBody>
           <a:bodyPr/>
+          <a:lstStyle/>
           <a:p>
             <a:r>
               <a:rPr lang="zh-CN" dirty="0">
@@ -10912,7 +11066,7 @@
           <p:nvPr/>
         </p:nvPicPr>
         <p:blipFill>
-          <a:blip r:embed="rId1"/>
+          <a:blip r:embed="rId3"/>
           <a:stretch>
             <a:fillRect/>
           </a:stretch>
@@ -11165,7 +11319,14 @@
         <p:cNvGrpSpPr/>
         <p:nvPr/>
       </p:nvGrpSpPr>
-      <p:grpSpPr/>
+      <p:grpSpPr>
+        <a:xfrm>
+          <a:off x="0" y="0"/>
+          <a:ext cx="0" cy="0"/>
+          <a:chOff x="0" y="0"/>
+          <a:chExt cx="0" cy="0"/>
+        </a:xfrm>
+      </p:grpSpPr>
       <p:sp>
         <p:nvSpPr>
           <p:cNvPr id="2" name="内容占位符 1"/>
@@ -11184,6 +11345,7 @@
         </p:spPr>
         <p:txBody>
           <a:bodyPr/>
+          <a:lstStyle/>
           <a:p>
             <a:r>
               <a:rPr lang="en-US" altLang="zh-CN" sz="2800" dirty="0">
@@ -11225,7 +11387,7 @@
               <a:t>对于 &amp;&amp;，转换后的左操作数若为 true，则直接返回</a:t>
             </a:r>
             <a:r>
-              <a:rPr lang="zh-CN" altLang="en-US" dirty="0" smtClean="0">
+              <a:rPr lang="zh-CN" altLang="en-US" dirty="0">
                 <a:solidFill>
                   <a:schemeClr val="tx1"/>
                 </a:solidFill>
@@ -11236,7 +11398,7 @@
               <a:t>原始右操作数</a:t>
             </a:r>
             <a:r>
-              <a:rPr lang="zh-CN" altLang="en-US" dirty="0" smtClean="0">
+              <a:rPr lang="zh-CN" altLang="en-US" dirty="0">
                 <a:solidFill>
                   <a:schemeClr val="tx1"/>
                 </a:solidFill>
@@ -11257,7 +11419,7 @@
               <a:t>若为 false 则直接返回</a:t>
             </a:r>
             <a:r>
-              <a:rPr lang="zh-CN" altLang="en-US" dirty="0" smtClean="0">
+              <a:rPr lang="zh-CN" altLang="en-US" dirty="0">
                 <a:solidFill>
                   <a:schemeClr val="tx1"/>
                 </a:solidFill>
@@ -11267,19 +11429,11 @@
               </a:rPr>
               <a:t>原始左操作数</a:t>
             </a:r>
-            <a:endParaRPr lang="zh-CN" altLang="en-US" dirty="0" smtClean="0">
-              <a:solidFill>
-                <a:schemeClr val="tx1"/>
-              </a:solidFill>
-              <a:latin typeface="微软雅黑" panose="020B0503020204020204" pitchFamily="34" charset="-122"/>
-              <a:cs typeface="+mn-ea"/>
-              <a:sym typeface="+mn-ea"/>
-            </a:endParaRPr>
           </a:p>
           <a:p>
             <a:pPr lvl="1"/>
             <a:r>
-              <a:rPr lang="zh-CN" altLang="en-US" dirty="0" smtClean="0">
+              <a:rPr lang="zh-CN" altLang="en-US" dirty="0">
                 <a:solidFill>
                   <a:schemeClr val="tx1"/>
                 </a:solidFill>
@@ -11301,7 +11455,7 @@
               <a:t>对于 | |，转换后的左操作数若为 true，则直接返回</a:t>
             </a:r>
             <a:r>
-              <a:rPr lang="zh-CN" altLang="en-US" dirty="0" smtClean="0">
+              <a:rPr lang="zh-CN" altLang="en-US" dirty="0">
                 <a:solidFill>
                   <a:schemeClr val="tx1"/>
                 </a:solidFill>
@@ -11323,7 +11477,7 @@
               <a:t>若为 false 则直接返回</a:t>
             </a:r>
             <a:r>
-              <a:rPr lang="zh-CN" altLang="en-US" dirty="0" smtClean="0">
+              <a:rPr lang="zh-CN" altLang="en-US" dirty="0">
                 <a:solidFill>
                   <a:schemeClr val="tx1"/>
                 </a:solidFill>
@@ -11333,14 +11487,6 @@
               </a:rPr>
               <a:t>原始右操作数</a:t>
             </a:r>
-            <a:endParaRPr lang="zh-CN" altLang="en-US" dirty="0" smtClean="0">
-              <a:solidFill>
-                <a:schemeClr val="tx1"/>
-              </a:solidFill>
-              <a:latin typeface="微软雅黑" panose="020B0503020204020204" pitchFamily="34" charset="-122"/>
-              <a:cs typeface="+mn-ea"/>
-              <a:sym typeface="+mn-ea"/>
-            </a:endParaRPr>
           </a:p>
           <a:p>
             <a:endParaRPr lang="en-US" altLang="zh-CN"/>
@@ -11360,6 +11506,7 @@
         <p:spPr/>
         <p:txBody>
           <a:bodyPr/>
+          <a:lstStyle/>
           <a:p>
             <a:r>
               <a:rPr lang="zh-CN" dirty="0">
@@ -11380,7 +11527,7 @@
           <p:nvPr/>
         </p:nvPicPr>
         <p:blipFill>
-          <a:blip r:embed="rId1"/>
+          <a:blip r:embed="rId3"/>
           <a:stretch>
             <a:fillRect/>
           </a:stretch>
@@ -11533,7 +11680,14 @@
         <p:cNvGrpSpPr/>
         <p:nvPr/>
       </p:nvGrpSpPr>
-      <p:grpSpPr/>
+      <p:grpSpPr>
+        <a:xfrm>
+          <a:off x="0" y="0"/>
+          <a:ext cx="0" cy="0"/>
+          <a:chOff x="0" y="0"/>
+          <a:chExt cx="0" cy="0"/>
+        </a:xfrm>
+      </p:grpSpPr>
       <p:sp>
         <p:nvSpPr>
           <p:cNvPr id="2" name="内容占位符 1"/>
@@ -11555,6 +11709,7 @@
         </p:spPr>
         <p:txBody>
           <a:bodyPr/>
+          <a:lstStyle/>
           <a:p>
             <a:r>
               <a:rPr lang="en-US" altLang="zh-CN" sz="2800" dirty="0">
@@ -11583,9 +11738,6 @@
               </a:rPr>
               <a:t>布尔类型时</a:t>
             </a:r>
-            <a:endParaRPr lang="zh-CN" altLang="en-US" dirty="0">
-              <a:sym typeface="+mn-ea"/>
-            </a:endParaRPr>
           </a:p>
           <a:p>
             <a:pPr lvl="1"/>
@@ -11614,6 +11766,7 @@
         <p:spPr/>
         <p:txBody>
           <a:bodyPr/>
+          <a:lstStyle/>
           <a:p>
             <a:r>
               <a:rPr lang="zh-CN" dirty="0">
@@ -11634,7 +11787,7 @@
           <p:nvPr/>
         </p:nvPicPr>
         <p:blipFill>
-          <a:blip r:embed="rId1"/>
+          <a:blip r:embed="rId3"/>
           <a:srcRect l="4650"/>
           <a:stretch>
             <a:fillRect/>
@@ -11659,7 +11812,7 @@
           <p:nvPr/>
         </p:nvPicPr>
         <p:blipFill>
-          <a:blip r:embed="rId2"/>
+          <a:blip r:embed="rId4"/>
           <a:srcRect l="5480"/>
           <a:stretch>
             <a:fillRect/>
@@ -11700,6 +11853,7 @@
         </p:spPr>
         <p:txBody>
           <a:bodyPr vert="horz" wrap="square" lIns="91440" tIns="45720" rIns="91440" bIns="45720" numCol="1" anchor="t" anchorCtr="0" compatLnSpc="1"/>
+          <a:lstStyle/>
           <a:p>
             <a:pPr marL="0" marR="0" indent="0" algn="l" defTabSz="914400" rtl="0" eaLnBrk="0" fontAlgn="base" latinLnBrk="0" hangingPunct="0">
               <a:lnSpc>
@@ -11717,7 +11871,7 @@
               <a:buNone/>
             </a:pPr>
             <a:r>
-              <a:rPr kumimoji="0" lang="en-US" altLang="zh-CN" sz="2400" b="0" i="0" u="none" strike="noStrike" cap="none" normalizeH="0" baseline="0" smtClean="0">
+              <a:rPr kumimoji="0" lang="en-US" altLang="zh-CN" sz="2400" b="0" i="0" u="none" strike="noStrike" cap="none" normalizeH="0" baseline="0">
                 <a:ln>
                   <a:noFill/>
                 </a:ln>
@@ -11729,16 +11883,6 @@
               </a:rPr>
               <a:t>3.html</a:t>
             </a:r>
-            <a:endParaRPr kumimoji="0" lang="en-US" altLang="zh-CN" sz="2400" b="0" i="0" u="none" strike="noStrike" cap="none" normalizeH="0" baseline="0" smtClean="0">
-              <a:ln>
-                <a:noFill/>
-              </a:ln>
-              <a:solidFill>
-                <a:schemeClr val="tx1"/>
-              </a:solidFill>
-              <a:effectLst/>
-              <a:latin typeface="Arial" panose="020B0604020202020204" pitchFamily="34" charset="0"/>
-            </a:endParaRPr>
           </a:p>
         </p:txBody>
       </p:sp>
@@ -11953,7 +12097,14 @@
         <p:cNvGrpSpPr/>
         <p:nvPr/>
       </p:nvGrpSpPr>
-      <p:grpSpPr/>
+      <p:grpSpPr>
+        <a:xfrm>
+          <a:off x="0" y="0"/>
+          <a:ext cx="0" cy="0"/>
+          <a:chOff x="0" y="0"/>
+          <a:chExt cx="0" cy="0"/>
+        </a:xfrm>
+      </p:grpSpPr>
       <p:sp>
         <p:nvSpPr>
           <p:cNvPr id="2" name="内容占位符 1"/>
@@ -11975,6 +12126,7 @@
         </p:spPr>
         <p:txBody>
           <a:bodyPr/>
+          <a:lstStyle/>
           <a:p>
             <a:r>
               <a:rPr lang="en-US" altLang="zh-CN" sz="2800" dirty="0">
@@ -11986,42 +12138,27 @@
               <a:rPr lang="zh-CN" altLang="en-US" dirty="0">
                 <a:sym typeface="+mn-ea"/>
               </a:rPr>
-              <a:t>遵循短路特性，</a:t>
-            </a:r>
+              <a:t>遵循短路特性，使用 || 来设置函数参数的默认值</a:t>
+            </a:r>
+          </a:p>
+          <a:p>
+            <a:pPr lvl="1"/>
             <a:r>
               <a:rPr lang="zh-CN" altLang="en-US" dirty="0">
+                <a:solidFill>
+                  <a:schemeClr val="tx1"/>
+                </a:solidFill>
                 <a:sym typeface="+mn-ea"/>
               </a:rPr>
-              <a:t>使用 || 来设置函数参数的默认值</a:t>
-            </a:r>
-            <a:endParaRPr lang="zh-CN" altLang="en-US" dirty="0">
-              <a:sym typeface="+mn-ea"/>
-            </a:endParaRPr>
-          </a:p>
-          <a:p>
-            <a:pPr lvl="1"/>
-            <a:r>
-              <a:rPr lang="zh-CN" altLang="en-US" dirty="0" smtClean="0">
-                <a:solidFill>
-                  <a:schemeClr val="tx1"/>
-                </a:solidFill>
-                <a:sym typeface="+mn-ea"/>
-              </a:rPr>
               <a:t> 函数定义时可以给参数指定默认值，调用时若未传参数则该参数的值取它定义时的默认值</a:t>
             </a:r>
-            <a:endParaRPr lang="zh-CN" altLang="en-US" dirty="0" smtClean="0">
-              <a:solidFill>
-                <a:schemeClr val="tx1"/>
-              </a:solidFill>
-              <a:sym typeface="+mn-ea"/>
-            </a:endParaRPr>
           </a:p>
           <a:p>
             <a:pPr marL="168275" lvl="1" indent="0">
               <a:buNone/>
             </a:pPr>
             <a:br>
-              <a:rPr lang="zh-CN" altLang="en-US" dirty="0" smtClean="0">
+              <a:rPr lang="zh-CN" altLang="en-US" dirty="0">
                 <a:solidFill>
                   <a:schemeClr val="tx1"/>
                 </a:solidFill>
@@ -12033,7 +12170,7 @@
                 <a:sym typeface="+mn-ea"/>
               </a:rPr>
             </a:br>
-            <a:endParaRPr kumimoji="0" lang="zh-CN" altLang="en-US" dirty="0" smtClean="0">
+            <a:endParaRPr kumimoji="0" lang="zh-CN" altLang="en-US" dirty="0">
               <a:solidFill>
                 <a:schemeClr val="tx1"/>
               </a:solidFill>
@@ -12061,12 +12198,12 @@
         <p:spPr/>
         <p:txBody>
           <a:bodyPr/>
+          <a:lstStyle/>
           <a:p>
             <a:r>
               <a:rPr lang="zh-CN" altLang="en-US"/>
               <a:t>短路原则应用</a:t>
             </a:r>
-            <a:endParaRPr lang="zh-CN" altLang="en-US"/>
           </a:p>
         </p:txBody>
       </p:sp>
@@ -12079,7 +12216,7 @@
           <p:nvPr/>
         </p:nvPicPr>
         <p:blipFill>
-          <a:blip r:embed="rId1"/>
+          <a:blip r:embed="rId3"/>
           <a:stretch>
             <a:fillRect/>
           </a:stretch>
@@ -12111,7 +12248,7 @@
           <p:nvPr/>
         </p:nvPicPr>
         <p:blipFill>
-          <a:blip r:embed="rId2"/>
+          <a:blip r:embed="rId4"/>
           <a:stretch>
             <a:fillRect/>
           </a:stretch>
@@ -12151,6 +12288,7 @@
         </p:spPr>
         <p:txBody>
           <a:bodyPr vert="horz" wrap="square" lIns="91440" tIns="45720" rIns="91440" bIns="45720" numCol="1" anchor="t" anchorCtr="0" compatLnSpc="1"/>
+          <a:lstStyle/>
           <a:p>
             <a:pPr marL="0" marR="0" indent="0" algn="l" defTabSz="914400" rtl="0" eaLnBrk="0" fontAlgn="base" latinLnBrk="0" hangingPunct="0">
               <a:lnSpc>
@@ -12168,7 +12306,7 @@
               <a:buNone/>
             </a:pPr>
             <a:r>
-              <a:rPr kumimoji="0" lang="en-US" altLang="zh-CN" sz="2400" b="0" i="0" u="none" strike="noStrike" cap="none" normalizeH="0" baseline="0" smtClean="0">
+              <a:rPr kumimoji="0" lang="en-US" altLang="zh-CN" sz="2400" b="0" i="0" u="none" strike="noStrike" cap="none" normalizeH="0" baseline="0">
                 <a:ln>
                   <a:noFill/>
                 </a:ln>
@@ -12180,16 +12318,6 @@
               </a:rPr>
               <a:t>4.html</a:t>
             </a:r>
-            <a:endParaRPr kumimoji="0" lang="en-US" altLang="zh-CN" sz="2400" b="0" i="0" u="none" strike="noStrike" cap="none" normalizeH="0" baseline="0" smtClean="0">
-              <a:ln>
-                <a:noFill/>
-              </a:ln>
-              <a:solidFill>
-                <a:schemeClr val="tx1"/>
-              </a:solidFill>
-              <a:effectLst/>
-              <a:latin typeface="Arial" panose="020B0604020202020204" pitchFamily="34" charset="0"/>
-            </a:endParaRPr>
           </a:p>
         </p:txBody>
       </p:sp>
@@ -12293,7 +12421,14 @@
         <p:cNvGrpSpPr/>
         <p:nvPr/>
       </p:nvGrpSpPr>
-      <p:grpSpPr/>
+      <p:grpSpPr>
+        <a:xfrm>
+          <a:off x="0" y="0"/>
+          <a:ext cx="0" cy="0"/>
+          <a:chOff x="0" y="0"/>
+          <a:chExt cx="0" cy="0"/>
+        </a:xfrm>
+      </p:grpSpPr>
       <p:sp>
         <p:nvSpPr>
           <p:cNvPr id="2" name="内容占位符 1"/>
@@ -12315,6 +12450,7 @@
         </p:spPr>
         <p:txBody>
           <a:bodyPr/>
+          <a:lstStyle/>
           <a:p>
             <a:r>
               <a:rPr lang="en-US" altLang="zh-CN" sz="2800" dirty="0">
@@ -12333,7 +12469,7 @@
                 <a:sym typeface="+mn-ea"/>
               </a:rPr>
             </a:br>
-            <a:endParaRPr kumimoji="0" lang="zh-CN" altLang="en-US" dirty="0" smtClean="0">
+            <a:endParaRPr kumimoji="0" lang="zh-CN" altLang="en-US" dirty="0">
               <a:solidFill>
                 <a:schemeClr val="tx1"/>
               </a:solidFill>
@@ -12361,12 +12497,12 @@
         <p:spPr/>
         <p:txBody>
           <a:bodyPr/>
+          <a:lstStyle/>
           <a:p>
             <a:r>
               <a:rPr lang="zh-CN" altLang="en-US"/>
               <a:t>短路原则应用</a:t>
             </a:r>
-            <a:endParaRPr lang="zh-CN" altLang="en-US"/>
           </a:p>
         </p:txBody>
       </p:sp>
@@ -12393,7 +12529,7 @@
             <p:nvPr/>
           </p:nvPicPr>
           <p:blipFill>
-            <a:blip r:embed="rId1"/>
+            <a:blip r:embed="rId3"/>
             <a:srcRect r="-11891"/>
             <a:stretch>
               <a:fillRect/>
@@ -12426,7 +12562,7 @@
             <p:nvPr/>
           </p:nvPicPr>
           <p:blipFill>
-            <a:blip r:embed="rId2"/>
+            <a:blip r:embed="rId4"/>
             <a:stretch>
               <a:fillRect/>
             </a:stretch>
@@ -12459,7 +12595,7 @@
           <p:nvPr/>
         </p:nvPicPr>
         <p:blipFill>
-          <a:blip r:embed="rId3"/>
+          <a:blip r:embed="rId5"/>
           <a:stretch>
             <a:fillRect/>
           </a:stretch>
@@ -12507,6 +12643,7 @@
         </p:spPr>
         <p:txBody>
           <a:bodyPr vert="horz" wrap="square" lIns="91440" tIns="45720" rIns="91440" bIns="45720" numCol="1" anchor="t" anchorCtr="0" compatLnSpc="1"/>
+          <a:lstStyle/>
           <a:p>
             <a:pPr marL="0" marR="0" indent="0" algn="l" defTabSz="914400" rtl="0" eaLnBrk="0" fontAlgn="base" latinLnBrk="0" hangingPunct="0">
               <a:lnSpc>
@@ -12524,7 +12661,7 @@
               <a:buNone/>
             </a:pPr>
             <a:r>
-              <a:rPr kumimoji="0" lang="en-US" altLang="zh-CN" sz="2400" b="0" i="0" u="none" strike="noStrike" cap="none" normalizeH="0" baseline="0" smtClean="0">
+              <a:rPr kumimoji="0" lang="en-US" altLang="zh-CN" sz="2400" b="0" i="0" u="none" strike="noStrike" cap="none" normalizeH="0" baseline="0">
                 <a:ln>
                   <a:noFill/>
                 </a:ln>
@@ -12536,16 +12673,6 @@
               </a:rPr>
               <a:t>4.html</a:t>
             </a:r>
-            <a:endParaRPr kumimoji="0" lang="en-US" altLang="zh-CN" sz="2400" b="0" i="0" u="none" strike="noStrike" cap="none" normalizeH="0" baseline="0" smtClean="0">
-              <a:ln>
-                <a:noFill/>
-              </a:ln>
-              <a:solidFill>
-                <a:schemeClr val="tx1"/>
-              </a:solidFill>
-              <a:effectLst/>
-              <a:latin typeface="Arial" panose="020B0604020202020204" pitchFamily="34" charset="0"/>
-            </a:endParaRPr>
           </a:p>
         </p:txBody>
       </p:sp>
@@ -12554,13 +12681,6 @@
   <p:clrMapOvr>
     <a:masterClrMapping/>
   </p:clrMapOvr>
-  <p:timing>
-    <p:tnLst>
-      <p:par>
-        <p:cTn id="1" dur="indefinite" restart="never" nodeType="tmRoot"/>
-      </p:par>
-    </p:tnLst>
-  </p:timing>
 </p:sld>
 </file>
 
@@ -12573,7 +12693,14 @@
         <p:cNvGrpSpPr/>
         <p:nvPr/>
       </p:nvGrpSpPr>
-      <p:grpSpPr/>
+      <p:grpSpPr>
+        <a:xfrm>
+          <a:off x="0" y="0"/>
+          <a:ext cx="0" cy="0"/>
+          <a:chOff x="0" y="0"/>
+          <a:chExt cx="0" cy="0"/>
+        </a:xfrm>
+      </p:grpSpPr>
       <p:sp>
         <p:nvSpPr>
           <p:cNvPr id="2" name="内容占位符 1"/>
@@ -12595,6 +12722,7 @@
         </p:spPr>
         <p:txBody>
           <a:bodyPr/>
+          <a:lstStyle/>
           <a:p>
             <a:r>
               <a:rPr lang="en-US" altLang="zh-CN" sz="2800" dirty="0">
@@ -12613,7 +12741,7 @@
                 <a:sym typeface="+mn-ea"/>
               </a:rPr>
             </a:br>
-            <a:endParaRPr kumimoji="0" lang="zh-CN" altLang="en-US" dirty="0" smtClean="0">
+            <a:endParaRPr kumimoji="0" lang="zh-CN" altLang="en-US" dirty="0">
               <a:solidFill>
                 <a:schemeClr val="tx1"/>
               </a:solidFill>
@@ -12641,12 +12769,12 @@
         <p:spPr/>
         <p:txBody>
           <a:bodyPr/>
+          <a:lstStyle/>
           <a:p>
             <a:r>
               <a:rPr lang="zh-CN" altLang="en-US"/>
               <a:t>短路原则应用</a:t>
             </a:r>
-            <a:endParaRPr lang="zh-CN" altLang="en-US"/>
           </a:p>
         </p:txBody>
       </p:sp>
@@ -12659,7 +12787,7 @@
           <p:nvPr/>
         </p:nvPicPr>
         <p:blipFill>
-          <a:blip r:embed="rId1"/>
+          <a:blip r:embed="rId3"/>
           <a:stretch>
             <a:fillRect/>
           </a:stretch>
@@ -12683,7 +12811,7 @@
           <p:nvPr/>
         </p:nvPicPr>
         <p:blipFill>
-          <a:blip r:embed="rId2"/>
+          <a:blip r:embed="rId4"/>
           <a:stretch>
             <a:fillRect/>
           </a:stretch>
@@ -12715,7 +12843,7 @@
           <p:nvPr/>
         </p:nvPicPr>
         <p:blipFill>
-          <a:blip r:embed="rId3"/>
+          <a:blip r:embed="rId5"/>
           <a:stretch>
             <a:fillRect/>
           </a:stretch>
@@ -12771,6 +12899,7 @@
         </p:spPr>
         <p:txBody>
           <a:bodyPr vert="horz" wrap="square" lIns="91440" tIns="45720" rIns="91440" bIns="45720" numCol="1" anchor="t" anchorCtr="0" compatLnSpc="1"/>
+          <a:lstStyle/>
           <a:p>
             <a:pPr marL="0" marR="0" indent="0" algn="l" defTabSz="914400" rtl="0" eaLnBrk="0" fontAlgn="base" latinLnBrk="0" hangingPunct="0">
               <a:lnSpc>
@@ -12787,7 +12916,7 @@
               <a:buFontTx/>
               <a:buNone/>
             </a:pPr>
-            <a:endParaRPr kumimoji="0" lang="zh-CN" altLang="en-US" sz="3200" b="0" i="0" u="none" strike="noStrike" cap="none" normalizeH="0" baseline="0" smtClean="0">
+            <a:endParaRPr kumimoji="0" lang="zh-CN" altLang="en-US" sz="3200" b="0" i="0" u="none" strike="noStrike" cap="none" normalizeH="0" baseline="0">
               <a:ln>
                 <a:noFill/>
               </a:ln>
@@ -12820,6 +12949,7 @@
           <a:bodyPr wrap="square" rtlCol="0" anchor="t">
             <a:spAutoFit/>
           </a:bodyPr>
+          <a:lstStyle/>
           <a:p>
             <a:pPr fontAlgn="auto">
               <a:lnSpc>
@@ -12842,11 +12972,6 @@
               </a:rPr>
               <a:t>减少了代码的量</a:t>
             </a:r>
-            <a:endParaRPr lang="zh-CN" altLang="en-US" sz="2400">
-              <a:latin typeface="微软雅黑" panose="020B0503020204020204" pitchFamily="34" charset="-122"/>
-              <a:ea typeface="微软雅黑" panose="020B0503020204020204" pitchFamily="34" charset="-122"/>
-              <a:cs typeface="微软雅黑" panose="020B0503020204020204" pitchFamily="34" charset="-122"/>
-            </a:endParaRPr>
           </a:p>
           <a:p>
             <a:r>
@@ -12865,11 +12990,6 @@
               </a:rPr>
               <a:t>增加了程序的执行效率</a:t>
             </a:r>
-            <a:endParaRPr lang="zh-CN" altLang="en-US" sz="2400">
-              <a:latin typeface="微软雅黑" panose="020B0503020204020204" pitchFamily="34" charset="-122"/>
-              <a:ea typeface="微软雅黑" panose="020B0503020204020204" pitchFamily="34" charset="-122"/>
-              <a:cs typeface="微软雅黑" panose="020B0503020204020204" pitchFamily="34" charset="-122"/>
-            </a:endParaRPr>
           </a:p>
         </p:txBody>
       </p:sp>
@@ -12898,6 +13018,7 @@
         </p:spPr>
         <p:txBody>
           <a:bodyPr vert="horz" wrap="square" lIns="91440" tIns="45720" rIns="91440" bIns="45720" numCol="1" anchor="t" anchorCtr="0" compatLnSpc="1"/>
+          <a:lstStyle/>
           <a:p>
             <a:pPr marL="0" marR="0" indent="0" algn="l" defTabSz="914400" rtl="0" eaLnBrk="0" fontAlgn="base" latinLnBrk="0" hangingPunct="0">
               <a:lnSpc>
@@ -12915,7 +13036,7 @@
               <a:buNone/>
             </a:pPr>
             <a:r>
-              <a:rPr kumimoji="0" lang="en-US" altLang="zh-CN" sz="2400" b="0" i="0" u="none" strike="noStrike" cap="none" normalizeH="0" baseline="0" smtClean="0">
+              <a:rPr kumimoji="0" lang="en-US" altLang="zh-CN" sz="2400" b="0" i="0" u="none" strike="noStrike" cap="none" normalizeH="0" baseline="0">
                 <a:ln>
                   <a:noFill/>
                 </a:ln>
@@ -12927,16 +13048,6 @@
               </a:rPr>
               <a:t>4.html</a:t>
             </a:r>
-            <a:endParaRPr kumimoji="0" lang="en-US" altLang="zh-CN" sz="2400" b="0" i="0" u="none" strike="noStrike" cap="none" normalizeH="0" baseline="0" smtClean="0">
-              <a:ln>
-                <a:noFill/>
-              </a:ln>
-              <a:solidFill>
-                <a:schemeClr val="tx1"/>
-              </a:solidFill>
-              <a:effectLst/>
-              <a:latin typeface="Arial" panose="020B0604020202020204" pitchFamily="34" charset="0"/>
-            </a:endParaRPr>
           </a:p>
         </p:txBody>
       </p:sp>
@@ -13141,7 +13252,14 @@
         <p:cNvGrpSpPr/>
         <p:nvPr/>
       </p:nvGrpSpPr>
-      <p:grpSpPr/>
+      <p:grpSpPr>
+        <a:xfrm>
+          <a:off x="0" y="0"/>
+          <a:ext cx="0" cy="0"/>
+          <a:chOff x="0" y="0"/>
+          <a:chExt cx="0" cy="0"/>
+        </a:xfrm>
+      </p:grpSpPr>
       <p:sp>
         <p:nvSpPr>
           <p:cNvPr id="2" name="内容占位符 1"/>
@@ -13160,6 +13278,7 @@
         </p:spPr>
         <p:txBody>
           <a:bodyPr/>
+          <a:lstStyle/>
           <a:p>
             <a:r>
               <a:rPr lang="en-US" altLang="zh-CN" sz="2800" dirty="0">
@@ -13219,7 +13338,7 @@
               <a:t>对于 &amp;&amp;，转换后的左操作数若为 true，则直接返回</a:t>
             </a:r>
             <a:r>
-              <a:rPr lang="zh-CN" altLang="en-US" dirty="0" smtClean="0">
+              <a:rPr lang="zh-CN" altLang="en-US" dirty="0">
                 <a:solidFill>
                   <a:schemeClr val="tx1"/>
                 </a:solidFill>
@@ -13230,7 +13349,7 @@
               <a:t>原始右操作数</a:t>
             </a:r>
             <a:r>
-              <a:rPr lang="zh-CN" altLang="en-US" dirty="0" smtClean="0">
+              <a:rPr lang="zh-CN" altLang="en-US" dirty="0">
                 <a:solidFill>
                   <a:schemeClr val="tx1"/>
                 </a:solidFill>
@@ -13251,7 +13370,7 @@
               <a:t>若为 false 则直接返回</a:t>
             </a:r>
             <a:r>
-              <a:rPr lang="zh-CN" altLang="en-US" dirty="0" smtClean="0">
+              <a:rPr lang="zh-CN" altLang="en-US" dirty="0">
                 <a:solidFill>
                   <a:schemeClr val="tx1"/>
                 </a:solidFill>
@@ -13261,19 +13380,11 @@
               </a:rPr>
               <a:t>原始左操作数</a:t>
             </a:r>
-            <a:endParaRPr lang="zh-CN" altLang="en-US" dirty="0" smtClean="0">
-              <a:solidFill>
-                <a:schemeClr val="tx1"/>
-              </a:solidFill>
-              <a:latin typeface="微软雅黑" panose="020B0503020204020204" pitchFamily="34" charset="-122"/>
-              <a:cs typeface="+mn-ea"/>
-              <a:sym typeface="+mn-ea"/>
-            </a:endParaRPr>
           </a:p>
           <a:p>
             <a:pPr lvl="1"/>
             <a:r>
-              <a:rPr lang="zh-CN" altLang="en-US" dirty="0" smtClean="0">
+              <a:rPr lang="zh-CN" altLang="en-US" dirty="0">
                 <a:solidFill>
                   <a:schemeClr val="tx1"/>
                 </a:solidFill>
@@ -13295,7 +13406,7 @@
               <a:t>对于 | |，转换后的左操作数若为 true，则直接返回</a:t>
             </a:r>
             <a:r>
-              <a:rPr lang="zh-CN" altLang="en-US" dirty="0" smtClean="0">
+              <a:rPr lang="zh-CN" altLang="en-US" dirty="0">
                 <a:solidFill>
                   <a:schemeClr val="tx1"/>
                 </a:solidFill>
@@ -13317,7 +13428,7 @@
               <a:t>若为 false 则直接返回</a:t>
             </a:r>
             <a:r>
-              <a:rPr lang="zh-CN" altLang="en-US" dirty="0" smtClean="0">
+              <a:rPr lang="zh-CN" altLang="en-US" dirty="0">
                 <a:solidFill>
                   <a:schemeClr val="tx1"/>
                 </a:solidFill>
@@ -13327,19 +13438,11 @@
               </a:rPr>
               <a:t>原始右操作数</a:t>
             </a:r>
-            <a:endParaRPr lang="zh-CN" altLang="en-US" dirty="0" smtClean="0">
-              <a:solidFill>
-                <a:schemeClr val="tx1"/>
-              </a:solidFill>
-              <a:latin typeface="微软雅黑" panose="020B0503020204020204" pitchFamily="34" charset="-122"/>
-              <a:cs typeface="+mn-ea"/>
-              <a:sym typeface="+mn-ea"/>
-            </a:endParaRPr>
           </a:p>
           <a:p>
             <a:pPr lvl="0"/>
             <a:r>
-              <a:rPr lang="zh-CN" altLang="en-US" sz="2800" dirty="0" smtClean="0">
+              <a:rPr lang="zh-CN" altLang="en-US" sz="2800" dirty="0">
                 <a:solidFill>
                   <a:schemeClr val="tx1"/>
                 </a:solidFill>
@@ -13355,9 +13458,6 @@
               </a:rPr>
               <a:t>逻辑表达式的应用</a:t>
             </a:r>
-            <a:endParaRPr lang="zh-CN" altLang="en-US" sz="2800" dirty="0">
-              <a:sym typeface="+mn-ea"/>
-            </a:endParaRPr>
           </a:p>
           <a:p>
             <a:pPr lvl="1"/>
@@ -13378,14 +13478,6 @@
               </a:rPr>
               <a:t>参数默认值</a:t>
             </a:r>
-            <a:endParaRPr lang="en-US" altLang="zh-CN" sz="2400" dirty="0">
-              <a:solidFill>
-                <a:schemeClr val="tx1"/>
-              </a:solidFill>
-              <a:latin typeface="微软雅黑" panose="020B0503020204020204" pitchFamily="34" charset="-122"/>
-              <a:cs typeface="+mn-ea"/>
-              <a:sym typeface="+mn-ea"/>
-            </a:endParaRPr>
           </a:p>
           <a:p>
             <a:pPr lvl="1"/>
@@ -13400,14 +13492,6 @@
               </a:rPr>
               <a:t> 简化 if 语句</a:t>
             </a:r>
-            <a:endParaRPr lang="en-US" altLang="zh-CN" sz="2400" dirty="0">
-              <a:solidFill>
-                <a:schemeClr val="tx1"/>
-              </a:solidFill>
-              <a:latin typeface="微软雅黑" panose="020B0503020204020204" pitchFamily="34" charset="-122"/>
-              <a:cs typeface="+mn-ea"/>
-              <a:sym typeface="+mn-ea"/>
-            </a:endParaRPr>
           </a:p>
           <a:p>
             <a:pPr lvl="1"/>
@@ -13449,6 +13533,7 @@
         <p:spPr/>
         <p:txBody>
           <a:bodyPr/>
+          <a:lstStyle/>
           <a:p>
             <a:r>
               <a:rPr lang="zh-CN" altLang="en-US">
@@ -13465,13 +13550,6 @@
   <p:clrMapOvr>
     <a:masterClrMapping/>
   </p:clrMapOvr>
-  <p:timing>
-    <p:tnLst>
-      <p:par>
-        <p:cTn id="1" dur="indefinite" restart="never" nodeType="tmRoot"/>
-      </p:par>
-    </p:tnLst>
-  </p:timing>
 </p:sld>
 </file>
 
@@ -13484,7 +13562,14 @@
         <p:cNvGrpSpPr/>
         <p:nvPr/>
       </p:nvGrpSpPr>
-      <p:grpSpPr/>
+      <p:grpSpPr>
+        <a:xfrm>
+          <a:off x="0" y="0"/>
+          <a:ext cx="0" cy="0"/>
+          <a:chOff x="0" y="0"/>
+          <a:chExt cx="0" cy="0"/>
+        </a:xfrm>
+      </p:grpSpPr>
       <p:sp>
         <p:nvSpPr>
           <p:cNvPr id="2" name="内容占位符 1"/>
@@ -13498,6 +13583,7 @@
         <p:spPr/>
         <p:txBody>
           <a:bodyPr/>
+          <a:lstStyle/>
           <a:p>
             <a:r>
               <a:rPr lang="en-US" altLang="zh-CN"/>
@@ -13644,12 +13730,12 @@
         <p:spPr/>
         <p:txBody>
           <a:bodyPr/>
+          <a:lstStyle/>
           <a:p>
             <a:r>
               <a:rPr lang="zh-CN" altLang="en-US"/>
               <a:t>相等运算符</a:t>
             </a:r>
-            <a:endParaRPr lang="zh-CN" altLang="en-US"/>
           </a:p>
         </p:txBody>
       </p:sp>
@@ -13678,6 +13764,7 @@
         </p:spPr>
         <p:txBody>
           <a:bodyPr vert="horz" wrap="square" lIns="91440" tIns="45720" rIns="91440" bIns="45720" numCol="1" anchor="t" anchorCtr="0" compatLnSpc="1"/>
+          <a:lstStyle/>
           <a:p>
             <a:pPr marL="0" marR="0" indent="0" algn="l" defTabSz="914400" rtl="0" eaLnBrk="0" fontAlgn="base" latinLnBrk="0" hangingPunct="0">
               <a:lnSpc>
@@ -13695,7 +13782,7 @@
               <a:buNone/>
             </a:pPr>
             <a:r>
-              <a:rPr kumimoji="0" lang="en-US" altLang="zh-CN" sz="2400" b="0" i="0" u="none" strike="noStrike" cap="none" normalizeH="0" baseline="0" smtClean="0">
+              <a:rPr kumimoji="0" lang="en-US" altLang="zh-CN" sz="2400" b="0" i="0" u="none" strike="noStrike" cap="none" normalizeH="0" baseline="0">
                 <a:ln>
                   <a:noFill/>
                 </a:ln>
@@ -13707,16 +13794,6 @@
               </a:rPr>
               <a:t>5.html</a:t>
             </a:r>
-            <a:endParaRPr kumimoji="0" lang="en-US" altLang="zh-CN" sz="2400" b="0" i="0" u="none" strike="noStrike" cap="none" normalizeH="0" baseline="0" smtClean="0">
-              <a:ln>
-                <a:noFill/>
-              </a:ln>
-              <a:solidFill>
-                <a:schemeClr val="tx1"/>
-              </a:solidFill>
-              <a:effectLst/>
-              <a:latin typeface="Arial" panose="020B0604020202020204" pitchFamily="34" charset="0"/>
-            </a:endParaRPr>
           </a:p>
         </p:txBody>
       </p:sp>
@@ -13957,7 +14034,14 @@
         <p:cNvGrpSpPr/>
         <p:nvPr/>
       </p:nvGrpSpPr>
-      <p:grpSpPr/>
+      <p:grpSpPr>
+        <a:xfrm>
+          <a:off x="0" y="0"/>
+          <a:ext cx="0" cy="0"/>
+          <a:chOff x="0" y="0"/>
+          <a:chExt cx="0" cy="0"/>
+        </a:xfrm>
+      </p:grpSpPr>
       <p:sp>
         <p:nvSpPr>
           <p:cNvPr id="2" name="内容占位符 1"/>
@@ -13971,6 +14055,7 @@
         <p:spPr/>
         <p:txBody>
           <a:bodyPr/>
+          <a:lstStyle/>
           <a:p>
             <a:r>
               <a:rPr lang="en-US" altLang="zh-CN"/>
@@ -13980,7 +14065,6 @@
               <a:rPr lang="zh-CN" altLang="en-US"/>
               <a:t>递增 (++)</a:t>
             </a:r>
-            <a:endParaRPr lang="zh-CN" altLang="en-US"/>
           </a:p>
           <a:p>
             <a:pPr lvl="1"/>
@@ -13995,6 +14079,25 @@
                 </a:solidFill>
               </a:rPr>
               <a:t>递增运算符为其操作数增加1，返回一个数值</a:t>
+            </a:r>
+          </a:p>
+          <a:p>
+            <a:pPr lvl="1"/>
+            <a:r>
+              <a:rPr lang="zh-CN" altLang="en-US">
+                <a:solidFill>
+                  <a:schemeClr val="tx1"/>
+                </a:solidFill>
+              </a:rPr>
+              <a:t> 如果使用后置（postfix），即运算符位于操作数的后面（如 x++），那么将会在</a:t>
+            </a:r>
+            <a:r>
+              <a:rPr lang="zh-CN" altLang="en-US">
+                <a:solidFill>
+                  <a:srgbClr val="C00000"/>
+                </a:solidFill>
+              </a:rPr>
+              <a:t>递增前返回数值</a:t>
             </a:r>
             <a:endParaRPr lang="zh-CN" altLang="en-US">
               <a:solidFill>
@@ -14010,7 +14113,7 @@
                   <a:schemeClr val="tx1"/>
                 </a:solidFill>
               </a:rPr>
-              <a:t> 如果使用后置（postfix），即运算符位于操作数的后面（如 x++），那么将会在</a:t>
+              <a:t> 如果使用前置（prefix），即运算符位于操作数的前面（如 ++x），那么将会在</a:t>
             </a:r>
             <a:r>
               <a:rPr lang="zh-CN" altLang="en-US">
@@ -14018,37 +14121,8 @@
                   <a:srgbClr val="C00000"/>
                 </a:solidFill>
               </a:rPr>
-              <a:t>递增前返回数值</a:t>
-            </a:r>
-            <a:endParaRPr lang="zh-CN" altLang="en-US">
-              <a:solidFill>
-                <a:schemeClr val="tx1"/>
-              </a:solidFill>
-            </a:endParaRPr>
-          </a:p>
-          <a:p>
-            <a:pPr lvl="1"/>
-            <a:r>
-              <a:rPr lang="zh-CN" altLang="en-US">
-                <a:solidFill>
-                  <a:schemeClr val="tx1"/>
-                </a:solidFill>
-              </a:rPr>
-              <a:t> 如果使用前置（prefix），即运算符位于操作数的前面（如 ++x），那么将会在</a:t>
-            </a:r>
-            <a:r>
-              <a:rPr lang="zh-CN" altLang="en-US">
-                <a:solidFill>
-                  <a:srgbClr val="C00000"/>
-                </a:solidFill>
-              </a:rPr>
               <a:t>递增后返回数值</a:t>
             </a:r>
-            <a:endParaRPr lang="zh-CN" altLang="en-US">
-              <a:solidFill>
-                <a:srgbClr val="C00000"/>
-              </a:solidFill>
-            </a:endParaRPr>
           </a:p>
           <a:p>
             <a:pPr lvl="0"/>
@@ -14064,7 +14138,6 @@
               <a:rPr lang="zh-CN" altLang="en-US" sz="2800"/>
               <a:t>递减（--）</a:t>
             </a:r>
-            <a:endParaRPr lang="zh-CN" altLang="en-US" sz="2800"/>
           </a:p>
           <a:p>
             <a:pPr lvl="1"/>
@@ -14120,6 +14193,7 @@
         <p:spPr/>
         <p:txBody>
           <a:bodyPr/>
+          <a:lstStyle/>
           <a:p>
             <a:r>
               <a:rPr lang="zh-CN" altLang="en-US">
@@ -14148,7 +14222,14 @@
         <p:cNvGrpSpPr/>
         <p:nvPr/>
       </p:nvGrpSpPr>
-      <p:grpSpPr/>
+      <p:grpSpPr>
+        <a:xfrm>
+          <a:off x="0" y="0"/>
+          <a:ext cx="0" cy="0"/>
+          <a:chOff x="0" y="0"/>
+          <a:chExt cx="0" cy="0"/>
+        </a:xfrm>
+      </p:grpSpPr>
       <p:sp>
         <p:nvSpPr>
           <p:cNvPr id="3" name="内容占位符 2"/>
@@ -14162,6 +14243,7 @@
         <p:spPr/>
         <p:txBody>
           <a:bodyPr/>
+          <a:lstStyle/>
           <a:p>
             <a:r>
               <a:rPr lang="zh-CN" altLang="en-US">
@@ -14182,7 +14264,7 @@
           <p:nvPr/>
         </p:nvPicPr>
         <p:blipFill>
-          <a:blip r:embed="rId1"/>
+          <a:blip r:embed="rId3"/>
           <a:stretch>
             <a:fillRect/>
           </a:stretch>
@@ -14318,15 +14400,7 @@
                 <a:ea typeface="微软雅黑" panose="020B0503020204020204" pitchFamily="34" charset="-122"/>
                 <a:sym typeface="+mn-ea"/>
               </a:rPr>
-              <a:t>表达式</a:t>
-            </a:r>
-            <a:r>
-              <a:rPr lang="zh-CN" sz="2800" b="1" dirty="0">
-                <a:latin typeface="微软雅黑" panose="020B0503020204020204" pitchFamily="34" charset="-122"/>
-                <a:ea typeface="微软雅黑" panose="020B0503020204020204" pitchFamily="34" charset="-122"/>
-                <a:sym typeface="+mn-ea"/>
-              </a:rPr>
-              <a:t>与运算符</a:t>
+              <a:t>表达式与运算符</a:t>
             </a:r>
             <a:endParaRPr lang="zh-CN" sz="2800" b="1" dirty="0">
               <a:latin typeface="微软雅黑" panose="020B0503020204020204" pitchFamily="34" charset="-122"/>
@@ -14354,10 +14428,6 @@
               </a:rPr>
               <a:t>语句</a:t>
             </a:r>
-            <a:endParaRPr lang="zh-CN" altLang="en-US" sz="2800" b="1" dirty="0">
-              <a:latin typeface="微软雅黑" panose="020B0503020204020204" pitchFamily="34" charset="-122"/>
-              <a:ea typeface="微软雅黑" panose="020B0503020204020204" pitchFamily="34" charset="-122"/>
-            </a:endParaRPr>
           </a:p>
         </p:txBody>
       </p:sp>
@@ -14530,12 +14600,6 @@
               </a:rPr>
               <a:t>内容提纲</a:t>
             </a:r>
-            <a:endParaRPr lang="zh-CN" altLang="en-US">
-              <a:solidFill>
-                <a:srgbClr val="C00000"/>
-              </a:solidFill>
-              <a:latin typeface="微软雅黑" panose="020B0503020204020204" pitchFamily="34" charset="-122"/>
-            </a:endParaRPr>
           </a:p>
         </p:txBody>
       </p:sp>
@@ -14556,7 +14620,14 @@
         <p:cNvGrpSpPr/>
         <p:nvPr/>
       </p:nvGrpSpPr>
-      <p:grpSpPr/>
+      <p:grpSpPr>
+        <a:xfrm>
+          <a:off x="0" y="0"/>
+          <a:ext cx="0" cy="0"/>
+          <a:chOff x="0" y="0"/>
+          <a:chExt cx="0" cy="0"/>
+        </a:xfrm>
+      </p:grpSpPr>
       <p:sp>
         <p:nvSpPr>
           <p:cNvPr id="2" name="内容占位符 1"/>
@@ -14570,12 +14641,12 @@
         <p:spPr/>
         <p:txBody>
           <a:bodyPr/>
+          <a:lstStyle/>
           <a:p>
             <a:r>
               <a:rPr lang="en-US" altLang="zh-CN"/>
               <a:t> 赋值运算符</a:t>
             </a:r>
-            <a:endParaRPr lang="en-US" altLang="zh-CN"/>
           </a:p>
           <a:p>
             <a:pPr lvl="1"/>
@@ -14587,11 +14658,6 @@
               </a:rPr>
               <a:t> 基于右值（right operand）的值，给左值（left operand）赋值</a:t>
             </a:r>
-            <a:endParaRPr lang="en-US" altLang="zh-CN">
-              <a:solidFill>
-                <a:schemeClr val="tx1"/>
-              </a:solidFill>
-            </a:endParaRPr>
           </a:p>
           <a:p>
             <a:pPr lvl="1"/>
@@ -14627,11 +14693,6 @@
               </a:rPr>
               <a:t>运算符的左操作数</a:t>
             </a:r>
-            <a:endParaRPr lang="zh-CN" altLang="en-US">
-              <a:solidFill>
-                <a:schemeClr val="tx1"/>
-              </a:solidFill>
-            </a:endParaRPr>
           </a:p>
           <a:p>
             <a:pPr lvl="1"/>
@@ -14661,12 +14722,6 @@
               </a:rPr>
               <a:t>运算符的右操作数</a:t>
             </a:r>
-            <a:endParaRPr lang="zh-CN" altLang="en-US">
-              <a:solidFill>
-                <a:schemeClr val="tx1"/>
-              </a:solidFill>
-              <a:sym typeface="+mn-ea"/>
-            </a:endParaRPr>
           </a:p>
           <a:p>
             <a:pPr lvl="1"/>
@@ -14731,12 +14786,12 @@
         <p:spPr/>
         <p:txBody>
           <a:bodyPr/>
+          <a:lstStyle/>
           <a:p>
             <a:r>
               <a:rPr lang="zh-CN" altLang="en-US"/>
               <a:t>赋值运算符</a:t>
             </a:r>
-            <a:endParaRPr lang="zh-CN" altLang="en-US"/>
           </a:p>
         </p:txBody>
       </p:sp>
@@ -14749,7 +14804,7 @@
           <p:nvPr/>
         </p:nvPicPr>
         <p:blipFill>
-          <a:blip r:embed="rId1"/>
+          <a:blip r:embed="rId3"/>
           <a:stretch>
             <a:fillRect/>
           </a:stretch>
@@ -14781,7 +14836,7 @@
           <p:nvPr/>
         </p:nvPicPr>
         <p:blipFill>
-          <a:blip r:embed="rId2"/>
+          <a:blip r:embed="rId4"/>
           <a:stretch>
             <a:fillRect/>
           </a:stretch>
@@ -14947,7 +15002,14 @@
         <p:cNvGrpSpPr/>
         <p:nvPr/>
       </p:nvGrpSpPr>
-      <p:grpSpPr/>
+      <p:grpSpPr>
+        <a:xfrm>
+          <a:off x="0" y="0"/>
+          <a:ext cx="0" cy="0"/>
+          <a:chOff x="0" y="0"/>
+          <a:chExt cx="0" cy="0"/>
+        </a:xfrm>
+      </p:grpSpPr>
       <p:sp>
         <p:nvSpPr>
           <p:cNvPr id="3" name="内容占位符 2"/>
@@ -14961,6 +15023,7 @@
         <p:spPr/>
         <p:txBody>
           <a:bodyPr/>
+          <a:lstStyle/>
           <a:p>
             <a:r>
               <a:rPr lang="zh-CN" altLang="en-US"/>
@@ -14970,7 +15033,6 @@
               <a:rPr lang="en-US" altLang="zh-CN"/>
               <a:t>1</a:t>
             </a:r>
-            <a:endParaRPr lang="en-US" altLang="zh-CN"/>
           </a:p>
         </p:txBody>
       </p:sp>
@@ -14983,7 +15045,7 @@
           <p:nvPr/>
         </p:nvPicPr>
         <p:blipFill>
-          <a:blip r:embed="rId1"/>
+          <a:blip r:embed="rId3"/>
           <a:stretch>
             <a:fillRect/>
           </a:stretch>
@@ -15031,6 +15093,7 @@
         </p:spPr>
         <p:txBody>
           <a:bodyPr vert="horz" wrap="square" lIns="91440" tIns="45720" rIns="91440" bIns="45720" numCol="1" anchor="t" anchorCtr="0" compatLnSpc="1"/>
+          <a:lstStyle/>
           <a:p>
             <a:pPr marL="0" marR="0" indent="0" algn="l" defTabSz="914400" rtl="0" eaLnBrk="0" fontAlgn="base" latinLnBrk="0" hangingPunct="0">
               <a:lnSpc>
@@ -15048,7 +15111,7 @@
               <a:buNone/>
             </a:pPr>
             <a:r>
-              <a:rPr kumimoji="0" lang="en-US" altLang="zh-CN" sz="2400" b="0" i="0" u="none" strike="noStrike" cap="none" normalizeH="0" baseline="0" smtClean="0">
+              <a:rPr kumimoji="0" lang="en-US" altLang="zh-CN" sz="2400" b="0" i="0" u="none" strike="noStrike" cap="none" normalizeH="0" baseline="0">
                 <a:ln>
                   <a:noFill/>
                 </a:ln>
@@ -15060,16 +15123,6 @@
               </a:rPr>
               <a:t>6.html</a:t>
             </a:r>
-            <a:endParaRPr kumimoji="0" lang="en-US" altLang="zh-CN" sz="2400" b="0" i="0" u="none" strike="noStrike" cap="none" normalizeH="0" baseline="0" smtClean="0">
-              <a:ln>
-                <a:noFill/>
-              </a:ln>
-              <a:solidFill>
-                <a:schemeClr val="tx1"/>
-              </a:solidFill>
-              <a:effectLst/>
-              <a:latin typeface="Arial" panose="020B0604020202020204" pitchFamily="34" charset="0"/>
-            </a:endParaRPr>
           </a:p>
         </p:txBody>
       </p:sp>
@@ -15090,7 +15143,14 @@
         <p:cNvGrpSpPr/>
         <p:nvPr/>
       </p:nvGrpSpPr>
-      <p:grpSpPr/>
+      <p:grpSpPr>
+        <a:xfrm>
+          <a:off x="0" y="0"/>
+          <a:ext cx="0" cy="0"/>
+          <a:chOff x="0" y="0"/>
+          <a:chExt cx="0" cy="0"/>
+        </a:xfrm>
+      </p:grpSpPr>
       <p:sp>
         <p:nvSpPr>
           <p:cNvPr id="3" name="内容占位符 2"/>
@@ -15104,6 +15164,7 @@
         <p:spPr/>
         <p:txBody>
           <a:bodyPr/>
+          <a:lstStyle/>
           <a:p>
             <a:r>
               <a:rPr lang="zh-CN" altLang="en-US"/>
@@ -15113,7 +15174,6 @@
               <a:rPr lang="en-US" altLang="zh-CN"/>
               <a:t>2</a:t>
             </a:r>
-            <a:endParaRPr lang="en-US" altLang="zh-CN"/>
           </a:p>
         </p:txBody>
       </p:sp>
@@ -15126,7 +15186,7 @@
           <p:nvPr/>
         </p:nvPicPr>
         <p:blipFill>
-          <a:blip r:embed="rId1"/>
+          <a:blip r:embed="rId3"/>
           <a:stretch>
             <a:fillRect/>
           </a:stretch>
@@ -15158,7 +15218,7 @@
           <p:nvPr/>
         </p:nvPicPr>
         <p:blipFill>
-          <a:blip r:embed="rId2"/>
+          <a:blip r:embed="rId4"/>
           <a:stretch>
             <a:fillRect/>
           </a:stretch>
@@ -15206,6 +15266,7 @@
         </p:spPr>
         <p:txBody>
           <a:bodyPr vert="horz" wrap="square" lIns="91440" tIns="45720" rIns="91440" bIns="45720" numCol="1" anchor="t" anchorCtr="0" compatLnSpc="1"/>
+          <a:lstStyle/>
           <a:p>
             <a:pPr marL="0" marR="0" indent="0" algn="l" defTabSz="914400" rtl="0" eaLnBrk="0" fontAlgn="base" latinLnBrk="0" hangingPunct="0">
               <a:lnSpc>
@@ -15223,7 +15284,7 @@
               <a:buNone/>
             </a:pPr>
             <a:r>
-              <a:rPr kumimoji="0" lang="en-US" altLang="zh-CN" sz="2400" b="0" i="0" u="none" strike="noStrike" cap="none" normalizeH="0" baseline="0" smtClean="0">
+              <a:rPr kumimoji="0" lang="en-US" altLang="zh-CN" sz="2400" b="0" i="0" u="none" strike="noStrike" cap="none" normalizeH="0" baseline="0">
                 <a:ln>
                   <a:noFill/>
                 </a:ln>
@@ -15235,16 +15296,6 @@
               </a:rPr>
               <a:t>6.html</a:t>
             </a:r>
-            <a:endParaRPr kumimoji="0" lang="en-US" altLang="zh-CN" sz="2400" b="0" i="0" u="none" strike="noStrike" cap="none" normalizeH="0" baseline="0" smtClean="0">
-              <a:ln>
-                <a:noFill/>
-              </a:ln>
-              <a:solidFill>
-                <a:schemeClr val="tx1"/>
-              </a:solidFill>
-              <a:effectLst/>
-              <a:latin typeface="Arial" panose="020B0604020202020204" pitchFamily="34" charset="0"/>
-            </a:endParaRPr>
           </a:p>
         </p:txBody>
       </p:sp>
@@ -15265,7 +15316,14 @@
         <p:cNvGrpSpPr/>
         <p:nvPr/>
       </p:nvGrpSpPr>
-      <p:grpSpPr/>
+      <p:grpSpPr>
+        <a:xfrm>
+          <a:off x="0" y="0"/>
+          <a:ext cx="0" cy="0"/>
+          <a:chOff x="0" y="0"/>
+          <a:chExt cx="0" cy="0"/>
+        </a:xfrm>
+      </p:grpSpPr>
       <p:sp>
         <p:nvSpPr>
           <p:cNvPr id="2" name="内容占位符 1"/>
@@ -15279,6 +15337,7 @@
         <p:spPr/>
         <p:txBody>
           <a:bodyPr/>
+          <a:lstStyle/>
           <a:p>
             <a:r>
               <a:rPr lang="en-US" altLang="zh-CN"/>
@@ -15292,7 +15351,6 @@
               <a:rPr lang="en-US" altLang="zh-CN"/>
               <a:t>赋值</a:t>
             </a:r>
-            <a:endParaRPr lang="en-US" altLang="zh-CN"/>
           </a:p>
           <a:p>
             <a:pPr lvl="1"/>
@@ -15332,7 +15390,6 @@
               <a:rPr lang="zh-CN" altLang="en-US"/>
               <a:t>         x  = x + y</a:t>
             </a:r>
-            <a:endParaRPr lang="zh-CN" altLang="en-US"/>
           </a:p>
           <a:p>
             <a:pPr lvl="1"/>
@@ -15379,7 +15436,6 @@
               <a:rPr lang="zh-CN" altLang="en-US"/>
               <a:t>x  = x - y</a:t>
             </a:r>
-            <a:endParaRPr lang="zh-CN" altLang="en-US"/>
           </a:p>
           <a:p>
             <a:pPr lvl="1"/>
@@ -15430,7 +15486,6 @@
               <a:rPr lang="zh-CN" altLang="en-US"/>
               <a:t>x  = x * y</a:t>
             </a:r>
-            <a:endParaRPr lang="zh-CN" altLang="en-US"/>
           </a:p>
           <a:p>
             <a:pPr lvl="1"/>
@@ -15481,7 +15536,6 @@
               <a:rPr lang="zh-CN" altLang="en-US"/>
               <a:t>x  = x / y</a:t>
             </a:r>
-            <a:endParaRPr lang="zh-CN" altLang="en-US"/>
           </a:p>
           <a:p>
             <a:pPr lvl="1"/>
@@ -15532,7 +15586,6 @@
               <a:rPr lang="en-US" altLang="zh-CN"/>
               <a:t>y</a:t>
             </a:r>
-            <a:endParaRPr lang="en-US" altLang="zh-CN"/>
           </a:p>
         </p:txBody>
       </p:sp>
@@ -15549,6 +15602,7 @@
         <p:spPr/>
         <p:txBody>
           <a:bodyPr/>
+          <a:lstStyle/>
           <a:p>
             <a:r>
               <a:rPr lang="zh-CN" altLang="en-US">
@@ -15591,6 +15645,7 @@
         </p:spPr>
         <p:txBody>
           <a:bodyPr vert="horz" wrap="square" lIns="91440" tIns="45720" rIns="91440" bIns="45720" numCol="1" anchor="t" anchorCtr="0" compatLnSpc="1"/>
+          <a:lstStyle/>
           <a:p>
             <a:pPr marL="0" marR="0" indent="0" algn="l" defTabSz="914400" rtl="0" eaLnBrk="0" fontAlgn="base" latinLnBrk="0" hangingPunct="0">
               <a:lnSpc>
@@ -15607,7 +15662,7 @@
               <a:buFontTx/>
               <a:buNone/>
             </a:pPr>
-            <a:endParaRPr kumimoji="0" lang="zh-CN" altLang="en-US" sz="3200" b="0" i="0" u="none" strike="noStrike" cap="none" normalizeH="0" baseline="0" smtClean="0">
+            <a:endParaRPr kumimoji="0" lang="zh-CN" altLang="en-US" sz="3200" b="0" i="0" u="none" strike="noStrike" cap="none" normalizeH="0" baseline="0">
               <a:ln>
                 <a:noFill/>
               </a:ln>
@@ -15651,6 +15706,7 @@
         </p:spPr>
         <p:txBody>
           <a:bodyPr vert="horz" wrap="square" lIns="91440" tIns="45720" rIns="91440" bIns="45720" numCol="1" anchor="t" anchorCtr="0" compatLnSpc="1"/>
+          <a:lstStyle/>
           <a:p>
             <a:pPr marL="0" marR="0" indent="0" algn="l" defTabSz="914400" rtl="0" eaLnBrk="0" fontAlgn="base" latinLnBrk="0" hangingPunct="0">
               <a:lnSpc>
@@ -15667,7 +15723,7 @@
               <a:buFontTx/>
               <a:buNone/>
             </a:pPr>
-            <a:endParaRPr kumimoji="0" lang="zh-CN" altLang="en-US" sz="3200" b="0" i="0" u="none" strike="noStrike" cap="none" normalizeH="0" baseline="0" smtClean="0">
+            <a:endParaRPr kumimoji="0" lang="zh-CN" altLang="en-US" sz="3200" b="0" i="0" u="none" strike="noStrike" cap="none" normalizeH="0" baseline="0">
               <a:ln>
                 <a:noFill/>
               </a:ln>
@@ -15711,6 +15767,7 @@
         </p:spPr>
         <p:txBody>
           <a:bodyPr vert="horz" wrap="square" lIns="91440" tIns="45720" rIns="91440" bIns="45720" numCol="1" anchor="t" anchorCtr="0" compatLnSpc="1"/>
+          <a:lstStyle/>
           <a:p>
             <a:pPr marL="0" marR="0" indent="0" algn="l" defTabSz="914400" rtl="0" eaLnBrk="0" fontAlgn="base" latinLnBrk="0" hangingPunct="0">
               <a:lnSpc>
@@ -15727,7 +15784,7 @@
               <a:buFontTx/>
               <a:buNone/>
             </a:pPr>
-            <a:endParaRPr kumimoji="0" lang="zh-CN" altLang="en-US" sz="3200" b="0" i="0" u="none" strike="noStrike" cap="none" normalizeH="0" baseline="0" smtClean="0">
+            <a:endParaRPr kumimoji="0" lang="zh-CN" altLang="en-US" sz="3200" b="0" i="0" u="none" strike="noStrike" cap="none" normalizeH="0" baseline="0">
               <a:ln>
                 <a:noFill/>
               </a:ln>
@@ -15771,6 +15828,7 @@
         </p:spPr>
         <p:txBody>
           <a:bodyPr vert="horz" wrap="square" lIns="91440" tIns="45720" rIns="91440" bIns="45720" numCol="1" anchor="t" anchorCtr="0" compatLnSpc="1"/>
+          <a:lstStyle/>
           <a:p>
             <a:pPr marL="0" marR="0" indent="0" algn="l" defTabSz="914400" rtl="0" eaLnBrk="0" fontAlgn="base" latinLnBrk="0" hangingPunct="0">
               <a:lnSpc>
@@ -15787,7 +15845,7 @@
               <a:buFontTx/>
               <a:buNone/>
             </a:pPr>
-            <a:endParaRPr kumimoji="0" lang="zh-CN" altLang="en-US" sz="3200" b="0" i="0" u="none" strike="noStrike" cap="none" normalizeH="0" baseline="0" smtClean="0">
+            <a:endParaRPr kumimoji="0" lang="zh-CN" altLang="en-US" sz="3200" b="0" i="0" u="none" strike="noStrike" cap="none" normalizeH="0" baseline="0">
               <a:ln>
                 <a:noFill/>
               </a:ln>
@@ -15831,6 +15889,7 @@
         </p:spPr>
         <p:txBody>
           <a:bodyPr vert="horz" wrap="square" lIns="91440" tIns="45720" rIns="91440" bIns="45720" numCol="1" anchor="t" anchorCtr="0" compatLnSpc="1"/>
+          <a:lstStyle/>
           <a:p>
             <a:pPr marL="0" marR="0" indent="0" algn="l" defTabSz="914400" rtl="0" eaLnBrk="0" fontAlgn="base" latinLnBrk="0" hangingPunct="0">
               <a:lnSpc>
@@ -15847,7 +15906,7 @@
               <a:buFontTx/>
               <a:buNone/>
             </a:pPr>
-            <a:endParaRPr kumimoji="0" lang="zh-CN" altLang="en-US" sz="3200" b="0" i="0" u="none" strike="noStrike" cap="none" normalizeH="0" baseline="0" smtClean="0">
+            <a:endParaRPr kumimoji="0" lang="zh-CN" altLang="en-US" sz="3200" b="0" i="0" u="none" strike="noStrike" cap="none" normalizeH="0" baseline="0">
               <a:ln>
                 <a:noFill/>
               </a:ln>
@@ -15869,7 +15928,7 @@
           <p:nvPr/>
         </p:nvPicPr>
         <p:blipFill>
-          <a:blip r:embed="rId1"/>
+          <a:blip r:embed="rId3"/>
           <a:stretch>
             <a:fillRect/>
           </a:stretch>
@@ -15917,6 +15976,7 @@
         </p:spPr>
         <p:txBody>
           <a:bodyPr vert="horz" wrap="square" lIns="91440" tIns="45720" rIns="91440" bIns="45720" numCol="1" anchor="t" anchorCtr="0" compatLnSpc="1"/>
+          <a:lstStyle/>
           <a:p>
             <a:pPr marL="0" marR="0" indent="0" algn="l" defTabSz="914400" rtl="0" eaLnBrk="0" fontAlgn="base" latinLnBrk="0" hangingPunct="0">
               <a:lnSpc>
@@ -15934,7 +15994,7 @@
               <a:buNone/>
             </a:pPr>
             <a:r>
-              <a:rPr kumimoji="0" lang="en-US" altLang="zh-CN" sz="2400" b="0" i="0" u="none" strike="noStrike" cap="none" normalizeH="0" baseline="0" smtClean="0">
+              <a:rPr kumimoji="0" lang="en-US" altLang="zh-CN" sz="2400" b="0" i="0" u="none" strike="noStrike" cap="none" normalizeH="0" baseline="0">
                 <a:ln>
                   <a:noFill/>
                 </a:ln>
@@ -15946,16 +16006,6 @@
               </a:rPr>
               <a:t>7.html</a:t>
             </a:r>
-            <a:endParaRPr kumimoji="0" lang="en-US" altLang="zh-CN" sz="2400" b="0" i="0" u="none" strike="noStrike" cap="none" normalizeH="0" baseline="0" smtClean="0">
-              <a:ln>
-                <a:noFill/>
-              </a:ln>
-              <a:solidFill>
-                <a:schemeClr val="tx1"/>
-              </a:solidFill>
-              <a:effectLst/>
-              <a:latin typeface="Arial" panose="020B0604020202020204" pitchFamily="34" charset="0"/>
-            </a:endParaRPr>
           </a:p>
         </p:txBody>
       </p:sp>
@@ -16059,7 +16109,14 @@
         <p:cNvGrpSpPr/>
         <p:nvPr/>
       </p:nvGrpSpPr>
-      <p:grpSpPr/>
+      <p:grpSpPr>
+        <a:xfrm>
+          <a:off x="0" y="0"/>
+          <a:ext cx="0" cy="0"/>
+          <a:chOff x="0" y="0"/>
+          <a:chExt cx="0" cy="0"/>
+        </a:xfrm>
+      </p:grpSpPr>
       <p:sp>
         <p:nvSpPr>
           <p:cNvPr id="2" name="内容占位符 1"/>
@@ -16073,6 +16130,7 @@
         <p:spPr/>
         <p:txBody>
           <a:bodyPr/>
+          <a:lstStyle/>
           <a:p>
             <a:r>
               <a:rPr lang="en-US" altLang="zh-CN"/>
@@ -16082,7 +16140,6 @@
               <a:rPr lang="zh-CN" altLang="en-US"/>
               <a:t>逗号操作符 </a:t>
             </a:r>
-            <a:endParaRPr lang="zh-CN" altLang="en-US"/>
           </a:p>
           <a:p>
             <a:pPr lvl="1"/>
@@ -16118,6 +16175,7 @@
         <p:spPr/>
         <p:txBody>
           <a:bodyPr/>
+          <a:lstStyle/>
           <a:p>
             <a:r>
               <a:rPr lang="zh-CN" altLang="en-US">
@@ -16138,7 +16196,7 @@
           <p:nvPr/>
         </p:nvPicPr>
         <p:blipFill>
-          <a:blip r:embed="rId1"/>
+          <a:blip r:embed="rId3"/>
           <a:stretch>
             <a:fillRect/>
           </a:stretch>
@@ -16186,6 +16244,7 @@
         </p:spPr>
         <p:txBody>
           <a:bodyPr vert="horz" wrap="square" lIns="91440" tIns="45720" rIns="91440" bIns="45720" numCol="1" anchor="t" anchorCtr="0" compatLnSpc="1"/>
+          <a:lstStyle/>
           <a:p>
             <a:pPr marL="0" marR="0" indent="0" algn="l" defTabSz="914400" rtl="0" eaLnBrk="0" fontAlgn="base" latinLnBrk="0" hangingPunct="0">
               <a:lnSpc>
@@ -16203,7 +16262,7 @@
               <a:buNone/>
             </a:pPr>
             <a:r>
-              <a:rPr kumimoji="0" lang="en-US" altLang="zh-CN" sz="2400" b="0" i="0" u="none" strike="noStrike" cap="none" normalizeH="0" baseline="0" smtClean="0">
+              <a:rPr kumimoji="0" lang="en-US" altLang="zh-CN" sz="2400" b="0" i="0" u="none" strike="noStrike" cap="none" normalizeH="0" baseline="0">
                 <a:ln>
                   <a:noFill/>
                 </a:ln>
@@ -16215,16 +16274,6 @@
               </a:rPr>
               <a:t>7.html</a:t>
             </a:r>
-            <a:endParaRPr kumimoji="0" lang="en-US" altLang="zh-CN" sz="2400" b="0" i="0" u="none" strike="noStrike" cap="none" normalizeH="0" baseline="0" smtClean="0">
-              <a:ln>
-                <a:noFill/>
-              </a:ln>
-              <a:solidFill>
-                <a:schemeClr val="tx1"/>
-              </a:solidFill>
-              <a:effectLst/>
-              <a:latin typeface="Arial" panose="020B0604020202020204" pitchFamily="34" charset="0"/>
-            </a:endParaRPr>
           </a:p>
         </p:txBody>
       </p:sp>
@@ -16328,7 +16377,14 @@
         <p:cNvGrpSpPr/>
         <p:nvPr/>
       </p:nvGrpSpPr>
-      <p:grpSpPr/>
+      <p:grpSpPr>
+        <a:xfrm>
+          <a:off x="0" y="0"/>
+          <a:ext cx="0" cy="0"/>
+          <a:chOff x="0" y="0"/>
+          <a:chExt cx="0" cy="0"/>
+        </a:xfrm>
+      </p:grpSpPr>
       <p:sp>
         <p:nvSpPr>
           <p:cNvPr id="2" name="内容占位符 1"/>
@@ -16342,6 +16398,7 @@
         <p:spPr/>
         <p:txBody>
           <a:bodyPr/>
+          <a:lstStyle/>
           <a:p>
             <a:r>
               <a:rPr lang="en-US" altLang="zh-CN"/>
@@ -16349,11 +16406,7 @@
             </a:r>
             <a:r>
               <a:rPr lang="zh-CN" altLang="en-US"/>
-              <a:t>相等</a:t>
-            </a:r>
-            <a:r>
-              <a:rPr lang="zh-CN" altLang="en-US"/>
-              <a:t>运算符</a:t>
+              <a:t>相等运算符</a:t>
             </a:r>
             <a:endParaRPr lang="en-US" altLang="zh-CN"/>
           </a:p>
@@ -16362,28 +16415,24 @@
               <a:rPr lang="zh-CN" altLang="en-US"/>
               <a:t> 自增自减</a:t>
             </a:r>
-            <a:endParaRPr lang="zh-CN" altLang="en-US"/>
           </a:p>
           <a:p>
             <a:r>
               <a:rPr lang="zh-CN" altLang="en-US"/>
               <a:t> 赋值运算符</a:t>
             </a:r>
-            <a:endParaRPr lang="zh-CN" altLang="en-US"/>
           </a:p>
           <a:p>
             <a:r>
               <a:rPr lang="zh-CN" altLang="en-US"/>
               <a:t> 复合赋值运算符</a:t>
             </a:r>
-            <a:endParaRPr lang="zh-CN" altLang="en-US"/>
           </a:p>
           <a:p>
             <a:r>
               <a:rPr lang="zh-CN" altLang="en-US"/>
               <a:t> 逗号运算符 </a:t>
             </a:r>
-            <a:endParaRPr lang="zh-CN" altLang="en-US"/>
           </a:p>
           <a:p>
             <a:pPr marL="168275" lvl="1" indent="0">
@@ -16406,6 +16455,7 @@
         <p:spPr/>
         <p:txBody>
           <a:bodyPr/>
+          <a:lstStyle/>
           <a:p>
             <a:r>
               <a:rPr lang="zh-CN" altLang="en-US">
@@ -16502,10 +16552,6 @@
               </a:rPr>
               <a:t>标识符</a:t>
             </a:r>
-            <a:endParaRPr lang="zh-CN" altLang="en-US" sz="2800" b="1" dirty="0">
-              <a:latin typeface="微软雅黑" panose="020B0503020204020204" pitchFamily="34" charset="-122"/>
-              <a:ea typeface="微软雅黑" panose="020B0503020204020204" pitchFamily="34" charset="-122"/>
-            </a:endParaRPr>
           </a:p>
           <a:p>
             <a:pPr marL="457200" indent="-457200" algn="l" eaLnBrk="0" hangingPunct="0">
@@ -16527,15 +16573,7 @@
                 <a:ea typeface="微软雅黑" panose="020B0503020204020204" pitchFamily="34" charset="-122"/>
                 <a:sym typeface="+mn-ea"/>
               </a:rPr>
-              <a:t>表达式</a:t>
-            </a:r>
-            <a:r>
-              <a:rPr lang="zh-CN" sz="2800" b="1" dirty="0">
-                <a:latin typeface="微软雅黑" panose="020B0503020204020204" pitchFamily="34" charset="-122"/>
-                <a:ea typeface="微软雅黑" panose="020B0503020204020204" pitchFamily="34" charset="-122"/>
-                <a:sym typeface="+mn-ea"/>
-              </a:rPr>
-              <a:t>与运算符</a:t>
+              <a:t>表达式与运算符</a:t>
             </a:r>
             <a:endParaRPr lang="zh-CN" sz="2800" b="1" dirty="0">
               <a:latin typeface="微软雅黑" panose="020B0503020204020204" pitchFamily="34" charset="-122"/>
@@ -16566,13 +16604,6 @@
               </a:rPr>
               <a:t>语句</a:t>
             </a:r>
-            <a:endParaRPr lang="zh-CN" altLang="en-US" sz="2800" b="1" dirty="0">
-              <a:solidFill>
-                <a:srgbClr val="FF0000"/>
-              </a:solidFill>
-              <a:latin typeface="微软雅黑" panose="020B0503020204020204" pitchFamily="34" charset="-122"/>
-              <a:ea typeface="微软雅黑" panose="020B0503020204020204" pitchFamily="34" charset="-122"/>
-            </a:endParaRPr>
           </a:p>
         </p:txBody>
       </p:sp>
@@ -16745,12 +16776,6 @@
               </a:rPr>
               <a:t>内容提纲</a:t>
             </a:r>
-            <a:endParaRPr lang="zh-CN" altLang="en-US">
-              <a:solidFill>
-                <a:srgbClr val="C00000"/>
-              </a:solidFill>
-              <a:latin typeface="微软雅黑" panose="020B0503020204020204" pitchFamily="34" charset="-122"/>
-            </a:endParaRPr>
           </a:p>
         </p:txBody>
       </p:sp>
@@ -16771,7 +16796,14 @@
         <p:cNvGrpSpPr/>
         <p:nvPr/>
       </p:nvGrpSpPr>
-      <p:grpSpPr/>
+      <p:grpSpPr>
+        <a:xfrm>
+          <a:off x="0" y="0"/>
+          <a:ext cx="0" cy="0"/>
+          <a:chOff x="0" y="0"/>
+          <a:chExt cx="0" cy="0"/>
+        </a:xfrm>
+      </p:grpSpPr>
       <p:sp>
         <p:nvSpPr>
           <p:cNvPr id="2" name="内容占位符 1"/>
@@ -16790,6 +16822,7 @@
         </p:spPr>
         <p:txBody>
           <a:bodyPr/>
+          <a:lstStyle/>
           <a:p>
             <a:r>
               <a:rPr lang="en-US" altLang="zh-CN"/>
@@ -16831,11 +16864,6 @@
               </a:rPr>
               <a:t>是为了完成某种任务而进行的操作，比如赋值语句</a:t>
             </a:r>
-            <a:endParaRPr>
-              <a:solidFill>
-                <a:schemeClr val="tx1"/>
-              </a:solidFill>
-            </a:endParaRPr>
           </a:p>
           <a:p>
             <a:pPr lvl="1"/>
@@ -16855,11 +16883,6 @@
               </a:rPr>
               <a:t>JavaScript 应用程序是由许多语法正确的语句组成的</a:t>
             </a:r>
-            <a:endParaRPr lang="zh-CN" altLang="en-US">
-              <a:solidFill>
-                <a:schemeClr val="tx1"/>
-              </a:solidFill>
-            </a:endParaRPr>
           </a:p>
           <a:p>
             <a:pPr lvl="1"/>
@@ -16871,11 +16894,6 @@
               </a:rPr>
               <a:t> JavaScript 语句是由 web 浏览器“执行”的“指令”</a:t>
             </a:r>
-            <a:endParaRPr lang="zh-CN" altLang="en-US">
-              <a:solidFill>
-                <a:schemeClr val="tx1"/>
-              </a:solidFill>
-            </a:endParaRPr>
           </a:p>
           <a:p>
             <a:pPr lvl="0"/>
@@ -16891,7 +16909,6 @@
               <a:rPr lang="en-US" altLang="zh-CN"/>
               <a:t>语句与表达式</a:t>
             </a:r>
-            <a:endParaRPr lang="en-US" altLang="zh-CN"/>
           </a:p>
           <a:p>
             <a:pPr lvl="1"/>
@@ -16903,11 +16920,6 @@
               </a:rPr>
               <a:t> 语句主要是为了进行某种操作，一般不需要返回值</a:t>
             </a:r>
-            <a:endParaRPr lang="en-US" altLang="zh-CN">
-              <a:solidFill>
-                <a:schemeClr val="tx1"/>
-              </a:solidFill>
-            </a:endParaRPr>
           </a:p>
           <a:p>
             <a:pPr lvl="1"/>
@@ -16919,11 +16931,6 @@
               </a:rPr>
               <a:t> 而表达式则是为了得到返回值，一定会返回一个值</a:t>
             </a:r>
-            <a:endParaRPr lang="en-US" altLang="zh-CN">
-              <a:solidFill>
-                <a:schemeClr val="tx1"/>
-              </a:solidFill>
-            </a:endParaRPr>
           </a:p>
         </p:txBody>
       </p:sp>
@@ -16940,12 +16947,12 @@
         <p:spPr/>
         <p:txBody>
           <a:bodyPr/>
+          <a:lstStyle/>
           <a:p>
             <a:r>
               <a:rPr lang="zh-CN" altLang="en-US"/>
               <a:t>语句</a:t>
             </a:r>
-            <a:endParaRPr lang="zh-CN" altLang="en-US"/>
           </a:p>
         </p:txBody>
       </p:sp>
@@ -16958,7 +16965,7 @@
           <p:nvPr/>
         </p:nvPicPr>
         <p:blipFill>
-          <a:blip r:embed="rId1"/>
+          <a:blip r:embed="rId2"/>
           <a:stretch>
             <a:fillRect/>
           </a:stretch>
@@ -17167,7 +17174,14 @@
         <p:cNvGrpSpPr/>
         <p:nvPr/>
       </p:nvGrpSpPr>
-      <p:grpSpPr/>
+      <p:grpSpPr>
+        <a:xfrm>
+          <a:off x="0" y="0"/>
+          <a:ext cx="0" cy="0"/>
+          <a:chOff x="0" y="0"/>
+          <a:chExt cx="0" cy="0"/>
+        </a:xfrm>
+      </p:grpSpPr>
       <p:sp>
         <p:nvSpPr>
           <p:cNvPr id="2" name="内容占位符 1"/>
@@ -17181,6 +17195,7 @@
         <p:spPr/>
         <p:txBody>
           <a:bodyPr/>
+          <a:lstStyle/>
           <a:p>
             <a:r>
               <a:rPr lang="en-US" altLang="zh-CN"/>
@@ -17204,7 +17219,15 @@
                   <a:schemeClr val="tx1"/>
                 </a:solidFill>
               </a:rPr>
-              <a:t>用花括号</a:t>
+              <a:t>用花括号将多条语句括起来 </a:t>
+            </a:r>
+            <a:r>
+              <a:rPr lang="en-US" altLang="zh-CN">
+                <a:solidFill>
+                  <a:schemeClr val="tx1"/>
+                </a:solidFill>
+              </a:rPr>
+              <a:t>—— </a:t>
             </a:r>
             <a:r>
               <a:rPr lang="zh-CN" altLang="en-US">
@@ -17212,29 +17235,8 @@
                   <a:schemeClr val="tx1"/>
                 </a:solidFill>
               </a:rPr>
-              <a:t>将多条语句括起来 </a:t>
-            </a:r>
-            <a:r>
-              <a:rPr lang="en-US" altLang="zh-CN">
-                <a:solidFill>
-                  <a:schemeClr val="tx1"/>
-                </a:solidFill>
-              </a:rPr>
-              <a:t>—— </a:t>
-            </a:r>
-            <a:r>
-              <a:rPr lang="zh-CN" altLang="en-US">
-                <a:solidFill>
-                  <a:schemeClr val="tx1"/>
-                </a:solidFill>
-              </a:rPr>
               <a:t>语句块</a:t>
             </a:r>
-            <a:endParaRPr lang="zh-CN" altLang="en-US">
-              <a:solidFill>
-                <a:schemeClr val="tx1"/>
-              </a:solidFill>
-            </a:endParaRPr>
           </a:p>
           <a:p>
             <a:pPr marL="168275" lvl="1" indent="0">
@@ -17261,12 +17263,12 @@
         <p:spPr/>
         <p:txBody>
           <a:bodyPr/>
+          <a:lstStyle/>
           <a:p>
             <a:r>
               <a:rPr lang="zh-CN" altLang="en-US"/>
               <a:t>复合语句</a:t>
             </a:r>
-            <a:endParaRPr lang="zh-CN" altLang="en-US"/>
           </a:p>
         </p:txBody>
       </p:sp>
@@ -17279,7 +17281,7 @@
           <p:nvPr/>
         </p:nvPicPr>
         <p:blipFill>
-          <a:blip r:embed="rId1"/>
+          <a:blip r:embed="rId2"/>
           <a:stretch>
             <a:fillRect/>
           </a:stretch>
@@ -17319,7 +17321,14 @@
         <p:cNvGrpSpPr/>
         <p:nvPr/>
       </p:nvGrpSpPr>
-      <p:grpSpPr/>
+      <p:grpSpPr>
+        <a:xfrm>
+          <a:off x="0" y="0"/>
+          <a:ext cx="0" cy="0"/>
+          <a:chOff x="0" y="0"/>
+          <a:chExt cx="0" cy="0"/>
+        </a:xfrm>
+      </p:grpSpPr>
       <p:sp>
         <p:nvSpPr>
           <p:cNvPr id="2" name="内容占位符 1"/>
@@ -17333,6 +17342,7 @@
         <p:spPr/>
         <p:txBody>
           <a:bodyPr/>
+          <a:lstStyle/>
           <a:p>
             <a:r>
               <a:rPr lang="en-US" altLang="zh-CN"/>
@@ -17350,7 +17360,6 @@
               <a:rPr lang="zh-CN" altLang="en-US"/>
               <a:t>通常，语句都是以分号结束</a:t>
             </a:r>
-            <a:endParaRPr lang="zh-CN" altLang="en-US"/>
           </a:p>
           <a:p>
             <a:pPr lvl="1"/>
@@ -17368,7 +17377,6 @@
               <a:rPr lang="zh-CN" altLang="en-US"/>
               <a:t>的结束不需要分号</a:t>
             </a:r>
-            <a:endParaRPr lang="zh-CN" altLang="en-US"/>
           </a:p>
         </p:txBody>
       </p:sp>
@@ -17385,12 +17393,12 @@
         <p:spPr/>
         <p:txBody>
           <a:bodyPr/>
+          <a:lstStyle/>
           <a:p>
             <a:r>
               <a:rPr lang="zh-CN" altLang="en-US"/>
               <a:t>使用分号的规则</a:t>
             </a:r>
-            <a:endParaRPr lang="zh-CN" altLang="en-US"/>
           </a:p>
         </p:txBody>
       </p:sp>
@@ -17403,7 +17411,7 @@
           <p:nvPr/>
         </p:nvPicPr>
         <p:blipFill>
-          <a:blip r:embed="rId1"/>
+          <a:blip r:embed="rId3"/>
           <a:stretch>
             <a:fillRect/>
           </a:stretch>
@@ -17427,7 +17435,7 @@
           <p:nvPr/>
         </p:nvPicPr>
         <p:blipFill>
-          <a:blip r:embed="rId2"/>
+          <a:blip r:embed="rId4"/>
           <a:stretch>
             <a:fillRect/>
           </a:stretch>
@@ -17459,7 +17467,7 @@
           <p:nvPr/>
         </p:nvPicPr>
         <p:blipFill>
-          <a:blip r:embed="rId3"/>
+          <a:blip r:embed="rId5"/>
           <a:stretch>
             <a:fillRect/>
           </a:stretch>
@@ -17499,7 +17507,14 @@
         <p:cNvGrpSpPr/>
         <p:nvPr/>
       </p:nvGrpSpPr>
-      <p:grpSpPr/>
+      <p:grpSpPr>
+        <a:xfrm>
+          <a:off x="0" y="0"/>
+          <a:ext cx="0" cy="0"/>
+          <a:chOff x="0" y="0"/>
+          <a:chExt cx="0" cy="0"/>
+        </a:xfrm>
+      </p:grpSpPr>
       <p:sp>
         <p:nvSpPr>
           <p:cNvPr id="2" name="内容占位符 1"/>
@@ -17518,6 +17533,7 @@
         </p:spPr>
         <p:txBody>
           <a:bodyPr/>
+          <a:lstStyle/>
           <a:p>
             <a:r>
               <a:rPr lang="en-US" altLang="zh-CN"/>
@@ -17535,7 +17551,6 @@
               <a:rPr lang="zh-CN" altLang="en-US"/>
               <a:t> 标识符是代码中用来标识变量、函数、或属性的字符序列</a:t>
             </a:r>
-            <a:endParaRPr lang="zh-CN" altLang="en-US"/>
           </a:p>
           <a:p>
             <a:pPr lvl="1"/>
@@ -17543,7 +17558,6 @@
               <a:rPr lang="zh-CN" altLang="en-US"/>
               <a:t> 命名规则：</a:t>
             </a:r>
-            <a:endParaRPr lang="zh-CN" altLang="en-US"/>
           </a:p>
           <a:p>
             <a:pPr lvl="2"/>
@@ -17559,7 +17573,6 @@
               <a:rPr lang="zh-CN" altLang="en-US" sz="2000"/>
               <a:t>由字母、数字、下划线和$符号组成</a:t>
             </a:r>
-            <a:endParaRPr lang="zh-CN" altLang="en-US" sz="2000"/>
           </a:p>
           <a:p>
             <a:pPr lvl="2"/>
@@ -17575,9 +17588,6 @@
               </a:rPr>
               <a:t>不能以数字开头</a:t>
             </a:r>
-            <a:endParaRPr sz="2000">
-              <a:sym typeface="+mn-ea"/>
-            </a:endParaRPr>
           </a:p>
           <a:p>
             <a:pPr lvl="2"/>
@@ -17591,9 +17601,6 @@
               </a:rPr>
               <a:t>）</a:t>
             </a:r>
-            <a:endParaRPr lang="zh-CN" altLang="en-US" sz="2000">
-              <a:sym typeface="+mn-ea"/>
-            </a:endParaRPr>
           </a:p>
           <a:p>
             <a:pPr lvl="1"/>
@@ -17618,12 +17625,12 @@
         <p:spPr/>
         <p:txBody>
           <a:bodyPr/>
+          <a:lstStyle/>
           <a:p>
             <a:r>
               <a:rPr lang="zh-CN" altLang="en-US"/>
               <a:t>标识符</a:t>
             </a:r>
-            <a:endParaRPr lang="zh-CN" altLang="en-US"/>
           </a:p>
         </p:txBody>
       </p:sp>
@@ -17647,6 +17654,7 @@
           <a:bodyPr wrap="none" rtlCol="0" anchor="t">
             <a:spAutoFit/>
           </a:bodyPr>
+          <a:lstStyle/>
           <a:p>
             <a:pPr lvl="1"/>
             <a:r>
@@ -17674,16 +17682,7 @@
                 <a:cs typeface="微软雅黑" panose="020B0503020204020204" pitchFamily="34" charset="-122"/>
                 <a:sym typeface="+mn-ea"/>
               </a:rPr>
-              <a:t> </a:t>
-            </a:r>
-            <a:r>
-              <a:rPr lang="zh-CN" altLang="en-US" sz="3200">
-                <a:latin typeface="微软雅黑" panose="020B0503020204020204" pitchFamily="34" charset="-122"/>
-                <a:ea typeface="微软雅黑" panose="020B0503020204020204" pitchFamily="34" charset="-122"/>
-                <a:cs typeface="微软雅黑" panose="020B0503020204020204" pitchFamily="34" charset="-122"/>
-                <a:sym typeface="+mn-ea"/>
-              </a:rPr>
-              <a:t>其它关键字同名</a:t>
+              <a:t> 其它关键字同名</a:t>
             </a:r>
             <a:endParaRPr lang="zh-CN" altLang="en-US" sz="3200">
               <a:latin typeface="微软雅黑" panose="020B0503020204020204" pitchFamily="34" charset="-122"/>
@@ -18024,7 +18023,14 @@
         <p:cNvGrpSpPr/>
         <p:nvPr/>
       </p:nvGrpSpPr>
-      <p:grpSpPr/>
+      <p:grpSpPr>
+        <a:xfrm>
+          <a:off x="0" y="0"/>
+          <a:ext cx="0" cy="0"/>
+          <a:chOff x="0" y="0"/>
+          <a:chExt cx="0" cy="0"/>
+        </a:xfrm>
+      </p:grpSpPr>
       <p:sp>
         <p:nvSpPr>
           <p:cNvPr id="2" name="内容占位符 1"/>
@@ -18038,6 +18044,7 @@
         <p:spPr/>
         <p:txBody>
           <a:bodyPr/>
+          <a:lstStyle/>
           <a:p>
             <a:r>
               <a:rPr lang="en-US" altLang="zh-CN"/>
@@ -18070,12 +18077,12 @@
         <p:spPr/>
         <p:txBody>
           <a:bodyPr/>
+          <a:lstStyle/>
           <a:p>
             <a:r>
               <a:rPr lang="zh-CN" altLang="en-US"/>
               <a:t>练习</a:t>
             </a:r>
-            <a:endParaRPr lang="zh-CN" altLang="en-US"/>
           </a:p>
         </p:txBody>
       </p:sp>
@@ -18088,7 +18095,7 @@
           <p:nvPr/>
         </p:nvPicPr>
         <p:blipFill>
-          <a:blip r:embed="rId1"/>
+          <a:blip r:embed="rId3"/>
           <a:stretch>
             <a:fillRect/>
           </a:stretch>
@@ -18136,6 +18143,7 @@
         </p:spPr>
         <p:txBody>
           <a:bodyPr vert="horz" wrap="square" lIns="91440" tIns="45720" rIns="91440" bIns="45720" numCol="1" anchor="t" anchorCtr="0" compatLnSpc="1"/>
+          <a:lstStyle/>
           <a:p>
             <a:pPr marL="0" marR="0" indent="0" algn="l" defTabSz="914400" rtl="0" eaLnBrk="0" fontAlgn="base" latinLnBrk="0" hangingPunct="0">
               <a:lnSpc>
@@ -18153,7 +18161,7 @@
               <a:buNone/>
             </a:pPr>
             <a:r>
-              <a:rPr kumimoji="0" lang="en-US" altLang="zh-CN" sz="2400" b="0" i="0" u="none" strike="noStrike" cap="none" normalizeH="0" baseline="0" smtClean="0">
+              <a:rPr kumimoji="0" lang="en-US" altLang="zh-CN" sz="2400" b="0" i="0" u="none" strike="noStrike" cap="none" normalizeH="0" baseline="0">
                 <a:ln>
                   <a:noFill/>
                 </a:ln>
@@ -18165,16 +18173,6 @@
               </a:rPr>
               <a:t>8.html</a:t>
             </a:r>
-            <a:endParaRPr kumimoji="0" lang="en-US" altLang="zh-CN" sz="2400" b="0" i="0" u="none" strike="noStrike" cap="none" normalizeH="0" baseline="0" smtClean="0">
-              <a:ln>
-                <a:noFill/>
-              </a:ln>
-              <a:solidFill>
-                <a:schemeClr val="tx1"/>
-              </a:solidFill>
-              <a:effectLst/>
-              <a:latin typeface="Arial" panose="020B0604020202020204" pitchFamily="34" charset="0"/>
-            </a:endParaRPr>
           </a:p>
         </p:txBody>
       </p:sp>
@@ -18195,7 +18193,14 @@
         <p:cNvGrpSpPr/>
         <p:nvPr/>
       </p:nvGrpSpPr>
-      <p:grpSpPr/>
+      <p:grpSpPr>
+        <a:xfrm>
+          <a:off x="0" y="0"/>
+          <a:ext cx="0" cy="0"/>
+          <a:chOff x="0" y="0"/>
+          <a:chExt cx="0" cy="0"/>
+        </a:xfrm>
+      </p:grpSpPr>
       <p:sp>
         <p:nvSpPr>
           <p:cNvPr id="2" name="内容占位符 1"/>
@@ -18209,6 +18214,7 @@
         <p:spPr/>
         <p:txBody>
           <a:bodyPr/>
+          <a:lstStyle/>
           <a:p>
             <a:r>
               <a:rPr lang="en-US" altLang="zh-CN" sz="2800">
@@ -18376,9 +18382,10 @@
         <p:spPr/>
         <p:txBody>
           <a:bodyPr/>
-          <a:p>
-            <a:r>
-              <a:rPr lang="zh-CN" dirty="0" smtClean="0">
+          <a:lstStyle/>
+          <a:p>
+            <a:r>
+              <a:rPr lang="zh-CN" dirty="0">
                 <a:sym typeface="+mn-ea"/>
               </a:rPr>
               <a:t>任务</a:t>
@@ -18424,7 +18431,7 @@
           <p:nvPr/>
         </p:nvPicPr>
         <p:blipFill>
-          <a:blip r:embed="rId1">
+          <a:blip r:embed="rId2">
             <a:extLst>
               <a:ext uri="{28A0092B-C50C-407E-A947-70E740481C1C}">
                 <a14:useLocalDpi xmlns:a14="http://schemas.microsoft.com/office/drawing/2010/main" val="0"/>
@@ -18542,7 +18549,7 @@
           <p:nvPr/>
         </p:nvPicPr>
         <p:blipFill>
-          <a:blip r:embed="rId2">
+          <a:blip r:embed="rId3">
             <a:extLst>
               <a:ext uri="{28A0092B-C50C-407E-A947-70E740481C1C}">
                 <a14:useLocalDpi xmlns:a14="http://schemas.microsoft.com/office/drawing/2010/main" val="0"/>
@@ -18604,7 +18611,14 @@
         <p:cNvGrpSpPr/>
         <p:nvPr/>
       </p:nvGrpSpPr>
-      <p:grpSpPr/>
+      <p:grpSpPr>
+        <a:xfrm>
+          <a:off x="0" y="0"/>
+          <a:ext cx="0" cy="0"/>
+          <a:chOff x="0" y="0"/>
+          <a:chExt cx="0" cy="0"/>
+        </a:xfrm>
+      </p:grpSpPr>
       <p:sp>
         <p:nvSpPr>
           <p:cNvPr id="2" name="内容占位符 1"/>
@@ -18618,6 +18632,7 @@
         <p:spPr/>
         <p:txBody>
           <a:bodyPr/>
+          <a:lstStyle/>
           <a:p>
             <a:r>
               <a:rPr lang="en-US" altLang="zh-CN"/>
@@ -18627,7 +18642,6 @@
               <a:rPr lang="zh-CN" altLang="en-US"/>
               <a:t>关键字不能作为标识符</a:t>
             </a:r>
-            <a:endParaRPr lang="zh-CN" altLang="en-US"/>
           </a:p>
         </p:txBody>
       </p:sp>
@@ -18644,12 +18658,12 @@
         <p:spPr/>
         <p:txBody>
           <a:bodyPr/>
+          <a:lstStyle/>
           <a:p>
             <a:r>
               <a:rPr lang="zh-CN" altLang="en-US"/>
               <a:t>关键字</a:t>
             </a:r>
-            <a:endParaRPr lang="zh-CN" altLang="en-US"/>
           </a:p>
         </p:txBody>
       </p:sp>
@@ -18662,7 +18676,7 @@
           <p:nvPr/>
         </p:nvPicPr>
         <p:blipFill>
-          <a:blip r:embed="rId1"/>
+          <a:blip r:embed="rId2"/>
           <a:stretch>
             <a:fillRect/>
           </a:stretch>
@@ -18694,7 +18708,14 @@
         <p:cNvGrpSpPr/>
         <p:nvPr/>
       </p:nvGrpSpPr>
-      <p:grpSpPr/>
+      <p:grpSpPr>
+        <a:xfrm>
+          <a:off x="0" y="0"/>
+          <a:ext cx="0" cy="0"/>
+          <a:chOff x="0" y="0"/>
+          <a:chExt cx="0" cy="0"/>
+        </a:xfrm>
+      </p:grpSpPr>
       <p:sp>
         <p:nvSpPr>
           <p:cNvPr id="2" name="内容占位符 1"/>
@@ -18713,12 +18734,12 @@
         </p:spPr>
         <p:txBody>
           <a:bodyPr/>
+          <a:lstStyle/>
           <a:p>
             <a:r>
               <a:rPr lang="en-US" altLang="zh-CN"/>
               <a:t> 保留字在某种意思上是为将来的关键字而保留的单词。因此保留字不能被用作变量名或函数名。</a:t>
             </a:r>
-            <a:endParaRPr lang="en-US" altLang="zh-CN"/>
           </a:p>
           <a:p>
             <a:pPr lvl="1"/>
@@ -18726,7 +18747,6 @@
               <a:rPr lang="en-US" altLang="zh-CN"/>
               <a:t>111</a:t>
             </a:r>
-            <a:endParaRPr lang="en-US" altLang="zh-CN"/>
           </a:p>
         </p:txBody>
       </p:sp>
@@ -18743,12 +18763,12 @@
         <p:spPr/>
         <p:txBody>
           <a:bodyPr/>
+          <a:lstStyle/>
           <a:p>
             <a:r>
               <a:rPr lang="zh-CN" altLang="en-US"/>
               <a:t>保留字</a:t>
             </a:r>
-            <a:endParaRPr lang="zh-CN" altLang="en-US"/>
           </a:p>
         </p:txBody>
       </p:sp>
@@ -18761,7 +18781,7 @@
           <p:nvPr/>
         </p:nvPicPr>
         <p:blipFill>
-          <a:blip r:embed="rId1"/>
+          <a:blip r:embed="rId2"/>
           <a:stretch>
             <a:fillRect/>
           </a:stretch>
@@ -18803,6 +18823,7 @@
         </p:spPr>
         <p:txBody>
           <a:bodyPr vert="horz" wrap="square" lIns="91440" tIns="45720" rIns="91440" bIns="45720" numCol="1" anchor="t" anchorCtr="0" compatLnSpc="1"/>
+          <a:lstStyle/>
           <a:p>
             <a:pPr marL="0" marR="0" indent="0" algn="l" defTabSz="914400" rtl="0" eaLnBrk="0" fontAlgn="base" latinLnBrk="0" hangingPunct="0">
               <a:lnSpc>
@@ -18819,7 +18840,7 @@
               <a:buFontTx/>
               <a:buNone/>
             </a:pPr>
-            <a:endParaRPr kumimoji="0" lang="zh-CN" altLang="en-US" sz="3200" b="0" i="0" u="none" strike="noStrike" cap="none" normalizeH="0" baseline="0" smtClean="0">
+            <a:endParaRPr kumimoji="0" lang="zh-CN" altLang="en-US" sz="3200" b="0" i="0" u="none" strike="noStrike" cap="none" normalizeH="0" baseline="0">
               <a:ln>
                 <a:noFill/>
               </a:ln>
@@ -18935,7 +18956,14 @@
         <p:cNvGrpSpPr/>
         <p:nvPr/>
       </p:nvGrpSpPr>
-      <p:grpSpPr/>
+      <p:grpSpPr>
+        <a:xfrm>
+          <a:off x="0" y="0"/>
+          <a:ext cx="0" cy="0"/>
+          <a:chOff x="0" y="0"/>
+          <a:chExt cx="0" cy="0"/>
+        </a:xfrm>
+      </p:grpSpPr>
       <p:sp>
         <p:nvSpPr>
           <p:cNvPr id="2" name="内容占位符 1"/>
@@ -18949,6 +18977,7 @@
         <p:spPr/>
         <p:txBody>
           <a:bodyPr/>
+          <a:lstStyle/>
           <a:p>
             <a:r>
               <a:rPr lang="en-US" altLang="zh-CN"/>
@@ -18966,7 +18995,6 @@
               <a:rPr lang="zh-CN" altLang="en-US"/>
               <a:t>方式</a:t>
             </a:r>
-            <a:endParaRPr lang="zh-CN" altLang="en-US"/>
           </a:p>
           <a:p>
             <a:pPr lvl="1"/>
@@ -18982,7 +19010,6 @@
               <a:rPr lang="en-US" altLang="zh-CN"/>
               <a:t>点号(.)运算符</a:t>
             </a:r>
-            <a:endParaRPr lang="en-US" altLang="zh-CN"/>
           </a:p>
           <a:p>
             <a:pPr lvl="2"/>
@@ -18998,7 +19025,6 @@
               <a:rPr lang="en-US" altLang="zh-CN" sz="2000"/>
               <a:t>是合法的标识符，对于不合法的不可以使用</a:t>
             </a:r>
-            <a:endParaRPr lang="en-US" altLang="zh-CN" sz="2000"/>
           </a:p>
           <a:p>
             <a:pPr lvl="1"/>
@@ -19010,7 +19036,6 @@
               <a:rPr lang="en-US" altLang="zh-CN"/>
               <a:t>中括号([])运算符</a:t>
             </a:r>
-            <a:endParaRPr lang="en-US" altLang="zh-CN"/>
           </a:p>
           <a:p>
             <a:pPr lvl="2"/>
@@ -19047,12 +19072,12 @@
         <p:spPr/>
         <p:txBody>
           <a:bodyPr/>
+          <a:lstStyle/>
           <a:p>
             <a:r>
               <a:rPr lang="zh-CN"/>
               <a:t>属性命名</a:t>
             </a:r>
-            <a:endParaRPr lang="zh-CN"/>
           </a:p>
         </p:txBody>
       </p:sp>
@@ -19081,6 +19106,7 @@
         </p:spPr>
         <p:txBody>
           <a:bodyPr vert="horz" wrap="square" lIns="91440" tIns="45720" rIns="91440" bIns="45720" numCol="1" anchor="t" anchorCtr="0" compatLnSpc="1"/>
+          <a:lstStyle/>
           <a:p>
             <a:pPr marL="0" marR="0" indent="0" algn="l" defTabSz="914400" rtl="0" eaLnBrk="0" fontAlgn="base" latinLnBrk="0" hangingPunct="0">
               <a:lnSpc>
@@ -19098,7 +19124,7 @@
               <a:buNone/>
             </a:pPr>
             <a:r>
-              <a:rPr kumimoji="0" lang="en-US" altLang="zh-CN" sz="2400" b="0" i="0" u="none" strike="noStrike" cap="none" normalizeH="0" baseline="0" smtClean="0">
+              <a:rPr kumimoji="0" lang="en-US" altLang="zh-CN" sz="2400" b="0" i="0" u="none" strike="noStrike" cap="none" normalizeH="0" baseline="0">
                 <a:ln>
                   <a:noFill/>
                 </a:ln>
@@ -19110,16 +19136,6 @@
               </a:rPr>
               <a:t>1.html</a:t>
             </a:r>
-            <a:endParaRPr kumimoji="0" lang="en-US" altLang="zh-CN" sz="2400" b="0" i="0" u="none" strike="noStrike" cap="none" normalizeH="0" baseline="0" smtClean="0">
-              <a:ln>
-                <a:noFill/>
-              </a:ln>
-              <a:solidFill>
-                <a:schemeClr val="tx1"/>
-              </a:solidFill>
-              <a:effectLst/>
-              <a:latin typeface="Arial" panose="020B0604020202020204" pitchFamily="34" charset="0"/>
-            </a:endParaRPr>
           </a:p>
         </p:txBody>
       </p:sp>
@@ -19292,7 +19308,14 @@
         <p:cNvGrpSpPr/>
         <p:nvPr/>
       </p:nvGrpSpPr>
-      <p:grpSpPr/>
+      <p:grpSpPr>
+        <a:xfrm>
+          <a:off x="0" y="0"/>
+          <a:ext cx="0" cy="0"/>
+          <a:chOff x="0" y="0"/>
+          <a:chExt cx="0" cy="0"/>
+        </a:xfrm>
+      </p:grpSpPr>
       <p:sp>
         <p:nvSpPr>
           <p:cNvPr id="2" name="内容占位符 1"/>
@@ -19306,19 +19329,18 @@
         <p:spPr/>
         <p:txBody>
           <a:bodyPr/>
+          <a:lstStyle/>
           <a:p>
             <a:r>
               <a:rPr lang="en-US" altLang="zh-CN"/>
               <a:t> 全局变量是 window 对象的属性</a:t>
             </a:r>
-            <a:endParaRPr lang="en-US" altLang="zh-CN"/>
           </a:p>
           <a:p>
             <a:r>
               <a:rPr lang="en-US" altLang="zh-CN"/>
               <a:t> 全局函数是 window 对象的方法</a:t>
             </a:r>
-            <a:endParaRPr lang="en-US" altLang="zh-CN"/>
           </a:p>
         </p:txBody>
       </p:sp>
@@ -19335,6 +19357,7 @@
         <p:spPr/>
         <p:txBody>
           <a:bodyPr/>
+          <a:lstStyle/>
           <a:p>
             <a:r>
               <a:rPr lang="en-US" altLang="zh-CN"/>
@@ -19344,7 +19367,6 @@
               <a:rPr lang="zh-CN" altLang="en-US"/>
               <a:t>对象的属性</a:t>
             </a:r>
-            <a:endParaRPr lang="zh-CN" altLang="en-US"/>
           </a:p>
         </p:txBody>
       </p:sp>
@@ -19357,7 +19379,7 @@
           <p:nvPr/>
         </p:nvPicPr>
         <p:blipFill>
-          <a:blip r:embed="rId1">
+          <a:blip r:embed="rId3">
             <a:extLst>
               <a:ext uri="{28A0092B-C50C-407E-A947-70E740481C1C}">
                 <a14:useLocalDpi xmlns:a14="http://schemas.microsoft.com/office/drawing/2010/main" val="0"/>
@@ -19434,12 +19456,13 @@
           <a:bodyPr wrap="square" rtlCol="0" anchor="t">
             <a:spAutoFit/>
           </a:bodyPr>
+          <a:lstStyle/>
           <a:p>
             <a:r>
               <a:rPr lang="zh-CN" altLang="en-US">
                 <a:latin typeface="微软雅黑" panose="020B0503020204020204" pitchFamily="34" charset="-122"/>
                 <a:ea typeface="微软雅黑" panose="020B0503020204020204" pitchFamily="34" charset="-122"/>
-                <a:hlinkClick r:id="rId2"/>
+                <a:hlinkClick r:id="rId4"/>
               </a:rPr>
               <a:t>http://www.runoob.com/jsref/obj-window.html</a:t>
             </a:r>
@@ -19455,13 +19478,6 @@
   <p:clrMapOvr>
     <a:masterClrMapping/>
   </p:clrMapOvr>
-  <p:timing>
-    <p:tnLst>
-      <p:par>
-        <p:cTn id="1" dur="indefinite" restart="never" nodeType="tmRoot"/>
-      </p:par>
-    </p:tnLst>
-  </p:timing>
 </p:sld>
 </file>
 
@@ -19474,7 +19490,14 @@
         <p:cNvGrpSpPr/>
         <p:nvPr/>
       </p:nvGrpSpPr>
-      <p:grpSpPr/>
+      <p:grpSpPr>
+        <a:xfrm>
+          <a:off x="0" y="0"/>
+          <a:ext cx="0" cy="0"/>
+          <a:chOff x="0" y="0"/>
+          <a:chExt cx="0" cy="0"/>
+        </a:xfrm>
+      </p:grpSpPr>
       <p:sp>
         <p:nvSpPr>
           <p:cNvPr id="2" name="内容占位符 1"/>
@@ -19488,6 +19511,7 @@
         <p:spPr/>
         <p:txBody>
           <a:bodyPr/>
+          <a:lstStyle/>
           <a:p>
             <a:r>
               <a:rPr lang="en-US" altLang="zh-CN"/>
@@ -19508,14 +19532,12 @@
               <a:rPr lang="zh-CN" altLang="en-US"/>
               <a:t>标识符的命名规则</a:t>
             </a:r>
-            <a:endParaRPr lang="zh-CN" altLang="en-US"/>
           </a:p>
           <a:p>
             <a:r>
               <a:rPr lang="zh-CN" altLang="en-US"/>
               <a:t> 属性名字</a:t>
             </a:r>
-            <a:endParaRPr lang="zh-CN" altLang="en-US"/>
           </a:p>
           <a:p>
             <a:r>
@@ -19530,7 +19552,6 @@
               <a:rPr lang="zh-CN" altLang="en-US"/>
               <a:t>对象属性</a:t>
             </a:r>
-            <a:endParaRPr lang="zh-CN" altLang="en-US"/>
           </a:p>
         </p:txBody>
       </p:sp>
@@ -19547,12 +19568,12 @@
         <p:spPr/>
         <p:txBody>
           <a:bodyPr/>
+          <a:lstStyle/>
           <a:p>
             <a:r>
               <a:rPr lang="zh-CN" altLang="en-US"/>
               <a:t>总结</a:t>
             </a:r>
-            <a:endParaRPr lang="zh-CN" altLang="en-US"/>
           </a:p>
         </p:txBody>
       </p:sp>
@@ -19561,83 +19582,74 @@
   <p:clrMapOvr>
     <a:masterClrMapping/>
   </p:clrMapOvr>
-  <p:timing>
-    <p:tnLst>
-      <p:par>
-        <p:cTn id="1" dur="indefinite" restart="never" nodeType="tmRoot"/>
-      </p:par>
-    </p:tnLst>
-  </p:timing>
 </p:sld>
 </file>
 
 <file path=ppt/tags/tag1.xml><?xml version="1.0" encoding="utf-8"?>
-<p:tagLst xmlns:p="http://schemas.openxmlformats.org/presentationml/2006/main">
-  <p:tag name="RAINPROBLEM" val="ProblemBody"/>
+<p:tagLst xmlns:a="http://schemas.openxmlformats.org/drawingml/2006/main" xmlns:r="http://schemas.openxmlformats.org/officeDocument/2006/relationships" xmlns:p="http://schemas.openxmlformats.org/presentationml/2006/main">
+  <p:tag name="RAINPROBLEM" val="MultipleChoice"/>
+  <p:tag name="PROBLEMSCORE" val="1.0"/>
 </p:tagLst>
 </file>
 
 <file path=ppt/tags/tag10.xml><?xml version="1.0" encoding="utf-8"?>
-<p:tagLst xmlns:p="http://schemas.openxmlformats.org/presentationml/2006/main">
+<p:tagLst xmlns:a="http://schemas.openxmlformats.org/drawingml/2006/main" xmlns:r="http://schemas.openxmlformats.org/officeDocument/2006/relationships" xmlns:p="http://schemas.openxmlformats.org/presentationml/2006/main">
   <p:tag name="RAINPROBLEMTYPE" val="ProblemTypeMarker"/>
 </p:tagLst>
 </file>
 
 <file path=ppt/tags/tag11.xml><?xml version="1.0" encoding="utf-8"?>
-<p:tagLst xmlns:p="http://schemas.openxmlformats.org/presentationml/2006/main">
-  <p:tag name="RAINPROBLEMTYPE" val="ProblemTypeMarker"/>
-</p:tagLst>
-</file>
-
-<file path=ppt/tags/tag12.xml><?xml version="1.0" encoding="utf-8"?>
-<p:tagLst xmlns:p="http://schemas.openxmlformats.org/presentationml/2006/main">
-  <p:tag name="RAINPROBLEMTYPE" val="ProblemTypeMarker"/>
-</p:tagLst>
-</file>
-
-<file path=ppt/tags/tag13.xml><?xml version="1.0" encoding="utf-8"?>
-<p:tagLst xmlns:p="http://schemas.openxmlformats.org/presentationml/2006/main">
+<p:tagLst xmlns:a="http://schemas.openxmlformats.org/drawingml/2006/main" xmlns:r="http://schemas.openxmlformats.org/officeDocument/2006/relationships" xmlns:p="http://schemas.openxmlformats.org/presentationml/2006/main">
   <p:tag name="RAINPROBLEM" val="ProblemBullet"/>
   <p:tag name="RAINPROBLEMTYPE" val="MultipleChoice"/>
   <p:tag name="RAINBULLET" val="Wrong"/>
 </p:tagLst>
 </file>
 
+<file path=ppt/tags/tag12.xml><?xml version="1.0" encoding="utf-8"?>
+<p:tagLst xmlns:a="http://schemas.openxmlformats.org/drawingml/2006/main" xmlns:r="http://schemas.openxmlformats.org/officeDocument/2006/relationships" xmlns:p="http://schemas.openxmlformats.org/presentationml/2006/main">
+  <p:tag name="RAINPROBLEMTYPE" val="ProblemTypeMarker"/>
+</p:tagLst>
+</file>
+
+<file path=ppt/tags/tag13.xml><?xml version="1.0" encoding="utf-8"?>
+<p:tagLst xmlns:a="http://schemas.openxmlformats.org/drawingml/2006/main" xmlns:r="http://schemas.openxmlformats.org/officeDocument/2006/relationships" xmlns:p="http://schemas.openxmlformats.org/presentationml/2006/main">
+  <p:tag name="RAINPROBLEMTYPE" val="ProblemTypeMarker"/>
+</p:tagLst>
+</file>
+
 <file path=ppt/tags/tag14.xml><?xml version="1.0" encoding="utf-8"?>
-<p:tagLst xmlns:p="http://schemas.openxmlformats.org/presentationml/2006/main">
-  <p:tag name="RAINPROBLEM" val="MultipleChoice"/>
-  <p:tag name="PROBLEMSCORE" val="1.0"/>
+<p:tagLst xmlns:a="http://schemas.openxmlformats.org/drawingml/2006/main" xmlns:r="http://schemas.openxmlformats.org/officeDocument/2006/relationships" xmlns:p="http://schemas.openxmlformats.org/presentationml/2006/main">
+  <p:tag name="RAINPROBLEMTYPE" val="ProblemTypeMarker"/>
 </p:tagLst>
 </file>
 
 <file path=ppt/tags/tag2.xml><?xml version="1.0" encoding="utf-8"?>
-<p:tagLst xmlns:p="http://schemas.openxmlformats.org/presentationml/2006/main">
-  <p:tag name="RAINPROBLEM" val="ProblemItem"/>
+<p:tagLst xmlns:a="http://schemas.openxmlformats.org/drawingml/2006/main" xmlns:r="http://schemas.openxmlformats.org/officeDocument/2006/relationships" xmlns:p="http://schemas.openxmlformats.org/presentationml/2006/main">
+  <p:tag name="RAINPROBLEM" val="ProblemBody"/>
 </p:tagLst>
 </file>
 
 <file path=ppt/tags/tag3.xml><?xml version="1.0" encoding="utf-8"?>
-<p:tagLst xmlns:p="http://schemas.openxmlformats.org/presentationml/2006/main">
+<p:tagLst xmlns:a="http://schemas.openxmlformats.org/drawingml/2006/main" xmlns:r="http://schemas.openxmlformats.org/officeDocument/2006/relationships" xmlns:p="http://schemas.openxmlformats.org/presentationml/2006/main">
   <p:tag name="RAINPROBLEM" val="ProblemItem"/>
 </p:tagLst>
 </file>
 
 <file path=ppt/tags/tag4.xml><?xml version="1.0" encoding="utf-8"?>
-<p:tagLst xmlns:p="http://schemas.openxmlformats.org/presentationml/2006/main">
+<p:tagLst xmlns:a="http://schemas.openxmlformats.org/drawingml/2006/main" xmlns:r="http://schemas.openxmlformats.org/officeDocument/2006/relationships" xmlns:p="http://schemas.openxmlformats.org/presentationml/2006/main">
   <p:tag name="RAINPROBLEM" val="ProblemItem"/>
 </p:tagLst>
 </file>
 
 <file path=ppt/tags/tag5.xml><?xml version="1.0" encoding="utf-8"?>
-<p:tagLst xmlns:p="http://schemas.openxmlformats.org/presentationml/2006/main">
-  <p:tag name="RAINPROBLEM" val="ProblemBullet"/>
-  <p:tag name="RAINPROBLEMTYPE" val="MultipleChoice"/>
-  <p:tag name="RAINBULLET" val="Wrong"/>
+<p:tagLst xmlns:a="http://schemas.openxmlformats.org/drawingml/2006/main" xmlns:r="http://schemas.openxmlformats.org/officeDocument/2006/relationships" xmlns:p="http://schemas.openxmlformats.org/presentationml/2006/main">
+  <p:tag name="RAINPROBLEM" val="ProblemItem"/>
 </p:tagLst>
 </file>
 
 <file path=ppt/tags/tag6.xml><?xml version="1.0" encoding="utf-8"?>
-<p:tagLst xmlns:p="http://schemas.openxmlformats.org/presentationml/2006/main">
+<p:tagLst xmlns:a="http://schemas.openxmlformats.org/drawingml/2006/main" xmlns:r="http://schemas.openxmlformats.org/officeDocument/2006/relationships" xmlns:p="http://schemas.openxmlformats.org/presentationml/2006/main">
   <p:tag name="RAINPROBLEM" val="ProblemBullet"/>
   <p:tag name="RAINPROBLEMTYPE" val="MultipleChoice"/>
   <p:tag name="RAINBULLET" val="Wrong"/>
@@ -19645,22 +19657,24 @@
 </file>
 
 <file path=ppt/tags/tag7.xml><?xml version="1.0" encoding="utf-8"?>
-<p:tagLst xmlns:p="http://schemas.openxmlformats.org/presentationml/2006/main">
-  <p:tag name="RAINPROBLEM" val="ProblemItem"/>
-</p:tagLst>
-</file>
-
-<file path=ppt/tags/tag8.xml><?xml version="1.0" encoding="utf-8"?>
-<p:tagLst xmlns:p="http://schemas.openxmlformats.org/presentationml/2006/main">
+<p:tagLst xmlns:a="http://schemas.openxmlformats.org/drawingml/2006/main" xmlns:r="http://schemas.openxmlformats.org/officeDocument/2006/relationships" xmlns:p="http://schemas.openxmlformats.org/presentationml/2006/main">
   <p:tag name="RAINPROBLEM" val="ProblemBullet"/>
   <p:tag name="RAINPROBLEMTYPE" val="MultipleChoice"/>
   <p:tag name="RAINBULLET" val="Wrong"/>
 </p:tagLst>
 </file>
 
+<file path=ppt/tags/tag8.xml><?xml version="1.0" encoding="utf-8"?>
+<p:tagLst xmlns:a="http://schemas.openxmlformats.org/drawingml/2006/main" xmlns:r="http://schemas.openxmlformats.org/officeDocument/2006/relationships" xmlns:p="http://schemas.openxmlformats.org/presentationml/2006/main">
+  <p:tag name="RAINPROBLEM" val="ProblemItem"/>
+</p:tagLst>
+</file>
+
 <file path=ppt/tags/tag9.xml><?xml version="1.0" encoding="utf-8"?>
-<p:tagLst xmlns:p="http://schemas.openxmlformats.org/presentationml/2006/main">
-  <p:tag name="RAINPROBLEMTYPE" val="ProblemTypeMarker"/>
+<p:tagLst xmlns:a="http://schemas.openxmlformats.org/drawingml/2006/main" xmlns:r="http://schemas.openxmlformats.org/officeDocument/2006/relationships" xmlns:p="http://schemas.openxmlformats.org/presentationml/2006/main">
+  <p:tag name="RAINPROBLEM" val="ProblemBullet"/>
+  <p:tag name="RAINPROBLEMTYPE" val="MultipleChoice"/>
+  <p:tag name="RAINBULLET" val="Wrong"/>
 </p:tagLst>
 </file>
 
@@ -19944,6 +19958,8 @@
       </a:bgFillStyleLst>
     </a:fmtScheme>
   </a:themeElements>
+  <a:objectDefaults/>
+  <a:extraClrSchemeLst/>
   <a:extLst>
     <a:ext uri="{05A4C25C-085E-4340-85A3-A5531E510DB2}">
       <thm15:themeFamily xmlns:thm15="http://schemas.microsoft.com/office/thememl/2012/main" name="Office Theme" id="{62F939B6-93AF-4DB8-9C6B-D6C7DFDC589F}" vid="{4A3C46E8-61CC-4603-A589-7422A47A8E4A}"/>
@@ -20286,6 +20302,7 @@
       </a:lstStyle>
     </a:lnDef>
   </a:objectDefaults>
+  <a:extraClrSchemeLst/>
   <a:extLst>
     <a:ext uri="{05A4C25C-085E-4340-85A3-A5531E510DB2}">
       <thm15:themeFamily xmlns:thm15="http://schemas.microsoft.com/office/thememl/2012/main" name="Office Theme" id="{62F939B6-93AF-4DB8-9C6B-D6C7DFDC589F}" vid="{4A3C46E8-61CC-4603-A589-7422A47A8E4A}"/>
@@ -20574,6 +20591,8 @@
       </a:bgFillStyleLst>
     </a:fmtScheme>
   </a:themeElements>
+  <a:objectDefaults/>
+  <a:extraClrSchemeLst/>
   <a:extLst>
     <a:ext uri="{05A4C25C-085E-4340-85A3-A5531E510DB2}">
       <thm15:themeFamily xmlns:thm15="http://schemas.microsoft.com/office/thememl/2012/main" name="Office Theme" id="{62F939B6-93AF-4DB8-9C6B-D6C7DFDC589F}" vid="{4A3C46E8-61CC-4603-A589-7422A47A8E4A}"/>
@@ -20862,6 +20881,8 @@
       </a:bgFillStyleLst>
     </a:fmtScheme>
   </a:themeElements>
+  <a:objectDefaults/>
+  <a:extraClrSchemeLst/>
   <a:extLst>
     <a:ext uri="{05A4C25C-085E-4340-85A3-A5531E510DB2}">
       <thm15:themeFamily xmlns:thm15="http://schemas.microsoft.com/office/thememl/2012/main" name="Office Theme" id="{62F939B6-93AF-4DB8-9C6B-D6C7DFDC589F}" vid="{4A3C46E8-61CC-4603-A589-7422A47A8E4A}"/>
@@ -21150,6 +21171,8 @@
       </a:bgFillStyleLst>
     </a:fmtScheme>
   </a:themeElements>
+  <a:objectDefaults/>
+  <a:extraClrSchemeLst/>
   <a:extLst>
     <a:ext uri="{05A4C25C-085E-4340-85A3-A5531E510DB2}">
       <thm15:themeFamily xmlns:thm15="http://schemas.microsoft.com/office/thememl/2012/main" name="Office Theme" id="{62F939B6-93AF-4DB8-9C6B-D6C7DFDC589F}" vid="{4A3C46E8-61CC-4603-A589-7422A47A8E4A}"/>
@@ -21436,6 +21459,8 @@
       </a:bgFillStyleLst>
     </a:fmtScheme>
   </a:themeElements>
+  <a:objectDefaults/>
+  <a:extraClrSchemeLst/>
   <a:extLst>
     <a:ext uri="{05A4C25C-085E-4340-85A3-A5531E510DB2}">
       <thm15:themeFamily xmlns:thm15="http://schemas.microsoft.com/office/thememl/2012/main" name="Office Theme" id="{62F939B6-93AF-4DB8-9C6B-D6C7DFDC589F}" vid="{4A3C46E8-61CC-4603-A589-7422A47A8E4A}"/>
@@ -21695,6 +21720,8 @@
       </a:bgFillStyleLst>
     </a:fmtScheme>
   </a:themeElements>
+  <a:objectDefaults/>
+  <a:extraClrSchemeLst/>
   <a:extLst>
     <a:ext uri="{05A4C25C-085E-4340-85A3-A5531E510DB2}">
       <thm15:themeFamily xmlns:thm15="http://schemas.microsoft.com/office/thememl/2012/main" name="Office Theme" id="{62F939B6-93AF-4DB8-9C6B-D6C7DFDC589F}" vid="{4A3C46E8-61CC-4603-A589-7422A47A8E4A}"/>
